--- a/CLIPRO.pptx
+++ b/CLIPRO.pptx
@@ -7,14 +7,18 @@
   <p:sldIdLst>
     <p:sldId id="256" r:id="rId2"/>
     <p:sldId id="269" r:id="rId3"/>
-    <p:sldId id="257" r:id="rId4"/>
-    <p:sldId id="261" r:id="rId5"/>
-    <p:sldId id="272" r:id="rId6"/>
-    <p:sldId id="268" r:id="rId7"/>
-    <p:sldId id="265" r:id="rId8"/>
-    <p:sldId id="266" r:id="rId9"/>
-    <p:sldId id="271" r:id="rId10"/>
-    <p:sldId id="267" r:id="rId11"/>
+    <p:sldId id="274" r:id="rId4"/>
+    <p:sldId id="257" r:id="rId5"/>
+    <p:sldId id="273" r:id="rId6"/>
+    <p:sldId id="261" r:id="rId7"/>
+    <p:sldId id="272" r:id="rId8"/>
+    <p:sldId id="268" r:id="rId9"/>
+    <p:sldId id="265" r:id="rId10"/>
+    <p:sldId id="266" r:id="rId11"/>
+    <p:sldId id="271" r:id="rId12"/>
+    <p:sldId id="267" r:id="rId13"/>
+    <p:sldId id="275" r:id="rId14"/>
+    <p:sldId id="276" r:id="rId15"/>
   </p:sldIdLst>
   <p:sldSz cx="12192000" cy="6858000"/>
   <p:notesSz cx="6858000" cy="9144000"/>
@@ -113,6 +117,11 @@
       </a:defRPr>
     </a:lvl9pPr>
   </p:defaultTextStyle>
+  <p:extLst>
+    <p:ext uri="{EFAFB233-063F-42B5-8137-9DF3F51BA10A}">
+      <p15:sldGuideLst xmlns:p15="http://schemas.microsoft.com/office/powerpoint/2012/main"/>
+    </p:ext>
+  </p:extLst>
 </p:presentation>
 </file>
 
@@ -247,7 +256,7 @@
           <a:p>
             <a:fld id="{DF2E0C1E-9FCB-4951-92C8-691B61535B12}" type="datetimeFigureOut">
               <a:rPr lang="fr-FR" smtClean="0"/>
-              <a:t>27/03/2018</a:t>
+              <a:t>10/04/2018</a:t>
             </a:fld>
             <a:endParaRPr lang="fr-FR"/>
           </a:p>
@@ -417,7 +426,7 @@
           <a:p>
             <a:fld id="{DF2E0C1E-9FCB-4951-92C8-691B61535B12}" type="datetimeFigureOut">
               <a:rPr lang="fr-FR" smtClean="0"/>
-              <a:t>27/03/2018</a:t>
+              <a:t>10/04/2018</a:t>
             </a:fld>
             <a:endParaRPr lang="fr-FR"/>
           </a:p>
@@ -597,7 +606,7 @@
           <a:p>
             <a:fld id="{DF2E0C1E-9FCB-4951-92C8-691B61535B12}" type="datetimeFigureOut">
               <a:rPr lang="fr-FR" smtClean="0"/>
-              <a:t>27/03/2018</a:t>
+              <a:t>10/04/2018</a:t>
             </a:fld>
             <a:endParaRPr lang="fr-FR"/>
           </a:p>
@@ -767,7 +776,7 @@
           <a:p>
             <a:fld id="{DF2E0C1E-9FCB-4951-92C8-691B61535B12}" type="datetimeFigureOut">
               <a:rPr lang="fr-FR" smtClean="0"/>
-              <a:t>27/03/2018</a:t>
+              <a:t>10/04/2018</a:t>
             </a:fld>
             <a:endParaRPr lang="fr-FR"/>
           </a:p>
@@ -1013,7 +1022,7 @@
           <a:p>
             <a:fld id="{DF2E0C1E-9FCB-4951-92C8-691B61535B12}" type="datetimeFigureOut">
               <a:rPr lang="fr-FR" smtClean="0"/>
-              <a:t>27/03/2018</a:t>
+              <a:t>10/04/2018</a:t>
             </a:fld>
             <a:endParaRPr lang="fr-FR"/>
           </a:p>
@@ -1245,7 +1254,7 @@
           <a:p>
             <a:fld id="{DF2E0C1E-9FCB-4951-92C8-691B61535B12}" type="datetimeFigureOut">
               <a:rPr lang="fr-FR" smtClean="0"/>
-              <a:t>27/03/2018</a:t>
+              <a:t>10/04/2018</a:t>
             </a:fld>
             <a:endParaRPr lang="fr-FR"/>
           </a:p>
@@ -1612,7 +1621,7 @@
           <a:p>
             <a:fld id="{DF2E0C1E-9FCB-4951-92C8-691B61535B12}" type="datetimeFigureOut">
               <a:rPr lang="fr-FR" smtClean="0"/>
-              <a:t>27/03/2018</a:t>
+              <a:t>10/04/2018</a:t>
             </a:fld>
             <a:endParaRPr lang="fr-FR"/>
           </a:p>
@@ -1730,7 +1739,7 @@
           <a:p>
             <a:fld id="{DF2E0C1E-9FCB-4951-92C8-691B61535B12}" type="datetimeFigureOut">
               <a:rPr lang="fr-FR" smtClean="0"/>
-              <a:t>27/03/2018</a:t>
+              <a:t>10/04/2018</a:t>
             </a:fld>
             <a:endParaRPr lang="fr-FR"/>
           </a:p>
@@ -1825,7 +1834,7 @@
           <a:p>
             <a:fld id="{DF2E0C1E-9FCB-4951-92C8-691B61535B12}" type="datetimeFigureOut">
               <a:rPr lang="fr-FR" smtClean="0"/>
-              <a:t>27/03/2018</a:t>
+              <a:t>10/04/2018</a:t>
             </a:fld>
             <a:endParaRPr lang="fr-FR"/>
           </a:p>
@@ -2102,7 +2111,7 @@
           <a:p>
             <a:fld id="{DF2E0C1E-9FCB-4951-92C8-691B61535B12}" type="datetimeFigureOut">
               <a:rPr lang="fr-FR" smtClean="0"/>
-              <a:t>27/03/2018</a:t>
+              <a:t>10/04/2018</a:t>
             </a:fld>
             <a:endParaRPr lang="fr-FR"/>
           </a:p>
@@ -2355,7 +2364,7 @@
           <a:p>
             <a:fld id="{DF2E0C1E-9FCB-4951-92C8-691B61535B12}" type="datetimeFigureOut">
               <a:rPr lang="fr-FR" smtClean="0"/>
-              <a:t>27/03/2018</a:t>
+              <a:t>10/04/2018</a:t>
             </a:fld>
             <a:endParaRPr lang="fr-FR"/>
           </a:p>
@@ -2568,7 +2577,7 @@
           <a:p>
             <a:fld id="{DF2E0C1E-9FCB-4951-92C8-691B61535B12}" type="datetimeFigureOut">
               <a:rPr lang="fr-FR" smtClean="0"/>
-              <a:t>27/03/2018</a:t>
+              <a:t>10/04/2018</a:t>
             </a:fld>
             <a:endParaRPr lang="fr-FR"/>
           </a:p>
@@ -2993,20 +3002,22 @@
         </p:nvSpPr>
         <p:spPr/>
         <p:txBody>
-          <a:bodyPr/>
-          <a:lstStyle/>
-          <a:p>
-            <a:r>
-              <a:rPr lang="fr-FR" dirty="0" smtClean="0">
+          <a:bodyPr>
+            <a:normAutofit/>
+          </a:bodyPr>
+          <a:lstStyle/>
+          <a:p>
+            <a:r>
+              <a:rPr lang="fr-FR" sz="6600" b="1" dirty="0" smtClean="0">
                 <a:solidFill>
-                  <a:srgbClr val="C00000"/>
+                  <a:srgbClr val="EE0031"/>
                 </a:solidFill>
               </a:rPr>
-              <a:t>CLIPRO</a:t>
-            </a:r>
-            <a:endParaRPr lang="fr-FR" dirty="0">
+              <a:t>M-BANKING CLIPRO</a:t>
+            </a:r>
+            <a:endParaRPr lang="fr-FR" sz="6600" b="1" dirty="0">
               <a:solidFill>
-                <a:srgbClr val="C00000"/>
+                <a:srgbClr val="EE0031"/>
               </a:solidFill>
             </a:endParaRPr>
           </a:p>
@@ -3030,7 +3041,7 @@
             <a:r>
               <a:rPr lang="fr-FR" sz="3600" dirty="0" smtClean="0">
                 <a:solidFill>
-                  <a:schemeClr val="bg1"/>
+                  <a:srgbClr val="EE0031"/>
                 </a:solidFill>
               </a:rPr>
               <a:t>UX DESIGN</a:t>
@@ -3038,21 +3049,21 @@
             <a:br>
               <a:rPr lang="fr-FR" sz="3600" dirty="0" smtClean="0">
                 <a:solidFill>
-                  <a:schemeClr val="bg1"/>
+                  <a:srgbClr val="EE0031"/>
                 </a:solidFill>
               </a:rPr>
             </a:br>
             <a:r>
               <a:rPr lang="fr-FR" dirty="0" smtClean="0">
                 <a:solidFill>
-                  <a:schemeClr val="bg1"/>
+                  <a:srgbClr val="EE0031"/>
                 </a:solidFill>
               </a:rPr>
               <a:t> RECOMMANDATIONS FONCTIONNELLES ET ERGONOMIQUES</a:t>
             </a:r>
             <a:endParaRPr lang="fr-FR" dirty="0">
               <a:solidFill>
-                <a:schemeClr val="bg1"/>
+                <a:srgbClr val="EE0031"/>
               </a:solidFill>
             </a:endParaRPr>
           </a:p>
@@ -3141,16 +3152,16 @@
           <a:lstStyle/>
           <a:p>
             <a:r>
-              <a:rPr lang="fr-FR" dirty="0" smtClean="0">
+              <a:rPr lang="fr-FR" b="1" dirty="0" smtClean="0">
                 <a:solidFill>
-                  <a:srgbClr val="C00000"/>
+                  <a:srgbClr val="EE0031"/>
                 </a:solidFill>
               </a:rPr>
-              <a:t>BUGS ERGONOMIQUE</a:t>
-            </a:r>
-            <a:endParaRPr lang="fr-FR" dirty="0">
+              <a:t>HTTP STATUS 500</a:t>
+            </a:r>
+            <a:endParaRPr lang="fr-FR" b="1" dirty="0">
               <a:solidFill>
-                <a:srgbClr val="C00000"/>
+                <a:srgbClr val="EE0031"/>
               </a:solidFill>
             </a:endParaRPr>
           </a:p>
@@ -3188,6 +3199,335 @@
       </p:pic>
       <p:pic>
         <p:nvPicPr>
+          <p:cNvPr id="4" name="Image 3"/>
+          <p:cNvPicPr>
+            <a:picLocks noChangeAspect="1"/>
+          </p:cNvPicPr>
+          <p:nvPr/>
+        </p:nvPicPr>
+        <p:blipFill rotWithShape="1">
+          <a:blip r:embed="rId3"/>
+          <a:srcRect t="5990" r="1997" b="5911"/>
+          <a:stretch/>
+        </p:blipFill>
+        <p:spPr>
+          <a:xfrm>
+            <a:off x="1408922" y="1690688"/>
+            <a:ext cx="8854751" cy="4477449"/>
+          </a:xfrm>
+          <a:prstGeom prst="rect">
+            <a:avLst/>
+          </a:prstGeom>
+        </p:spPr>
+      </p:pic>
+      <p:sp>
+        <p:nvSpPr>
+          <p:cNvPr id="5" name="ZoneTexte 4"/>
+          <p:cNvSpPr txBox="1"/>
+          <p:nvPr/>
+        </p:nvSpPr>
+        <p:spPr>
+          <a:xfrm>
+            <a:off x="8438949" y="4167576"/>
+            <a:ext cx="2847977" cy="523220"/>
+          </a:xfrm>
+          <a:prstGeom prst="rect">
+            <a:avLst/>
+          </a:prstGeom>
+          <a:noFill/>
+        </p:spPr>
+        <p:txBody>
+          <a:bodyPr wrap="square" rtlCol="0">
+            <a:spAutoFit/>
+          </a:bodyPr>
+          <a:lstStyle/>
+          <a:p>
+            <a:r>
+              <a:rPr lang="fr-FR" sz="1400" dirty="0" smtClean="0">
+                <a:solidFill>
+                  <a:srgbClr val="C00000"/>
+                </a:solidFill>
+              </a:rPr>
+              <a:t>Sur une dizaine de connexions, cette erreur est apparue 5 fois</a:t>
+            </a:r>
+            <a:endParaRPr lang="fr-FR" sz="1400" dirty="0">
+              <a:solidFill>
+                <a:schemeClr val="tx1">
+                  <a:lumMod val="75000"/>
+                  <a:lumOff val="25000"/>
+                </a:schemeClr>
+              </a:solidFill>
+            </a:endParaRPr>
+          </a:p>
+        </p:txBody>
+      </p:sp>
+    </p:spTree>
+    <p:extLst>
+      <p:ext uri="{BB962C8B-B14F-4D97-AF65-F5344CB8AC3E}">
+        <p14:creationId xmlns:p14="http://schemas.microsoft.com/office/powerpoint/2010/main" val="1616367924"/>
+      </p:ext>
+    </p:extLst>
+  </p:cSld>
+  <p:clrMapOvr>
+    <a:masterClrMapping/>
+  </p:clrMapOvr>
+  <p:timing>
+    <p:tnLst>
+      <p:par>
+        <p:cTn id="1" dur="indefinite" restart="never" nodeType="tmRoot"/>
+      </p:par>
+    </p:tnLst>
+  </p:timing>
+</p:sld>
+</file>
+
+<file path=ppt/slides/slide11.xml><?xml version="1.0" encoding="utf-8"?>
+<p:sld xmlns:a="http://schemas.openxmlformats.org/drawingml/2006/main" xmlns:r="http://schemas.openxmlformats.org/officeDocument/2006/relationships" xmlns:p="http://schemas.openxmlformats.org/presentationml/2006/main">
+  <p:cSld>
+    <p:spTree>
+      <p:nvGrpSpPr>
+        <p:cNvPr id="1" name=""/>
+        <p:cNvGrpSpPr/>
+        <p:nvPr/>
+      </p:nvGrpSpPr>
+      <p:grpSpPr>
+        <a:xfrm>
+          <a:off x="0" y="0"/>
+          <a:ext cx="0" cy="0"/>
+          <a:chOff x="0" y="0"/>
+          <a:chExt cx="0" cy="0"/>
+        </a:xfrm>
+      </p:grpSpPr>
+      <p:sp>
+        <p:nvSpPr>
+          <p:cNvPr id="2" name="Titre 1"/>
+          <p:cNvSpPr>
+            <a:spLocks noGrp="1"/>
+          </p:cNvSpPr>
+          <p:nvPr>
+            <p:ph type="title"/>
+          </p:nvPr>
+        </p:nvSpPr>
+        <p:spPr/>
+        <p:txBody>
+          <a:bodyPr/>
+          <a:lstStyle/>
+          <a:p>
+            <a:r>
+              <a:rPr lang="fr-FR" b="1" dirty="0" smtClean="0">
+                <a:solidFill>
+                  <a:srgbClr val="EE0031"/>
+                </a:solidFill>
+              </a:rPr>
+              <a:t>ERREUR NON SPÉCIFIÉE</a:t>
+            </a:r>
+            <a:endParaRPr lang="fr-FR" b="1" dirty="0">
+              <a:solidFill>
+                <a:srgbClr val="EE0031"/>
+              </a:solidFill>
+            </a:endParaRPr>
+          </a:p>
+        </p:txBody>
+      </p:sp>
+      <p:pic>
+        <p:nvPicPr>
+          <p:cNvPr id="3" name="Image 2"/>
+          <p:cNvPicPr>
+            <a:picLocks noChangeAspect="1"/>
+          </p:cNvPicPr>
+          <p:nvPr/>
+        </p:nvPicPr>
+        <p:blipFill>
+          <a:blip r:embed="rId2">
+            <a:extLst>
+              <a:ext uri="{28A0092B-C50C-407E-A947-70E740481C1C}">
+                <a14:useLocalDpi xmlns:a14="http://schemas.microsoft.com/office/drawing/2010/main" val="0"/>
+              </a:ext>
+            </a:extLst>
+          </a:blip>
+          <a:stretch>
+            <a:fillRect/>
+          </a:stretch>
+        </p:blipFill>
+        <p:spPr>
+          <a:xfrm>
+            <a:off x="11209943" y="152383"/>
+            <a:ext cx="875523" cy="875523"/>
+          </a:xfrm>
+          <a:prstGeom prst="rect">
+            <a:avLst/>
+          </a:prstGeom>
+        </p:spPr>
+      </p:pic>
+      <p:pic>
+        <p:nvPicPr>
+          <p:cNvPr id="6" name="Image 5"/>
+          <p:cNvPicPr>
+            <a:picLocks noChangeAspect="1"/>
+          </p:cNvPicPr>
+          <p:nvPr/>
+        </p:nvPicPr>
+        <p:blipFill rotWithShape="1">
+          <a:blip r:embed="rId3"/>
+          <a:srcRect t="5426" r="36611" b="37696"/>
+          <a:stretch/>
+        </p:blipFill>
+        <p:spPr>
+          <a:xfrm>
+            <a:off x="838200" y="1690688"/>
+            <a:ext cx="9132490" cy="4609323"/>
+          </a:xfrm>
+          <a:prstGeom prst="rect">
+            <a:avLst/>
+          </a:prstGeom>
+        </p:spPr>
+      </p:pic>
+      <p:sp>
+        <p:nvSpPr>
+          <p:cNvPr id="5" name="ZoneTexte 4"/>
+          <p:cNvSpPr txBox="1"/>
+          <p:nvPr/>
+        </p:nvSpPr>
+        <p:spPr>
+          <a:xfrm>
+            <a:off x="6647471" y="4083601"/>
+            <a:ext cx="2847977" cy="584775"/>
+          </a:xfrm>
+          <a:prstGeom prst="rect">
+            <a:avLst/>
+          </a:prstGeom>
+          <a:noFill/>
+        </p:spPr>
+        <p:txBody>
+          <a:bodyPr wrap="square" rtlCol="0">
+            <a:spAutoFit/>
+          </a:bodyPr>
+          <a:lstStyle/>
+          <a:p>
+            <a:r>
+              <a:rPr lang="fr-FR" sz="1600" dirty="0" smtClean="0">
+                <a:solidFill>
+                  <a:schemeClr val="bg1"/>
+                </a:solidFill>
+              </a:rPr>
+              <a:t>Sur une dizaine de connexions, cette erreur est apparue 1 fois</a:t>
+            </a:r>
+            <a:endParaRPr lang="fr-FR" sz="1600" dirty="0">
+              <a:solidFill>
+                <a:schemeClr val="bg1"/>
+              </a:solidFill>
+            </a:endParaRPr>
+          </a:p>
+        </p:txBody>
+      </p:sp>
+    </p:spTree>
+    <p:extLst>
+      <p:ext uri="{BB962C8B-B14F-4D97-AF65-F5344CB8AC3E}">
+        <p14:creationId xmlns:p14="http://schemas.microsoft.com/office/powerpoint/2010/main" val="1228805623"/>
+      </p:ext>
+    </p:extLst>
+  </p:cSld>
+  <p:clrMapOvr>
+    <a:masterClrMapping/>
+  </p:clrMapOvr>
+  <p:timing>
+    <p:tnLst>
+      <p:par>
+        <p:cTn id="1" dur="indefinite" restart="never" nodeType="tmRoot"/>
+      </p:par>
+    </p:tnLst>
+  </p:timing>
+</p:sld>
+</file>
+
+<file path=ppt/slides/slide12.xml><?xml version="1.0" encoding="utf-8"?>
+<p:sld xmlns:a="http://schemas.openxmlformats.org/drawingml/2006/main" xmlns:r="http://schemas.openxmlformats.org/officeDocument/2006/relationships" xmlns:p="http://schemas.openxmlformats.org/presentationml/2006/main">
+  <p:cSld>
+    <p:spTree>
+      <p:nvGrpSpPr>
+        <p:cNvPr id="1" name=""/>
+        <p:cNvGrpSpPr/>
+        <p:nvPr/>
+      </p:nvGrpSpPr>
+      <p:grpSpPr>
+        <a:xfrm>
+          <a:off x="0" y="0"/>
+          <a:ext cx="0" cy="0"/>
+          <a:chOff x="0" y="0"/>
+          <a:chExt cx="0" cy="0"/>
+        </a:xfrm>
+      </p:grpSpPr>
+      <p:sp>
+        <p:nvSpPr>
+          <p:cNvPr id="2" name="Titre 1"/>
+          <p:cNvSpPr>
+            <a:spLocks noGrp="1"/>
+          </p:cNvSpPr>
+          <p:nvPr>
+            <p:ph type="title"/>
+          </p:nvPr>
+        </p:nvSpPr>
+        <p:spPr/>
+        <p:txBody>
+          <a:bodyPr/>
+          <a:lstStyle/>
+          <a:p>
+            <a:r>
+              <a:rPr lang="fr-FR" b="1" dirty="0" smtClean="0">
+                <a:solidFill>
+                  <a:srgbClr val="EE0031"/>
+                </a:solidFill>
+              </a:rPr>
+              <a:t>BUGS </a:t>
+            </a:r>
+            <a:r>
+              <a:rPr lang="fr-FR" b="1" dirty="0" smtClean="0">
+                <a:solidFill>
+                  <a:srgbClr val="EE0031"/>
+                </a:solidFill>
+              </a:rPr>
+              <a:t>ERGONOMIQUES</a:t>
+            </a:r>
+            <a:endParaRPr lang="fr-FR" b="1" dirty="0">
+              <a:solidFill>
+                <a:srgbClr val="EE0031"/>
+              </a:solidFill>
+            </a:endParaRPr>
+          </a:p>
+        </p:txBody>
+      </p:sp>
+      <p:pic>
+        <p:nvPicPr>
+          <p:cNvPr id="3" name="Image 2"/>
+          <p:cNvPicPr>
+            <a:picLocks noChangeAspect="1"/>
+          </p:cNvPicPr>
+          <p:nvPr/>
+        </p:nvPicPr>
+        <p:blipFill>
+          <a:blip r:embed="rId2">
+            <a:extLst>
+              <a:ext uri="{28A0092B-C50C-407E-A947-70E740481C1C}">
+                <a14:useLocalDpi xmlns:a14="http://schemas.microsoft.com/office/drawing/2010/main" val="0"/>
+              </a:ext>
+            </a:extLst>
+          </a:blip>
+          <a:stretch>
+            <a:fillRect/>
+          </a:stretch>
+        </p:blipFill>
+        <p:spPr>
+          <a:xfrm>
+            <a:off x="11209943" y="152383"/>
+            <a:ext cx="875523" cy="875523"/>
+          </a:xfrm>
+          <a:prstGeom prst="rect">
+            <a:avLst/>
+          </a:prstGeom>
+        </p:spPr>
+      </p:pic>
+      <p:pic>
+        <p:nvPicPr>
           <p:cNvPr id="5" name="Image 4"/>
           <p:cNvPicPr>
             <a:picLocks noChangeAspect="1"/>
@@ -3234,17 +3574,14 @@
             <a:r>
               <a:rPr lang="fr-FR" sz="1400" dirty="0" smtClean="0">
                 <a:solidFill>
-                  <a:srgbClr val="C00000"/>
+                  <a:srgbClr val="EE0031"/>
                 </a:solidFill>
               </a:rPr>
               <a:t>A plusieurs reprises durant les tests, l’écran se fige et la barre de navigation disparait et l’expérience s’arrête prématurément. L’utilisateur est donc contraint de retourner à l’écran de connexion.</a:t>
             </a:r>
             <a:endParaRPr lang="fr-FR" sz="1400" dirty="0">
               <a:solidFill>
-                <a:schemeClr val="tx1">
-                  <a:lumMod val="75000"/>
-                  <a:lumOff val="25000"/>
-                </a:schemeClr>
+                <a:srgbClr val="EE0031"/>
               </a:solidFill>
             </a:endParaRPr>
           </a:p>
@@ -3425,35 +3762,32 @@
           <a:lstStyle/>
           <a:p>
             <a:r>
-              <a:rPr lang="fr-FR" sz="1400" dirty="0" smtClean="0">
+              <a:rPr lang="fr-FR" sz="1400" b="1" dirty="0" smtClean="0">
                 <a:solidFill>
-                  <a:srgbClr val="C00000"/>
+                  <a:srgbClr val="EE0031"/>
                 </a:solidFill>
               </a:rPr>
               <a:t>Le menu « transactions » se superpose au contenu du </a:t>
             </a:r>
             <a:r>
-              <a:rPr lang="fr-FR" sz="1400" dirty="0" err="1" smtClean="0">
+              <a:rPr lang="fr-FR" sz="1400" b="1" dirty="0" err="1" smtClean="0">
                 <a:solidFill>
-                  <a:srgbClr val="C00000"/>
+                  <a:srgbClr val="EE0031"/>
                 </a:solidFill>
               </a:rPr>
               <a:t>dashboard</a:t>
             </a:r>
             <a:r>
-              <a:rPr lang="fr-FR" sz="1400" dirty="0" smtClean="0">
+              <a:rPr lang="fr-FR" sz="1400" b="1" dirty="0" smtClean="0">
                 <a:solidFill>
-                  <a:srgbClr val="C00000"/>
+                  <a:srgbClr val="EE0031"/>
                 </a:solidFill>
               </a:rPr>
               <a:t> sans le couvrir.</a:t>
             </a:r>
-            <a:endParaRPr lang="fr-FR" sz="1400" dirty="0">
+            <a:endParaRPr lang="fr-FR" sz="1400" b="1" dirty="0">
               <a:solidFill>
-                <a:schemeClr val="tx1">
-                  <a:lumMod val="75000"/>
-                  <a:lumOff val="25000"/>
-                </a:schemeClr>
+                <a:srgbClr val="EE0031"/>
               </a:solidFill>
             </a:endParaRPr>
           </a:p>
@@ -3592,6 +3926,266 @@
     <p:extLst>
       <p:ext uri="{BB962C8B-B14F-4D97-AF65-F5344CB8AC3E}">
         <p14:creationId xmlns:p14="http://schemas.microsoft.com/office/powerpoint/2010/main" val="774570755"/>
+      </p:ext>
+    </p:extLst>
+  </p:cSld>
+  <p:clrMapOvr>
+    <a:masterClrMapping/>
+  </p:clrMapOvr>
+  <p:timing>
+    <p:tnLst>
+      <p:par>
+        <p:cTn id="1" dur="indefinite" restart="never" nodeType="tmRoot"/>
+      </p:par>
+    </p:tnLst>
+  </p:timing>
+</p:sld>
+</file>
+
+<file path=ppt/slides/slide13.xml><?xml version="1.0" encoding="utf-8"?>
+<p:sld xmlns:a="http://schemas.openxmlformats.org/drawingml/2006/main" xmlns:r="http://schemas.openxmlformats.org/officeDocument/2006/relationships" xmlns:p="http://schemas.openxmlformats.org/presentationml/2006/main">
+  <p:cSld>
+    <p:bg>
+      <p:bgPr>
+        <a:solidFill>
+          <a:schemeClr val="bg2"/>
+        </a:solidFill>
+        <a:effectLst/>
+      </p:bgPr>
+    </p:bg>
+    <p:spTree>
+      <p:nvGrpSpPr>
+        <p:cNvPr id="1" name=""/>
+        <p:cNvGrpSpPr/>
+        <p:nvPr/>
+      </p:nvGrpSpPr>
+      <p:grpSpPr>
+        <a:xfrm>
+          <a:off x="0" y="0"/>
+          <a:ext cx="0" cy="0"/>
+          <a:chOff x="0" y="0"/>
+          <a:chExt cx="0" cy="0"/>
+        </a:xfrm>
+      </p:grpSpPr>
+      <p:sp>
+        <p:nvSpPr>
+          <p:cNvPr id="7" name="Titre 1"/>
+          <p:cNvSpPr>
+            <a:spLocks noGrp="1"/>
+          </p:cNvSpPr>
+          <p:nvPr>
+            <p:ph type="title"/>
+          </p:nvPr>
+        </p:nvSpPr>
+        <p:spPr>
+          <a:xfrm>
+            <a:off x="3200398" y="4425161"/>
+            <a:ext cx="5848739" cy="1325563"/>
+          </a:xfrm>
+        </p:spPr>
+        <p:txBody>
+          <a:bodyPr>
+            <a:normAutofit/>
+          </a:bodyPr>
+          <a:lstStyle/>
+          <a:p>
+            <a:pPr algn="ctr"/>
+            <a:r>
+              <a:rPr lang="fr-FR" sz="5400" b="1" dirty="0" smtClean="0">
+                <a:solidFill>
+                  <a:srgbClr val="EE0031"/>
+                </a:solidFill>
+              </a:rPr>
+              <a:t>VERSION MOBILE</a:t>
+            </a:r>
+            <a:endParaRPr lang="fr-FR" sz="5400" b="1" dirty="0">
+              <a:solidFill>
+                <a:srgbClr val="EE0031"/>
+              </a:solidFill>
+            </a:endParaRPr>
+          </a:p>
+        </p:txBody>
+      </p:sp>
+      <p:pic>
+        <p:nvPicPr>
+          <p:cNvPr id="8" name="Image 7"/>
+          <p:cNvPicPr>
+            <a:picLocks noChangeAspect="1"/>
+          </p:cNvPicPr>
+          <p:nvPr/>
+        </p:nvPicPr>
+        <p:blipFill rotWithShape="1">
+          <a:blip r:embed="rId2">
+            <a:extLst>
+              <a:ext uri="{BEBA8EAE-BF5A-486C-A8C5-ECC9F3942E4B}">
+                <a14:imgProps xmlns:a14="http://schemas.microsoft.com/office/drawing/2010/main">
+                  <a14:imgLayer r:embed="rId3">
+                    <a14:imgEffect>
+                      <a14:backgroundRemoval t="31087" b="77854" l="702" r="42982">
+                        <a14:foregroundMark x1="10789" y1="55433" x2="10789" y2="55433"/>
+                        <a14:foregroundMark x1="9474" y1="48693" x2="9474" y2="48693"/>
+                        <a14:foregroundMark x1="7456" y1="58322" x2="7456" y2="58322"/>
+                        <a14:foregroundMark x1="7193" y1="58872" x2="7193" y2="58872"/>
+                        <a14:foregroundMark x1="11053" y1="69739" x2="11053" y2="69739"/>
+                        <a14:foregroundMark x1="15175" y1="50206" x2="15175" y2="50206"/>
+                        <a14:foregroundMark x1="14825" y1="51582" x2="14825" y2="51582"/>
+                        <a14:foregroundMark x1="18596" y1="60523" x2="18596" y2="60523"/>
+                      </a14:backgroundRemoval>
+                    </a14:imgEffect>
+                  </a14:imgLayer>
+                </a14:imgProps>
+              </a:ext>
+              <a:ext uri="{28A0092B-C50C-407E-A947-70E740481C1C}">
+                <a14:useLocalDpi xmlns:a14="http://schemas.microsoft.com/office/drawing/2010/main" val="0"/>
+              </a:ext>
+            </a:extLst>
+          </a:blip>
+          <a:srcRect t="30340" r="56883" b="21224"/>
+          <a:stretch/>
+        </p:blipFill>
+        <p:spPr>
+          <a:xfrm>
+            <a:off x="3200398" y="662474"/>
+            <a:ext cx="5444268" cy="3900196"/>
+          </a:xfrm>
+          <a:prstGeom prst="rect">
+            <a:avLst/>
+          </a:prstGeom>
+        </p:spPr>
+      </p:pic>
+    </p:spTree>
+    <p:extLst>
+      <p:ext uri="{BB962C8B-B14F-4D97-AF65-F5344CB8AC3E}">
+        <p14:creationId xmlns:p14="http://schemas.microsoft.com/office/powerpoint/2010/main" val="195165287"/>
+      </p:ext>
+    </p:extLst>
+  </p:cSld>
+  <p:clrMapOvr>
+    <a:masterClrMapping/>
+  </p:clrMapOvr>
+</p:sld>
+</file>
+
+<file path=ppt/slides/slide14.xml><?xml version="1.0" encoding="utf-8"?>
+<p:sld xmlns:a="http://schemas.openxmlformats.org/drawingml/2006/main" xmlns:r="http://schemas.openxmlformats.org/officeDocument/2006/relationships" xmlns:p="http://schemas.openxmlformats.org/presentationml/2006/main">
+  <p:cSld>
+    <p:spTree>
+      <p:nvGrpSpPr>
+        <p:cNvPr id="1" name=""/>
+        <p:cNvGrpSpPr/>
+        <p:nvPr/>
+      </p:nvGrpSpPr>
+      <p:grpSpPr>
+        <a:xfrm>
+          <a:off x="0" y="0"/>
+          <a:ext cx="0" cy="0"/>
+          <a:chOff x="0" y="0"/>
+          <a:chExt cx="0" cy="0"/>
+        </a:xfrm>
+      </p:grpSpPr>
+      <p:sp>
+        <p:nvSpPr>
+          <p:cNvPr id="2" name="Titre 1"/>
+          <p:cNvSpPr>
+            <a:spLocks noGrp="1"/>
+          </p:cNvSpPr>
+          <p:nvPr>
+            <p:ph type="title"/>
+          </p:nvPr>
+        </p:nvSpPr>
+        <p:spPr/>
+        <p:txBody>
+          <a:bodyPr/>
+          <a:lstStyle/>
+          <a:p>
+            <a:r>
+              <a:rPr lang="fr-FR" b="1" dirty="0" smtClean="0">
+                <a:solidFill>
+                  <a:srgbClr val="EE0031"/>
+                </a:solidFill>
+              </a:rPr>
+              <a:t>BUGS </a:t>
+            </a:r>
+            <a:r>
+              <a:rPr lang="fr-FR" b="1" dirty="0" smtClean="0">
+                <a:solidFill>
+                  <a:srgbClr val="EE0031"/>
+                </a:solidFill>
+              </a:rPr>
+              <a:t>ERGONOMIQUES</a:t>
+            </a:r>
+            <a:endParaRPr lang="fr-FR" b="1" dirty="0">
+              <a:solidFill>
+                <a:srgbClr val="EE0031"/>
+              </a:solidFill>
+            </a:endParaRPr>
+          </a:p>
+        </p:txBody>
+      </p:sp>
+      <p:pic>
+        <p:nvPicPr>
+          <p:cNvPr id="3" name="Image 2"/>
+          <p:cNvPicPr>
+            <a:picLocks noChangeAspect="1"/>
+          </p:cNvPicPr>
+          <p:nvPr/>
+        </p:nvPicPr>
+        <p:blipFill>
+          <a:blip r:embed="rId2">
+            <a:extLst>
+              <a:ext uri="{28A0092B-C50C-407E-A947-70E740481C1C}">
+                <a14:useLocalDpi xmlns:a14="http://schemas.microsoft.com/office/drawing/2010/main" val="0"/>
+              </a:ext>
+            </a:extLst>
+          </a:blip>
+          <a:stretch>
+            <a:fillRect/>
+          </a:stretch>
+        </p:blipFill>
+        <p:spPr>
+          <a:xfrm>
+            <a:off x="11209943" y="152383"/>
+            <a:ext cx="875523" cy="875523"/>
+          </a:xfrm>
+          <a:prstGeom prst="rect">
+            <a:avLst/>
+          </a:prstGeom>
+        </p:spPr>
+      </p:pic>
+      <p:pic>
+        <p:nvPicPr>
+          <p:cNvPr id="15" name="Image 14"/>
+          <p:cNvPicPr>
+            <a:picLocks noChangeAspect="1"/>
+          </p:cNvPicPr>
+          <p:nvPr/>
+        </p:nvPicPr>
+        <p:blipFill>
+          <a:blip r:embed="rId3" cstate="print">
+            <a:extLst>
+              <a:ext uri="{28A0092B-C50C-407E-A947-70E740481C1C}">
+                <a14:useLocalDpi xmlns:a14="http://schemas.microsoft.com/office/drawing/2010/main" val="0"/>
+              </a:ext>
+            </a:extLst>
+          </a:blip>
+          <a:stretch>
+            <a:fillRect/>
+          </a:stretch>
+        </p:blipFill>
+        <p:spPr>
+          <a:xfrm>
+            <a:off x="761513" y="1903430"/>
+            <a:ext cx="2346065" cy="4170783"/>
+          </a:xfrm>
+          <a:prstGeom prst="rect">
+            <a:avLst/>
+          </a:prstGeom>
+        </p:spPr>
+      </p:pic>
+    </p:spTree>
+    <p:extLst>
+      <p:ext uri="{BB962C8B-B14F-4D97-AF65-F5344CB8AC3E}">
+        <p14:creationId xmlns:p14="http://schemas.microsoft.com/office/powerpoint/2010/main" val="549466789"/>
       </p:ext>
     </p:extLst>
   </p:cSld>
@@ -3702,7 +4296,7 @@
             <a:r>
               <a:rPr lang="fr-FR" dirty="0" smtClean="0">
                 <a:solidFill>
-                  <a:srgbClr val="C00000"/>
+                  <a:srgbClr val="EE0031"/>
                 </a:solidFill>
               </a:rPr>
               <a:t>PR</a:t>
@@ -3710,7 +4304,7 @@
             <a:r>
               <a:rPr lang="fr-FR" dirty="0">
                 <a:solidFill>
-                  <a:srgbClr val="C00000"/>
+                  <a:srgbClr val="EE0031"/>
                 </a:solidFill>
               </a:rPr>
               <a:t>ÉA</a:t>
@@ -3718,14 +4312,14 @@
             <a:r>
               <a:rPr lang="fr-FR" dirty="0" smtClean="0">
                 <a:solidFill>
-                  <a:srgbClr val="C00000"/>
+                  <a:srgbClr val="EE0031"/>
                 </a:solidFill>
               </a:rPr>
               <a:t>MBULE</a:t>
             </a:r>
             <a:endParaRPr lang="fr-FR" dirty="0">
               <a:solidFill>
-                <a:srgbClr val="C00000"/>
+                <a:srgbClr val="EE0031"/>
               </a:solidFill>
             </a:endParaRPr>
           </a:p>
@@ -3784,6 +4378,14 @@
 <file path=ppt/slides/slide3.xml><?xml version="1.0" encoding="utf-8"?>
 <p:sld xmlns:a="http://schemas.openxmlformats.org/drawingml/2006/main" xmlns:r="http://schemas.openxmlformats.org/officeDocument/2006/relationships" xmlns:p="http://schemas.openxmlformats.org/presentationml/2006/main">
   <p:cSld>
+    <p:bg>
+      <p:bgPr>
+        <a:solidFill>
+          <a:schemeClr val="bg2"/>
+        </a:solidFill>
+        <a:effectLst/>
+      </p:bgPr>
+    </p:bg>
     <p:spTree>
       <p:nvGrpSpPr>
         <p:cNvPr id="1" name=""/>
@@ -3800,30 +4402,46 @@
       </p:grpSpPr>
       <p:pic>
         <p:nvPicPr>
-          <p:cNvPr id="26" name="Image 25"/>
+          <p:cNvPr id="6" name="Image 5"/>
           <p:cNvPicPr>
             <a:picLocks noChangeAspect="1"/>
           </p:cNvPicPr>
           <p:nvPr/>
         </p:nvPicPr>
         <p:blipFill rotWithShape="1">
-          <a:blip r:embed="rId2"/>
-          <a:srcRect t="10821" r="79069" b="44791"/>
+          <a:blip r:embed="rId2">
+            <a:extLst>
+              <a:ext uri="{BEBA8EAE-BF5A-486C-A8C5-ECC9F3942E4B}">
+                <a14:imgProps xmlns:a14="http://schemas.microsoft.com/office/drawing/2010/main">
+                  <a14:imgLayer r:embed="rId3">
+                    <a14:imgEffect>
+                      <a14:backgroundRemoval t="23384" b="77442" l="39825" r="100000"/>
+                    </a14:imgEffect>
+                  </a14:imgLayer>
+                </a14:imgProps>
+              </a:ext>
+              <a:ext uri="{28A0092B-C50C-407E-A947-70E740481C1C}">
+                <a14:useLocalDpi xmlns:a14="http://schemas.microsoft.com/office/drawing/2010/main" val="0"/>
+              </a:ext>
+            </a:extLst>
+          </a:blip>
+          <a:srcRect l="43172" t="24691" b="23704"/>
           <a:stretch/>
         </p:blipFill>
         <p:spPr>
           <a:xfrm>
-            <a:off x="674153" y="1767999"/>
-            <a:ext cx="2188634" cy="2610724"/>
-          </a:xfrm>
-          <a:prstGeom prst="rect">
-            <a:avLst/>
-          </a:prstGeom>
+            <a:off x="3948150" y="1450217"/>
+            <a:ext cx="5088799" cy="2946952"/>
+          </a:xfrm>
+          <a:prstGeom prst="rect">
+            <a:avLst/>
+          </a:prstGeom>
+          <a:noFill/>
         </p:spPr>
       </p:pic>
       <p:sp>
         <p:nvSpPr>
-          <p:cNvPr id="2" name="Titre 1"/>
+          <p:cNvPr id="7" name="Titre 1"/>
           <p:cNvSpPr>
             <a:spLocks noGrp="1"/>
           </p:cNvSpPr>
@@ -3831,636 +4449,45 @@
             <p:ph type="title"/>
           </p:nvPr>
         </p:nvSpPr>
-        <p:spPr/>
-        <p:txBody>
-          <a:bodyPr/>
-          <a:lstStyle/>
-          <a:p>
-            <a:r>
-              <a:rPr lang="fr-FR" dirty="0" smtClean="0">
+        <p:spPr>
+          <a:xfrm>
+            <a:off x="3188210" y="4527798"/>
+            <a:ext cx="5848739" cy="1325563"/>
+          </a:xfrm>
+        </p:spPr>
+        <p:txBody>
+          <a:bodyPr>
+            <a:normAutofit/>
+          </a:bodyPr>
+          <a:lstStyle/>
+          <a:p>
+            <a:pPr algn="ctr"/>
+            <a:r>
+              <a:rPr lang="fr-FR" sz="5400" b="1" dirty="0" smtClean="0">
                 <a:solidFill>
-                  <a:srgbClr val="C00000"/>
+                  <a:srgbClr val="EE0031"/>
                 </a:solidFill>
               </a:rPr>
-              <a:t>ECRAN D’ACCUEIL</a:t>
-            </a:r>
-            <a:endParaRPr lang="fr-FR" dirty="0">
+              <a:t>VERSION DESKTOP</a:t>
+            </a:r>
+            <a:endParaRPr lang="fr-FR" sz="5400" b="1" dirty="0">
               <a:solidFill>
-                <a:srgbClr val="C00000"/>
+                <a:srgbClr val="EE0031"/>
               </a:solidFill>
             </a:endParaRPr>
-          </a:p>
-        </p:txBody>
-      </p:sp>
-      <p:pic>
-        <p:nvPicPr>
-          <p:cNvPr id="4" name="Image 3"/>
-          <p:cNvPicPr>
-            <a:picLocks noChangeAspect="1"/>
-          </p:cNvPicPr>
-          <p:nvPr/>
-        </p:nvPicPr>
-        <p:blipFill rotWithShape="1">
-          <a:blip r:embed="rId3"/>
-          <a:srcRect t="5006" r="46543" b="44181"/>
-          <a:stretch/>
-        </p:blipFill>
-        <p:spPr>
-          <a:xfrm>
-            <a:off x="6512199" y="3801097"/>
-            <a:ext cx="5362737" cy="2867334"/>
-          </a:xfrm>
-          <a:prstGeom prst="rect">
-            <a:avLst/>
-          </a:prstGeom>
-        </p:spPr>
-      </p:pic>
-      <p:pic>
-        <p:nvPicPr>
-          <p:cNvPr id="5" name="Image 4"/>
-          <p:cNvPicPr>
-            <a:picLocks noChangeAspect="1"/>
-          </p:cNvPicPr>
-          <p:nvPr/>
-        </p:nvPicPr>
-        <p:blipFill>
-          <a:blip r:embed="rId4">
-            <a:extLst>
-              <a:ext uri="{28A0092B-C50C-407E-A947-70E740481C1C}">
-                <a14:useLocalDpi xmlns:a14="http://schemas.microsoft.com/office/drawing/2010/main" val="0"/>
-              </a:ext>
-            </a:extLst>
-          </a:blip>
-          <a:stretch>
-            <a:fillRect/>
-          </a:stretch>
-        </p:blipFill>
-        <p:spPr>
-          <a:xfrm>
-            <a:off x="11209943" y="152383"/>
-            <a:ext cx="875523" cy="875523"/>
-          </a:xfrm>
-          <a:prstGeom prst="rect">
-            <a:avLst/>
-          </a:prstGeom>
-        </p:spPr>
-      </p:pic>
-      <p:sp>
-        <p:nvSpPr>
-          <p:cNvPr id="6" name="ZoneTexte 5"/>
-          <p:cNvSpPr txBox="1"/>
-          <p:nvPr/>
-        </p:nvSpPr>
-        <p:spPr>
-          <a:xfrm>
-            <a:off x="9206380" y="1291117"/>
-            <a:ext cx="2668556" cy="2246769"/>
-          </a:xfrm>
-          <a:prstGeom prst="rect">
-            <a:avLst/>
-          </a:prstGeom>
-          <a:noFill/>
-          <a:ln>
-            <a:solidFill>
-              <a:srgbClr val="C00000"/>
-            </a:solidFill>
-          </a:ln>
-        </p:spPr>
-        <p:txBody>
-          <a:bodyPr wrap="square" rtlCol="0">
-            <a:spAutoFit/>
-          </a:bodyPr>
-          <a:lstStyle/>
-          <a:p>
-            <a:r>
-              <a:rPr lang="fr-FR" sz="1400" dirty="0" smtClean="0">
-                <a:solidFill>
-                  <a:srgbClr val="C00000"/>
-                </a:solidFill>
-              </a:rPr>
-              <a:t>Choix de l’icône non idoine. Dans les conventions web classiques, cette icône a pour signification « dupliquer » ou « copier ». </a:t>
-            </a:r>
-            <a:br>
-              <a:rPr lang="fr-FR" sz="1400" dirty="0" smtClean="0">
-                <a:solidFill>
-                  <a:srgbClr val="C00000"/>
-                </a:solidFill>
-              </a:rPr>
-            </a:br>
-            <a:r>
-              <a:rPr lang="fr-FR" sz="1400" dirty="0" smtClean="0">
-                <a:solidFill>
-                  <a:srgbClr val="C00000"/>
-                </a:solidFill>
-              </a:rPr>
-              <a:t/>
-            </a:r>
-            <a:br>
-              <a:rPr lang="fr-FR" sz="1400" dirty="0" smtClean="0">
-                <a:solidFill>
-                  <a:srgbClr val="C00000"/>
-                </a:solidFill>
-              </a:rPr>
-            </a:br>
-            <a:r>
-              <a:rPr lang="fr-FR" sz="1400" dirty="0" smtClean="0">
-                <a:solidFill>
-                  <a:srgbClr val="C00000"/>
-                </a:solidFill>
-              </a:rPr>
-              <a:t>Sur la version desktop, le texte au </a:t>
-            </a:r>
-            <a:r>
-              <a:rPr lang="fr-FR" sz="1400" dirty="0" err="1" smtClean="0">
-                <a:solidFill>
-                  <a:srgbClr val="C00000"/>
-                </a:solidFill>
-              </a:rPr>
-              <a:t>hover</a:t>
-            </a:r>
-            <a:r>
-              <a:rPr lang="fr-FR" sz="1400" dirty="0" smtClean="0">
-                <a:solidFill>
-                  <a:srgbClr val="C00000"/>
-                </a:solidFill>
-              </a:rPr>
-              <a:t> indique l’édition du RIB. En revanche, sur mobile ou tablette, cela pourrait surprendre ou dérouter sans ce texte au </a:t>
-            </a:r>
-            <a:r>
-              <a:rPr lang="fr-FR" sz="1400" dirty="0" err="1" smtClean="0">
-                <a:solidFill>
-                  <a:srgbClr val="C00000"/>
-                </a:solidFill>
-              </a:rPr>
-              <a:t>hover</a:t>
-            </a:r>
-            <a:r>
-              <a:rPr lang="fr-FR" sz="1400" dirty="0" smtClean="0">
-                <a:solidFill>
-                  <a:srgbClr val="C00000"/>
-                </a:solidFill>
-              </a:rPr>
-              <a:t>.</a:t>
-            </a:r>
-            <a:endParaRPr lang="fr-FR" sz="1400" dirty="0">
-              <a:solidFill>
-                <a:schemeClr val="tx1">
-                  <a:lumMod val="75000"/>
-                  <a:lumOff val="25000"/>
-                </a:schemeClr>
-              </a:solidFill>
-            </a:endParaRPr>
-          </a:p>
-        </p:txBody>
-      </p:sp>
-      <p:cxnSp>
-        <p:nvCxnSpPr>
-          <p:cNvPr id="7" name="Connecteur droit 6"/>
-          <p:cNvCxnSpPr>
-            <a:stCxn id="9" idx="7"/>
-            <a:endCxn id="6" idx="2"/>
-          </p:cNvCxnSpPr>
-          <p:nvPr/>
-        </p:nvCxnSpPr>
-        <p:spPr>
-          <a:xfrm flipH="1" flipV="1">
-            <a:off x="10540658" y="3537886"/>
-            <a:ext cx="937354" cy="1863520"/>
-          </a:xfrm>
-          <a:prstGeom prst="line">
-            <a:avLst/>
-          </a:prstGeom>
-          <a:ln>
-            <a:solidFill>
-              <a:srgbClr val="C00000"/>
-            </a:solidFill>
-          </a:ln>
-        </p:spPr>
-        <p:style>
-          <a:lnRef idx="1">
-            <a:schemeClr val="accent1"/>
-          </a:lnRef>
-          <a:fillRef idx="0">
-            <a:schemeClr val="accent1"/>
-          </a:fillRef>
-          <a:effectRef idx="0">
-            <a:schemeClr val="accent1"/>
-          </a:effectRef>
-          <a:fontRef idx="minor">
-            <a:schemeClr val="tx1"/>
-          </a:fontRef>
-        </p:style>
-      </p:cxnSp>
-      <p:sp>
-        <p:nvSpPr>
-          <p:cNvPr id="9" name="Ellipse 8"/>
-          <p:cNvSpPr/>
-          <p:nvPr/>
-        </p:nvSpPr>
-        <p:spPr>
-          <a:xfrm>
-            <a:off x="11231123" y="5359046"/>
-            <a:ext cx="289249" cy="289249"/>
-          </a:xfrm>
-          <a:prstGeom prst="ellipse">
-            <a:avLst/>
-          </a:prstGeom>
-          <a:noFill/>
-          <a:ln w="28575">
-            <a:solidFill>
-              <a:srgbClr val="C00000"/>
-            </a:solidFill>
-          </a:ln>
-        </p:spPr>
-        <p:style>
-          <a:lnRef idx="2">
-            <a:schemeClr val="accent1">
-              <a:shade val="50000"/>
-            </a:schemeClr>
-          </a:lnRef>
-          <a:fillRef idx="1">
-            <a:schemeClr val="accent1"/>
-          </a:fillRef>
-          <a:effectRef idx="0">
-            <a:schemeClr val="accent1"/>
-          </a:effectRef>
-          <a:fontRef idx="minor">
-            <a:schemeClr val="lt1"/>
-          </a:fontRef>
-        </p:style>
-        <p:txBody>
-          <a:bodyPr rtlCol="0" anchor="ctr"/>
-          <a:lstStyle/>
-          <a:p>
-            <a:pPr algn="ctr"/>
-            <a:endParaRPr lang="fr-FR"/>
-          </a:p>
-        </p:txBody>
-      </p:sp>
-      <p:pic>
-        <p:nvPicPr>
-          <p:cNvPr id="12" name="Image 11"/>
-          <p:cNvPicPr>
-            <a:picLocks noChangeAspect="1"/>
-          </p:cNvPicPr>
-          <p:nvPr/>
-        </p:nvPicPr>
-        <p:blipFill rotWithShape="1">
-          <a:blip r:embed="rId5"/>
-          <a:srcRect l="8257" t="11420" r="46295" b="48402"/>
-          <a:stretch/>
-        </p:blipFill>
-        <p:spPr>
-          <a:xfrm>
-            <a:off x="6122830" y="4637314"/>
-            <a:ext cx="4084527" cy="2031117"/>
-          </a:xfrm>
-          <a:prstGeom prst="rect">
-            <a:avLst/>
-          </a:prstGeom>
-          <a:ln w="28575">
-            <a:solidFill>
-              <a:schemeClr val="tx1">
-                <a:lumMod val="50000"/>
-                <a:lumOff val="50000"/>
-              </a:schemeClr>
-            </a:solidFill>
-          </a:ln>
-        </p:spPr>
-      </p:pic>
-      <p:cxnSp>
-        <p:nvCxnSpPr>
-          <p:cNvPr id="14" name="Connecteur droit 13"/>
-          <p:cNvCxnSpPr>
-            <a:stCxn id="17" idx="0"/>
-            <a:endCxn id="6" idx="2"/>
-          </p:cNvCxnSpPr>
-          <p:nvPr/>
-        </p:nvCxnSpPr>
-        <p:spPr>
-          <a:xfrm flipV="1">
-            <a:off x="9669080" y="3537886"/>
-            <a:ext cx="871578" cy="1850339"/>
-          </a:xfrm>
-          <a:prstGeom prst="line">
-            <a:avLst/>
-          </a:prstGeom>
-          <a:ln>
-            <a:solidFill>
-              <a:srgbClr val="C00000"/>
-            </a:solidFill>
-          </a:ln>
-        </p:spPr>
-        <p:style>
-          <a:lnRef idx="1">
-            <a:schemeClr val="accent1"/>
-          </a:lnRef>
-          <a:fillRef idx="0">
-            <a:schemeClr val="accent1"/>
-          </a:fillRef>
-          <a:effectRef idx="0">
-            <a:schemeClr val="accent1"/>
-          </a:effectRef>
-          <a:fontRef idx="minor">
-            <a:schemeClr val="tx1"/>
-          </a:fontRef>
-        </p:style>
-      </p:cxnSp>
-      <p:sp>
-        <p:nvSpPr>
-          <p:cNvPr id="17" name="Rectangle 16"/>
-          <p:cNvSpPr/>
-          <p:nvPr/>
-        </p:nvSpPr>
-        <p:spPr>
-          <a:xfrm>
-            <a:off x="9180901" y="5388225"/>
-            <a:ext cx="976358" cy="144829"/>
-          </a:xfrm>
-          <a:prstGeom prst="rect">
-            <a:avLst/>
-          </a:prstGeom>
-          <a:noFill/>
-          <a:ln w="28575">
-            <a:solidFill>
-              <a:srgbClr val="C00000"/>
-            </a:solidFill>
-          </a:ln>
-        </p:spPr>
-        <p:style>
-          <a:lnRef idx="2">
-            <a:schemeClr val="accent1">
-              <a:shade val="50000"/>
-            </a:schemeClr>
-          </a:lnRef>
-          <a:fillRef idx="1">
-            <a:schemeClr val="accent1"/>
-          </a:fillRef>
-          <a:effectRef idx="0">
-            <a:schemeClr val="accent1"/>
-          </a:effectRef>
-          <a:fontRef idx="minor">
-            <a:schemeClr val="lt1"/>
-          </a:fontRef>
-        </p:style>
-        <p:txBody>
-          <a:bodyPr rtlCol="0" anchor="ctr"/>
-          <a:lstStyle/>
-          <a:p>
-            <a:pPr algn="ctr"/>
-            <a:endParaRPr lang="fr-FR"/>
-          </a:p>
-        </p:txBody>
-      </p:sp>
-      <p:sp>
-        <p:nvSpPr>
-          <p:cNvPr id="25" name="ZoneTexte 24"/>
-          <p:cNvSpPr txBox="1"/>
-          <p:nvPr/>
-        </p:nvSpPr>
-        <p:spPr>
-          <a:xfrm>
-            <a:off x="3041118" y="1690688"/>
-            <a:ext cx="4714522" cy="1200329"/>
-          </a:xfrm>
-          <a:prstGeom prst="rect">
-            <a:avLst/>
-          </a:prstGeom>
-          <a:noFill/>
-        </p:spPr>
-        <p:txBody>
-          <a:bodyPr wrap="square" rtlCol="0">
-            <a:spAutoFit/>
-          </a:bodyPr>
-          <a:lstStyle/>
-          <a:p>
-            <a:r>
-              <a:rPr lang="fr-FR" dirty="0" smtClean="0"/>
-              <a:t>En arrivant dans son espace, le client n’a de visibilité que sur la partie compte. Le contenu correspond à celui de: </a:t>
-            </a:r>
-            <a:br>
-              <a:rPr lang="fr-FR" dirty="0" smtClean="0"/>
-            </a:br>
-            <a:r>
-              <a:rPr lang="fr-FR" b="1" dirty="0" smtClean="0"/>
-              <a:t>Comptes &gt; Situation des comptes</a:t>
-            </a:r>
-            <a:endParaRPr lang="fr-FR" dirty="0" smtClean="0"/>
-          </a:p>
-        </p:txBody>
-      </p:sp>
-      <p:sp>
-        <p:nvSpPr>
-          <p:cNvPr id="42" name="Rectangle 41"/>
-          <p:cNvSpPr/>
-          <p:nvPr/>
-        </p:nvSpPr>
-        <p:spPr>
-          <a:xfrm>
-            <a:off x="1052769" y="4891063"/>
-            <a:ext cx="4489615" cy="1612374"/>
-          </a:xfrm>
-          <a:prstGeom prst="rect">
-            <a:avLst/>
-          </a:prstGeom>
-          <a:noFill/>
-          <a:ln w="38100">
-            <a:solidFill>
-              <a:srgbClr val="00B050"/>
-            </a:solidFill>
-          </a:ln>
-        </p:spPr>
-        <p:style>
-          <a:lnRef idx="2">
-            <a:schemeClr val="accent1">
-              <a:shade val="50000"/>
-            </a:schemeClr>
-          </a:lnRef>
-          <a:fillRef idx="1">
-            <a:schemeClr val="accent1"/>
-          </a:fillRef>
-          <a:effectRef idx="0">
-            <a:schemeClr val="accent1"/>
-          </a:effectRef>
-          <a:fontRef idx="minor">
-            <a:schemeClr val="lt1"/>
-          </a:fontRef>
-        </p:style>
-        <p:txBody>
-          <a:bodyPr rtlCol="0" anchor="ctr"/>
-          <a:lstStyle/>
-          <a:p>
-            <a:pPr algn="ctr"/>
-            <a:endParaRPr lang="fr-FR"/>
-          </a:p>
-        </p:txBody>
-      </p:sp>
-      <p:pic>
-        <p:nvPicPr>
-          <p:cNvPr id="41" name="Image 40"/>
-          <p:cNvPicPr>
-            <a:picLocks noChangeAspect="1"/>
-          </p:cNvPicPr>
-          <p:nvPr/>
-        </p:nvPicPr>
-        <p:blipFill>
-          <a:blip r:embed="rId6" cstate="print">
-            <a:extLst>
-              <a:ext uri="{28A0092B-C50C-407E-A947-70E740481C1C}">
-                <a14:useLocalDpi xmlns:a14="http://schemas.microsoft.com/office/drawing/2010/main" val="0"/>
-              </a:ext>
-            </a:extLst>
-          </a:blip>
-          <a:stretch>
-            <a:fillRect/>
-          </a:stretch>
-        </p:blipFill>
-        <p:spPr>
-          <a:xfrm>
-            <a:off x="1052769" y="4720299"/>
-            <a:ext cx="530342" cy="530342"/>
-          </a:xfrm>
-          <a:prstGeom prst="rect">
-            <a:avLst/>
-          </a:prstGeom>
-        </p:spPr>
-      </p:pic>
-      <p:sp>
-        <p:nvSpPr>
-          <p:cNvPr id="43" name="ZoneTexte 42"/>
-          <p:cNvSpPr txBox="1"/>
-          <p:nvPr/>
-        </p:nvSpPr>
-        <p:spPr>
-          <a:xfrm>
-            <a:off x="1232885" y="5180102"/>
-            <a:ext cx="4246384" cy="461665"/>
-          </a:xfrm>
-          <a:prstGeom prst="rect">
-            <a:avLst/>
-          </a:prstGeom>
-          <a:noFill/>
-        </p:spPr>
-        <p:txBody>
-          <a:bodyPr wrap="square" rtlCol="0">
-            <a:spAutoFit/>
-          </a:bodyPr>
-          <a:lstStyle/>
-          <a:p>
-            <a:pPr algn="ctr"/>
-            <a:r>
-              <a:rPr lang="fr-FR" sz="1200" dirty="0" smtClean="0"/>
-              <a:t>Un écran d’accueil doit préférablement donner un aperçu de l’ensemble des fonctionnalités et des menus</a:t>
-            </a:r>
-          </a:p>
-        </p:txBody>
-      </p:sp>
-      <p:sp>
-        <p:nvSpPr>
-          <p:cNvPr id="44" name="ZoneTexte 43"/>
-          <p:cNvSpPr txBox="1"/>
-          <p:nvPr/>
-        </p:nvSpPr>
-        <p:spPr>
-          <a:xfrm>
-            <a:off x="2458372" y="4891063"/>
-            <a:ext cx="1678408" cy="369332"/>
-          </a:xfrm>
-          <a:prstGeom prst="rect">
-            <a:avLst/>
-          </a:prstGeom>
-          <a:noFill/>
-        </p:spPr>
-        <p:txBody>
-          <a:bodyPr wrap="none" rtlCol="0">
-            <a:spAutoFit/>
-          </a:bodyPr>
-          <a:lstStyle/>
-          <a:p>
-            <a:r>
-              <a:rPr lang="fr-FR" dirty="0" smtClean="0">
-                <a:solidFill>
-                  <a:srgbClr val="00B050"/>
-                </a:solidFill>
-              </a:rPr>
-              <a:t>NOTRE CONSEIL</a:t>
-            </a:r>
-            <a:endParaRPr lang="fr-FR" dirty="0">
-              <a:solidFill>
-                <a:srgbClr val="00B050"/>
-              </a:solidFill>
-            </a:endParaRPr>
-          </a:p>
-        </p:txBody>
-      </p:sp>
-      <p:sp>
-        <p:nvSpPr>
-          <p:cNvPr id="45" name="ZoneTexte 44"/>
-          <p:cNvSpPr txBox="1"/>
-          <p:nvPr/>
-        </p:nvSpPr>
-        <p:spPr>
-          <a:xfrm>
-            <a:off x="992914" y="5638274"/>
-            <a:ext cx="4609323" cy="861774"/>
-          </a:xfrm>
-          <a:prstGeom prst="rect">
-            <a:avLst/>
-          </a:prstGeom>
-          <a:noFill/>
-        </p:spPr>
-        <p:txBody>
-          <a:bodyPr wrap="square" rtlCol="0">
-            <a:spAutoFit/>
-          </a:bodyPr>
-          <a:lstStyle/>
-          <a:p>
-            <a:pPr algn="ctr"/>
-            <a:r>
-              <a:rPr lang="fr-FR" sz="1200" dirty="0" smtClean="0"/>
-              <a:t>Chaque bloc de cet écran pourrait rediriger</a:t>
-            </a:r>
-            <a:br>
-              <a:rPr lang="fr-FR" sz="1200" dirty="0" smtClean="0"/>
-            </a:br>
-            <a:r>
-              <a:rPr lang="fr-FR" sz="1200" dirty="0" smtClean="0"/>
-              <a:t> vers chaque élément du menu </a:t>
-            </a:r>
-            <a:br>
-              <a:rPr lang="fr-FR" sz="1200" dirty="0" smtClean="0"/>
-            </a:br>
-            <a:r>
-              <a:rPr lang="fr-FR" sz="1200" dirty="0" smtClean="0"/>
-              <a:t>Par exemple:</a:t>
-            </a:r>
-          </a:p>
-          <a:p>
-            <a:pPr algn="ctr"/>
-            <a:r>
-              <a:rPr lang="fr-FR" sz="1400" dirty="0" smtClean="0"/>
-              <a:t>Synthèse des comptes | Cartes | Crédits | Virements | Profil</a:t>
-            </a:r>
           </a:p>
         </p:txBody>
       </p:sp>
     </p:spTree>
     <p:extLst>
       <p:ext uri="{BB962C8B-B14F-4D97-AF65-F5344CB8AC3E}">
-        <p14:creationId xmlns:p14="http://schemas.microsoft.com/office/powerpoint/2010/main" val="2712328390"/>
+        <p14:creationId xmlns:p14="http://schemas.microsoft.com/office/powerpoint/2010/main" val="3665273497"/>
       </p:ext>
     </p:extLst>
   </p:cSld>
   <p:clrMapOvr>
     <a:masterClrMapping/>
   </p:clrMapOvr>
-  <p:timing>
-    <p:tnLst>
-      <p:par>
-        <p:cTn id="1" dur="indefinite" restart="never" nodeType="tmRoot"/>
-      </p:par>
-    </p:tnLst>
-  </p:timing>
 </p:sld>
 </file>
 
@@ -4483,7 +4510,7 @@
       </p:grpSpPr>
       <p:pic>
         <p:nvPicPr>
-          <p:cNvPr id="19" name="Image 18"/>
+          <p:cNvPr id="3" name="Image 2"/>
           <p:cNvPicPr>
             <a:picLocks noChangeAspect="1"/>
           </p:cNvPicPr>
@@ -4491,17 +4518,22 @@
         </p:nvPicPr>
         <p:blipFill rotWithShape="1">
           <a:blip r:embed="rId2"/>
-          <a:srcRect t="10856" r="78865" b="45091"/>
+          <a:srcRect l="11231" t="24656" r="12238" b="18117"/>
           <a:stretch/>
         </p:blipFill>
         <p:spPr>
           <a:xfrm>
-            <a:off x="9338008" y="2353677"/>
-            <a:ext cx="2205994" cy="2586391"/>
-          </a:xfrm>
-          <a:prstGeom prst="rect">
-            <a:avLst/>
-          </a:prstGeom>
+            <a:off x="2012503" y="1519405"/>
+            <a:ext cx="7985692" cy="3358834"/>
+          </a:xfrm>
+          <a:prstGeom prst="rect">
+            <a:avLst/>
+          </a:prstGeom>
+          <a:ln w="28575">
+            <a:solidFill>
+              <a:srgbClr val="C00000"/>
+            </a:solidFill>
+          </a:ln>
         </p:spPr>
       </p:pic>
       <p:sp>
@@ -4520,16 +4552,16 @@
           <a:lstStyle/>
           <a:p>
             <a:r>
-              <a:rPr lang="fr-FR" dirty="0" smtClean="0">
+              <a:rPr lang="fr-FR" b="1" dirty="0" smtClean="0">
                 <a:solidFill>
-                  <a:srgbClr val="C00000"/>
+                  <a:srgbClr val="EE0031"/>
                 </a:solidFill>
               </a:rPr>
-              <a:t>MENUS</a:t>
-            </a:r>
-            <a:endParaRPr lang="fr-FR" dirty="0">
+              <a:t>CONNEXION</a:t>
+            </a:r>
+            <a:endParaRPr lang="fr-FR" b="1" dirty="0">
               <a:solidFill>
-                <a:srgbClr val="C00000"/>
+                <a:srgbClr val="EE0031"/>
               </a:solidFill>
             </a:endParaRPr>
           </a:p>
@@ -4567,86 +4599,16 @@
       </p:pic>
       <p:sp>
         <p:nvSpPr>
-          <p:cNvPr id="6" name="ZoneTexte 5"/>
-          <p:cNvSpPr txBox="1"/>
-          <p:nvPr/>
-        </p:nvSpPr>
-        <p:spPr>
-          <a:xfrm>
-            <a:off x="9206380" y="1291117"/>
-            <a:ext cx="2668556" cy="738664"/>
-          </a:xfrm>
-          <a:prstGeom prst="rect">
-            <a:avLst/>
-          </a:prstGeom>
-          <a:noFill/>
-          <a:ln>
-            <a:noFill/>
-          </a:ln>
-        </p:spPr>
-        <p:txBody>
-          <a:bodyPr wrap="square" rtlCol="0">
-            <a:spAutoFit/>
-          </a:bodyPr>
-          <a:lstStyle/>
-          <a:p>
-            <a:r>
-              <a:rPr lang="fr-FR" sz="1400" dirty="0" smtClean="0"/>
-              <a:t>La rubrique « Administration » n’a d’utilité que pour la modification de mot de passe.</a:t>
-            </a:r>
-          </a:p>
-        </p:txBody>
-      </p:sp>
-      <p:cxnSp>
-        <p:nvCxnSpPr>
-          <p:cNvPr id="7" name="Connecteur droit 6"/>
-          <p:cNvCxnSpPr>
-            <a:stCxn id="8" idx="7"/>
-            <a:endCxn id="6" idx="2"/>
-          </p:cNvCxnSpPr>
-          <p:nvPr/>
-        </p:nvCxnSpPr>
-        <p:spPr>
-          <a:xfrm flipV="1">
-            <a:off x="9707288" y="2029781"/>
-            <a:ext cx="833370" cy="2501533"/>
-          </a:xfrm>
-          <a:prstGeom prst="line">
-            <a:avLst/>
-          </a:prstGeom>
-          <a:ln>
-            <a:solidFill>
-              <a:srgbClr val="C00000"/>
-            </a:solidFill>
-          </a:ln>
-        </p:spPr>
-        <p:style>
-          <a:lnRef idx="1">
-            <a:schemeClr val="accent1"/>
-          </a:lnRef>
-          <a:fillRef idx="0">
-            <a:schemeClr val="accent1"/>
-          </a:fillRef>
-          <a:effectRef idx="0">
-            <a:schemeClr val="accent1"/>
-          </a:effectRef>
-          <a:fontRef idx="minor">
-            <a:schemeClr val="tx1"/>
-          </a:fontRef>
-        </p:style>
-      </p:cxnSp>
-      <p:sp>
-        <p:nvSpPr>
-          <p:cNvPr id="8" name="Ellipse 7"/>
+          <p:cNvPr id="17" name="Rectangle 16"/>
           <p:cNvSpPr/>
           <p:nvPr/>
         </p:nvSpPr>
         <p:spPr>
           <a:xfrm>
-            <a:off x="9394182" y="4474030"/>
-            <a:ext cx="366827" cy="391159"/>
-          </a:xfrm>
-          <a:prstGeom prst="ellipse">
+            <a:off x="7912729" y="2908071"/>
+            <a:ext cx="1095469" cy="1102613"/>
+          </a:xfrm>
+          <a:prstGeom prst="rect">
             <a:avLst/>
           </a:prstGeom>
           <a:noFill/>
@@ -4681,62 +4643,24 @@
           </a:p>
         </p:txBody>
       </p:sp>
-      <p:cxnSp>
-        <p:nvCxnSpPr>
-          <p:cNvPr id="9" name="Connecteur droit 8"/>
-          <p:cNvCxnSpPr>
-            <a:stCxn id="10" idx="0"/>
-            <a:endCxn id="6" idx="2"/>
-          </p:cNvCxnSpPr>
-          <p:nvPr/>
-        </p:nvCxnSpPr>
-        <p:spPr>
-          <a:xfrm flipH="1" flipV="1">
-            <a:off x="10540658" y="2029781"/>
-            <a:ext cx="205175" cy="763526"/>
-          </a:xfrm>
-          <a:prstGeom prst="line">
-            <a:avLst/>
-          </a:prstGeom>
-          <a:ln>
+      <p:sp>
+        <p:nvSpPr>
+          <p:cNvPr id="42" name="Rectangle 41"/>
+          <p:cNvSpPr/>
+          <p:nvPr/>
+        </p:nvSpPr>
+        <p:spPr>
+          <a:xfrm>
+            <a:off x="7401376" y="5004262"/>
+            <a:ext cx="4489615" cy="1711382"/>
+          </a:xfrm>
+          <a:prstGeom prst="rect">
+            <a:avLst/>
+          </a:prstGeom>
+          <a:noFill/>
+          <a:ln w="38100">
             <a:solidFill>
-              <a:srgbClr val="C00000"/>
-            </a:solidFill>
-          </a:ln>
-        </p:spPr>
-        <p:style>
-          <a:lnRef idx="1">
-            <a:schemeClr val="accent1"/>
-          </a:lnRef>
-          <a:fillRef idx="0">
-            <a:schemeClr val="accent1"/>
-          </a:fillRef>
-          <a:effectRef idx="0">
-            <a:schemeClr val="accent1"/>
-          </a:effectRef>
-          <a:fontRef idx="minor">
-            <a:schemeClr val="tx1"/>
-          </a:fontRef>
-        </p:style>
-      </p:cxnSp>
-      <p:sp>
-        <p:nvSpPr>
-          <p:cNvPr id="10" name="Rectangle 9"/>
-          <p:cNvSpPr/>
-          <p:nvPr/>
-        </p:nvSpPr>
-        <p:spPr>
-          <a:xfrm>
-            <a:off x="10140800" y="2793307"/>
-            <a:ext cx="1210066" cy="162466"/>
-          </a:xfrm>
-          <a:prstGeom prst="rect">
-            <a:avLst/>
-          </a:prstGeom>
-          <a:noFill/>
-          <a:ln w="28575">
-            <a:solidFill>
-              <a:srgbClr val="C00000"/>
+              <a:srgbClr val="00B050"/>
             </a:solidFill>
           </a:ln>
         </p:spPr>
@@ -4765,88 +4689,9 @@
           </a:p>
         </p:txBody>
       </p:sp>
-      <p:sp>
-        <p:nvSpPr>
-          <p:cNvPr id="11" name="ZoneTexte 10"/>
-          <p:cNvSpPr txBox="1"/>
-          <p:nvPr/>
-        </p:nvSpPr>
-        <p:spPr>
-          <a:xfrm>
-            <a:off x="2948163" y="1275728"/>
-            <a:ext cx="4714522" cy="923330"/>
-          </a:xfrm>
-          <a:prstGeom prst="rect">
-            <a:avLst/>
-          </a:prstGeom>
-          <a:noFill/>
-        </p:spPr>
-        <p:txBody>
-          <a:bodyPr wrap="square" rtlCol="0">
-            <a:spAutoFit/>
-          </a:bodyPr>
-          <a:lstStyle/>
-          <a:p>
-            <a:r>
-              <a:rPr lang="fr-FR" dirty="0" smtClean="0"/>
-              <a:t>Les rubriques ne sont pas cliquables. L’utilisateur est obligé de sélectionner une sous-rubrique</a:t>
-            </a:r>
-            <a:br>
-              <a:rPr lang="fr-FR" dirty="0" smtClean="0"/>
-            </a:br>
-            <a:endParaRPr lang="fr-FR" dirty="0" smtClean="0"/>
-          </a:p>
-        </p:txBody>
-      </p:sp>
-      <p:sp>
-        <p:nvSpPr>
-          <p:cNvPr id="12" name="Rectangle 11"/>
-          <p:cNvSpPr/>
-          <p:nvPr/>
-        </p:nvSpPr>
-        <p:spPr>
-          <a:xfrm>
-            <a:off x="608395" y="4820788"/>
-            <a:ext cx="4489615" cy="1612374"/>
-          </a:xfrm>
-          <a:prstGeom prst="rect">
-            <a:avLst/>
-          </a:prstGeom>
-          <a:noFill/>
-          <a:ln w="38100">
-            <a:solidFill>
-              <a:srgbClr val="00B050"/>
-            </a:solidFill>
-          </a:ln>
-        </p:spPr>
-        <p:style>
-          <a:lnRef idx="2">
-            <a:schemeClr val="accent1">
-              <a:shade val="50000"/>
-            </a:schemeClr>
-          </a:lnRef>
-          <a:fillRef idx="1">
-            <a:schemeClr val="accent1"/>
-          </a:fillRef>
-          <a:effectRef idx="0">
-            <a:schemeClr val="accent1"/>
-          </a:effectRef>
-          <a:fontRef idx="minor">
-            <a:schemeClr val="lt1"/>
-          </a:fontRef>
-        </p:style>
-        <p:txBody>
-          <a:bodyPr rtlCol="0" anchor="ctr"/>
-          <a:lstStyle/>
-          <a:p>
-            <a:pPr algn="ctr"/>
-            <a:endParaRPr lang="fr-FR"/>
-          </a:p>
-        </p:txBody>
-      </p:sp>
       <p:pic>
         <p:nvPicPr>
-          <p:cNvPr id="13" name="Image 12"/>
+          <p:cNvPr id="41" name="Image 40"/>
           <p:cNvPicPr>
             <a:picLocks noChangeAspect="1"/>
           </p:cNvPicPr>
@@ -4866,8 +4711,8 @@
         </p:blipFill>
         <p:spPr>
           <a:xfrm>
-            <a:off x="608395" y="4650024"/>
-            <a:ext cx="530342" cy="530342"/>
+            <a:off x="7385835" y="4903178"/>
+            <a:ext cx="569424" cy="569424"/>
           </a:xfrm>
           <a:prstGeom prst="rect">
             <a:avLst/>
@@ -4876,14 +4721,14 @@
       </p:pic>
       <p:sp>
         <p:nvSpPr>
-          <p:cNvPr id="14" name="ZoneTexte 13"/>
+          <p:cNvPr id="43" name="ZoneTexte 42"/>
           <p:cNvSpPr txBox="1"/>
           <p:nvPr/>
         </p:nvSpPr>
         <p:spPr>
           <a:xfrm>
-            <a:off x="824971" y="5188260"/>
-            <a:ext cx="4246384" cy="830997"/>
+            <a:off x="7416918" y="5452586"/>
+            <a:ext cx="4246384" cy="461665"/>
           </a:xfrm>
           <a:prstGeom prst="rect">
             <a:avLst/>
@@ -4898,27 +4743,21 @@
           <a:p>
             <a:r>
               <a:rPr lang="fr-FR" sz="1200" dirty="0" smtClean="0"/>
-              <a:t>Toujours privilégier la simplicité et permettre à l’utilisateur d’arriver en 1 clic à l’écran souhaité. </a:t>
-            </a:r>
-            <a:r>
-              <a:rPr lang="fr-FR" sz="1200" dirty="0" smtClean="0"/>
-              <a:t>Chaque rubrique du menu devrait être cliquable sans être obligé d’utiliser les sous-rubrique</a:t>
-            </a:r>
-          </a:p>
-          <a:p>
+              <a:t>Privilégier un mot de passe alphanumérique avec la possibilité pour l’utilisateur de personnaliser ce dernier.</a:t>
+            </a:r>
             <a:endParaRPr lang="fr-FR" sz="1200" dirty="0" smtClean="0"/>
           </a:p>
         </p:txBody>
       </p:sp>
       <p:sp>
         <p:nvSpPr>
-          <p:cNvPr id="15" name="ZoneTexte 14"/>
+          <p:cNvPr id="44" name="ZoneTexte 43"/>
           <p:cNvSpPr txBox="1"/>
           <p:nvPr/>
         </p:nvSpPr>
         <p:spPr>
           <a:xfrm>
-            <a:off x="2013998" y="4820788"/>
+            <a:off x="8806979" y="5004262"/>
             <a:ext cx="1678408" cy="369332"/>
           </a:xfrm>
           <a:prstGeom prst="rect">
@@ -4950,14 +4789,14 @@
       </p:sp>
       <p:sp>
         <p:nvSpPr>
-          <p:cNvPr id="16" name="ZoneTexte 15"/>
+          <p:cNvPr id="45" name="ZoneTexte 44"/>
           <p:cNvSpPr txBox="1"/>
           <p:nvPr/>
         </p:nvSpPr>
         <p:spPr>
           <a:xfrm>
-            <a:off x="887173" y="5725276"/>
-            <a:ext cx="3932058" cy="707886"/>
+            <a:off x="7416918" y="5894235"/>
+            <a:ext cx="4489614" cy="1046440"/>
           </a:xfrm>
           <a:prstGeom prst="rect">
             <a:avLst/>
@@ -4970,88 +4809,109 @@
           </a:bodyPr>
           <a:lstStyle/>
           <a:p>
-            <a:pPr algn="ctr"/>
             <a:r>
               <a:rPr lang="fr-FR" sz="1200" dirty="0" smtClean="0"/>
-              <a:t>Par exemple:</a:t>
-            </a:r>
-          </a:p>
-          <a:p>
-            <a:pPr algn="ctr"/>
-            <a:r>
-              <a:rPr lang="fr-FR" sz="1400" dirty="0" smtClean="0"/>
-              <a:t>En cliquant sur comptes, j’arrive sur </a:t>
-            </a:r>
-            <a:r>
-              <a:rPr lang="fr-FR" sz="1400" b="1" dirty="0" smtClean="0"/>
-              <a:t>Comptes &gt; Situation des comptes</a:t>
-            </a:r>
+              <a:t>Le pavé numérique est plutôt contraignant au niveau de l’</a:t>
+            </a:r>
+            <a:r>
+              <a:rPr lang="fr-FR" sz="1200" dirty="0" err="1" smtClean="0"/>
+              <a:t>usabilité</a:t>
+            </a:r>
+            <a:r>
+              <a:rPr lang="fr-FR" sz="1200" dirty="0" smtClean="0"/>
+              <a:t> (impossibl</a:t>
+            </a:r>
+            <a:r>
+              <a:rPr lang="fr-FR" sz="1200" dirty="0" smtClean="0"/>
+              <a:t>e de copier-coller son mot de passe depuis un </a:t>
+            </a:r>
+            <a:r>
+              <a:rPr lang="fr-FR" sz="1200" dirty="0" err="1" smtClean="0"/>
+              <a:t>bloc-note</a:t>
+            </a:r>
+            <a:r>
+              <a:rPr lang="fr-FR" sz="1200" dirty="0" smtClean="0"/>
+              <a:t> ou un </a:t>
+            </a:r>
+            <a:r>
+              <a:rPr lang="fr-FR" sz="1200" dirty="0" err="1" smtClean="0"/>
+              <a:t>clipboard</a:t>
+            </a:r>
+            <a:r>
+              <a:rPr lang="fr-FR" sz="1200" dirty="0" smtClean="0"/>
+              <a:t>) </a:t>
+            </a:r>
+            <a:r>
+              <a:rPr lang="fr-FR" sz="1200" dirty="0" smtClean="0">
+                <a:sym typeface="Wingdings" panose="05000000000000000000" pitchFamily="2" charset="2"/>
+              </a:rPr>
+              <a:t> cette pratique n’est plus idoine à une expérience positive.</a:t>
+            </a:r>
+            <a:r>
+              <a:rPr lang="fr-FR" sz="1200" dirty="0" smtClean="0"/>
+              <a:t/>
+            </a:r>
+            <a:br>
+              <a:rPr lang="fr-FR" sz="1200" dirty="0" smtClean="0"/>
+            </a:br>
             <a:endParaRPr lang="fr-FR" sz="1400" dirty="0" smtClean="0"/>
           </a:p>
         </p:txBody>
       </p:sp>
-      <p:pic>
-        <p:nvPicPr>
-          <p:cNvPr id="18" name="Image 17"/>
-          <p:cNvPicPr>
-            <a:picLocks noChangeAspect="1"/>
-          </p:cNvPicPr>
-          <p:nvPr/>
-        </p:nvPicPr>
-        <p:blipFill rotWithShape="1">
-          <a:blip r:embed="rId5"/>
-          <a:srcRect t="10821" r="79069" b="44791"/>
-          <a:stretch/>
-        </p:blipFill>
-        <p:spPr>
-          <a:xfrm>
-            <a:off x="608395" y="1818905"/>
-            <a:ext cx="2188634" cy="2610724"/>
-          </a:xfrm>
-          <a:prstGeom prst="rect">
-            <a:avLst/>
-          </a:prstGeom>
-        </p:spPr>
-      </p:pic>
-      <p:pic>
-        <p:nvPicPr>
-          <p:cNvPr id="24" name="Image 23"/>
-          <p:cNvPicPr>
-            <a:picLocks noChangeAspect="1"/>
-          </p:cNvPicPr>
-          <p:nvPr/>
-        </p:nvPicPr>
-        <p:blipFill rotWithShape="1">
-          <a:blip r:embed="rId6"/>
-          <a:srcRect l="93265" t="5006" b="89983"/>
-          <a:stretch/>
-        </p:blipFill>
-        <p:spPr>
-          <a:xfrm>
-            <a:off x="10940516" y="1911363"/>
-            <a:ext cx="675682" cy="282753"/>
-          </a:xfrm>
-          <a:prstGeom prst="rect">
-            <a:avLst/>
-          </a:prstGeom>
-        </p:spPr>
-      </p:pic>
-      <p:sp>
-        <p:nvSpPr>
-          <p:cNvPr id="30" name="Rectangle 29"/>
+      <p:cxnSp>
+        <p:nvCxnSpPr>
+          <p:cNvPr id="23" name="Connecteur droit 22"/>
+          <p:cNvCxnSpPr>
+            <a:stCxn id="17" idx="2"/>
+            <a:endCxn id="44" idx="1"/>
+          </p:cNvCxnSpPr>
+          <p:nvPr/>
+        </p:nvCxnSpPr>
+        <p:spPr>
+          <a:xfrm>
+            <a:off x="8460464" y="4010684"/>
+            <a:ext cx="346515" cy="1178244"/>
+          </a:xfrm>
+          <a:prstGeom prst="line">
+            <a:avLst/>
+          </a:prstGeom>
+          <a:ln w="28575">
+            <a:solidFill>
+              <a:srgbClr val="C00000"/>
+            </a:solidFill>
+          </a:ln>
+        </p:spPr>
+        <p:style>
+          <a:lnRef idx="1">
+            <a:schemeClr val="accent1"/>
+          </a:lnRef>
+          <a:fillRef idx="0">
+            <a:schemeClr val="accent1"/>
+          </a:fillRef>
+          <a:effectRef idx="0">
+            <a:schemeClr val="accent1"/>
+          </a:effectRef>
+          <a:fontRef idx="minor">
+            <a:schemeClr val="tx1"/>
+          </a:fontRef>
+        </p:style>
+      </p:cxnSp>
+      <p:sp>
+        <p:nvSpPr>
+          <p:cNvPr id="32" name="Rectangle 31"/>
           <p:cNvSpPr/>
           <p:nvPr/>
         </p:nvSpPr>
         <p:spPr>
           <a:xfrm>
-            <a:off x="11293206" y="1962114"/>
-            <a:ext cx="337841" cy="254718"/>
+            <a:off x="634805" y="5207906"/>
+            <a:ext cx="3687813" cy="1008241"/>
           </a:xfrm>
           <a:prstGeom prst="rect">
             <a:avLst/>
           </a:prstGeom>
           <a:noFill/>
-          <a:ln w="28575">
+          <a:ln w="38100">
             <a:solidFill>
               <a:srgbClr val="00B050"/>
             </a:solidFill>
@@ -5082,620 +4942,9 @@
           </a:p>
         </p:txBody>
       </p:sp>
-      <p:cxnSp>
-        <p:nvCxnSpPr>
-          <p:cNvPr id="31" name="Connecteur droit 30"/>
-          <p:cNvCxnSpPr>
-            <a:stCxn id="10" idx="0"/>
-            <a:endCxn id="30" idx="2"/>
-          </p:cNvCxnSpPr>
-          <p:nvPr/>
-        </p:nvCxnSpPr>
-        <p:spPr>
-          <a:xfrm flipV="1">
-            <a:off x="10745833" y="2216832"/>
-            <a:ext cx="716294" cy="576475"/>
-          </a:xfrm>
-          <a:prstGeom prst="line">
-            <a:avLst/>
-          </a:prstGeom>
-          <a:ln>
-            <a:solidFill>
-              <a:srgbClr val="00B050"/>
-            </a:solidFill>
-          </a:ln>
-        </p:spPr>
-        <p:style>
-          <a:lnRef idx="1">
-            <a:schemeClr val="accent1"/>
-          </a:lnRef>
-          <a:fillRef idx="0">
-            <a:schemeClr val="accent1"/>
-          </a:fillRef>
-          <a:effectRef idx="0">
-            <a:schemeClr val="accent1"/>
-          </a:effectRef>
-          <a:fontRef idx="minor">
-            <a:schemeClr val="tx1"/>
-          </a:fontRef>
-        </p:style>
-      </p:cxnSp>
       <p:pic>
         <p:nvPicPr>
-          <p:cNvPr id="34" name="Image 33"/>
-          <p:cNvPicPr>
-            <a:picLocks noChangeAspect="1"/>
-          </p:cNvPicPr>
-          <p:nvPr/>
-        </p:nvPicPr>
-        <p:blipFill rotWithShape="1">
-          <a:blip r:embed="rId7"/>
-          <a:srcRect l="87239" t="5751" r="860" b="69999"/>
-          <a:stretch/>
-        </p:blipFill>
-        <p:spPr>
-          <a:xfrm>
-            <a:off x="5664592" y="2316702"/>
-            <a:ext cx="2176572" cy="2494567"/>
-          </a:xfrm>
-          <a:prstGeom prst="rect">
-            <a:avLst/>
-          </a:prstGeom>
-        </p:spPr>
-      </p:pic>
-      <p:cxnSp>
-        <p:nvCxnSpPr>
-          <p:cNvPr id="35" name="Connecteur droit 34"/>
-          <p:cNvCxnSpPr>
-            <a:stCxn id="45" idx="3"/>
-            <a:endCxn id="11" idx="1"/>
-          </p:cNvCxnSpPr>
-          <p:nvPr/>
-        </p:nvCxnSpPr>
-        <p:spPr>
-          <a:xfrm flipV="1">
-            <a:off x="2412346" y="1737393"/>
-            <a:ext cx="535817" cy="832946"/>
-          </a:xfrm>
-          <a:prstGeom prst="line">
-            <a:avLst/>
-          </a:prstGeom>
-          <a:ln>
-            <a:solidFill>
-              <a:srgbClr val="C00000"/>
-            </a:solidFill>
-          </a:ln>
-        </p:spPr>
-        <p:style>
-          <a:lnRef idx="1">
-            <a:schemeClr val="accent1"/>
-          </a:lnRef>
-          <a:fillRef idx="0">
-            <a:schemeClr val="accent1"/>
-          </a:fillRef>
-          <a:effectRef idx="0">
-            <a:schemeClr val="accent1"/>
-          </a:effectRef>
-          <a:fontRef idx="minor">
-            <a:schemeClr val="tx1"/>
-          </a:fontRef>
-        </p:style>
-      </p:cxnSp>
-      <p:sp>
-        <p:nvSpPr>
-          <p:cNvPr id="36" name="Ellipse 35"/>
-          <p:cNvSpPr/>
-          <p:nvPr/>
-        </p:nvSpPr>
-        <p:spPr>
-          <a:xfrm>
-            <a:off x="689078" y="1839409"/>
-            <a:ext cx="396189" cy="396189"/>
-          </a:xfrm>
-          <a:prstGeom prst="ellipse">
-            <a:avLst/>
-          </a:prstGeom>
-          <a:noFill/>
-          <a:ln w="28575">
-            <a:solidFill>
-              <a:srgbClr val="C00000"/>
-            </a:solidFill>
-          </a:ln>
-        </p:spPr>
-        <p:style>
-          <a:lnRef idx="2">
-            <a:schemeClr val="accent1">
-              <a:shade val="50000"/>
-            </a:schemeClr>
-          </a:lnRef>
-          <a:fillRef idx="1">
-            <a:schemeClr val="accent1"/>
-          </a:fillRef>
-          <a:effectRef idx="0">
-            <a:schemeClr val="accent1"/>
-          </a:effectRef>
-          <a:fontRef idx="minor">
-            <a:schemeClr val="lt1"/>
-          </a:fontRef>
-        </p:style>
-        <p:txBody>
-          <a:bodyPr rtlCol="0" anchor="ctr"/>
-          <a:lstStyle/>
-          <a:p>
-            <a:pPr algn="ctr"/>
-            <a:endParaRPr lang="fr-FR" dirty="0"/>
-          </a:p>
-        </p:txBody>
-      </p:sp>
-      <p:cxnSp>
-        <p:nvCxnSpPr>
-          <p:cNvPr id="41" name="Connecteur droit 40"/>
-          <p:cNvCxnSpPr>
-            <a:endCxn id="45" idx="1"/>
-          </p:cNvCxnSpPr>
-          <p:nvPr/>
-        </p:nvCxnSpPr>
-        <p:spPr>
-          <a:xfrm>
-            <a:off x="865010" y="2225844"/>
-            <a:ext cx="337270" cy="344495"/>
-          </a:xfrm>
-          <a:prstGeom prst="line">
-            <a:avLst/>
-          </a:prstGeom>
-          <a:ln>
-            <a:solidFill>
-              <a:srgbClr val="C00000"/>
-            </a:solidFill>
-          </a:ln>
-        </p:spPr>
-        <p:style>
-          <a:lnRef idx="1">
-            <a:schemeClr val="accent1"/>
-          </a:lnRef>
-          <a:fillRef idx="0">
-            <a:schemeClr val="accent1"/>
-          </a:fillRef>
-          <a:effectRef idx="0">
-            <a:schemeClr val="accent1"/>
-          </a:effectRef>
-          <a:fontRef idx="minor">
-            <a:schemeClr val="tx1"/>
-          </a:fontRef>
-        </p:style>
-      </p:cxnSp>
-      <p:sp>
-        <p:nvSpPr>
-          <p:cNvPr id="45" name="Rectangle 44"/>
-          <p:cNvSpPr/>
-          <p:nvPr/>
-        </p:nvSpPr>
-        <p:spPr>
-          <a:xfrm>
-            <a:off x="1202280" y="2489106"/>
-            <a:ext cx="1210066" cy="162466"/>
-          </a:xfrm>
-          <a:prstGeom prst="rect">
-            <a:avLst/>
-          </a:prstGeom>
-          <a:noFill/>
-          <a:ln w="28575">
-            <a:solidFill>
-              <a:srgbClr val="C00000"/>
-            </a:solidFill>
-          </a:ln>
-        </p:spPr>
-        <p:style>
-          <a:lnRef idx="2">
-            <a:schemeClr val="accent1">
-              <a:shade val="50000"/>
-            </a:schemeClr>
-          </a:lnRef>
-          <a:fillRef idx="1">
-            <a:schemeClr val="accent1"/>
-          </a:fillRef>
-          <a:effectRef idx="0">
-            <a:schemeClr val="accent1"/>
-          </a:effectRef>
-          <a:fontRef idx="minor">
-            <a:schemeClr val="lt1"/>
-          </a:fontRef>
-        </p:style>
-        <p:txBody>
-          <a:bodyPr rtlCol="0" anchor="ctr"/>
-          <a:lstStyle/>
-          <a:p>
-            <a:pPr algn="ctr"/>
-            <a:endParaRPr lang="fr-FR"/>
-          </a:p>
-        </p:txBody>
-      </p:sp>
-      <p:sp>
-        <p:nvSpPr>
-          <p:cNvPr id="48" name="Rectangle 47"/>
-          <p:cNvSpPr/>
-          <p:nvPr/>
-        </p:nvSpPr>
-        <p:spPr>
-          <a:xfrm>
-            <a:off x="646636" y="3409728"/>
-            <a:ext cx="453859" cy="426919"/>
-          </a:xfrm>
-          <a:prstGeom prst="rect">
-            <a:avLst/>
-          </a:prstGeom>
-          <a:noFill/>
-          <a:ln w="28575">
-            <a:solidFill>
-              <a:srgbClr val="00B050"/>
-            </a:solidFill>
-          </a:ln>
-        </p:spPr>
-        <p:style>
-          <a:lnRef idx="2">
-            <a:schemeClr val="accent1">
-              <a:shade val="50000"/>
-            </a:schemeClr>
-          </a:lnRef>
-          <a:fillRef idx="1">
-            <a:schemeClr val="accent1"/>
-          </a:fillRef>
-          <a:effectRef idx="0">
-            <a:schemeClr val="accent1"/>
-          </a:effectRef>
-          <a:fontRef idx="minor">
-            <a:schemeClr val="lt1"/>
-          </a:fontRef>
-        </p:style>
-        <p:txBody>
-          <a:bodyPr rtlCol="0" anchor="ctr"/>
-          <a:lstStyle/>
-          <a:p>
-            <a:pPr algn="ctr"/>
-            <a:endParaRPr lang="fr-FR"/>
-          </a:p>
-        </p:txBody>
-      </p:sp>
-      <p:cxnSp>
-        <p:nvCxnSpPr>
-          <p:cNvPr id="49" name="Connecteur droit 48"/>
-          <p:cNvCxnSpPr>
-            <a:stCxn id="12" idx="0"/>
-            <a:endCxn id="48" idx="2"/>
-          </p:cNvCxnSpPr>
-          <p:nvPr/>
-        </p:nvCxnSpPr>
-        <p:spPr>
-          <a:xfrm flipH="1" flipV="1">
-            <a:off x="873566" y="3836647"/>
-            <a:ext cx="1979637" cy="984141"/>
-          </a:xfrm>
-          <a:prstGeom prst="line">
-            <a:avLst/>
-          </a:prstGeom>
-          <a:ln>
-            <a:solidFill>
-              <a:srgbClr val="00B050"/>
-            </a:solidFill>
-          </a:ln>
-        </p:spPr>
-        <p:style>
-          <a:lnRef idx="1">
-            <a:schemeClr val="accent1"/>
-          </a:lnRef>
-          <a:fillRef idx="0">
-            <a:schemeClr val="accent1"/>
-          </a:fillRef>
-          <a:effectRef idx="0">
-            <a:schemeClr val="accent1"/>
-          </a:effectRef>
-          <a:fontRef idx="minor">
-            <a:schemeClr val="tx1"/>
-          </a:fontRef>
-        </p:style>
-      </p:cxnSp>
-      <p:sp>
-        <p:nvSpPr>
-          <p:cNvPr id="55" name="Rectangle 54"/>
-          <p:cNvSpPr/>
-          <p:nvPr/>
-        </p:nvSpPr>
-        <p:spPr>
-          <a:xfrm>
-            <a:off x="5883135" y="3744461"/>
-            <a:ext cx="1210066" cy="280345"/>
-          </a:xfrm>
-          <a:prstGeom prst="rect">
-            <a:avLst/>
-          </a:prstGeom>
-          <a:noFill/>
-          <a:ln w="28575">
-            <a:solidFill>
-              <a:srgbClr val="C00000"/>
-            </a:solidFill>
-          </a:ln>
-        </p:spPr>
-        <p:style>
-          <a:lnRef idx="2">
-            <a:schemeClr val="accent1">
-              <a:shade val="50000"/>
-            </a:schemeClr>
-          </a:lnRef>
-          <a:fillRef idx="1">
-            <a:schemeClr val="accent1"/>
-          </a:fillRef>
-          <a:effectRef idx="0">
-            <a:schemeClr val="accent1"/>
-          </a:effectRef>
-          <a:fontRef idx="minor">
-            <a:schemeClr val="lt1"/>
-          </a:fontRef>
-        </p:style>
-        <p:txBody>
-          <a:bodyPr rtlCol="0" anchor="ctr"/>
-          <a:lstStyle/>
-          <a:p>
-            <a:pPr algn="ctr"/>
-            <a:endParaRPr lang="fr-FR"/>
-          </a:p>
-        </p:txBody>
-      </p:sp>
-      <p:cxnSp>
-        <p:nvCxnSpPr>
-          <p:cNvPr id="56" name="Connecteur droit 55"/>
-          <p:cNvCxnSpPr>
-            <a:stCxn id="55" idx="2"/>
-            <a:endCxn id="59" idx="1"/>
-          </p:cNvCxnSpPr>
-          <p:nvPr/>
-        </p:nvCxnSpPr>
-        <p:spPr>
-          <a:xfrm flipH="1">
-            <a:off x="6125536" y="4024806"/>
-            <a:ext cx="362632" cy="1155560"/>
-          </a:xfrm>
-          <a:prstGeom prst="line">
-            <a:avLst/>
-          </a:prstGeom>
-          <a:ln>
-            <a:solidFill>
-              <a:srgbClr val="C00000"/>
-            </a:solidFill>
-          </a:ln>
-        </p:spPr>
-        <p:style>
-          <a:lnRef idx="1">
-            <a:schemeClr val="accent1"/>
-          </a:lnRef>
-          <a:fillRef idx="0">
-            <a:schemeClr val="accent1"/>
-          </a:fillRef>
-          <a:effectRef idx="0">
-            <a:schemeClr val="accent1"/>
-          </a:effectRef>
-          <a:fontRef idx="minor">
-            <a:schemeClr val="tx1"/>
-          </a:fontRef>
-        </p:style>
-      </p:cxnSp>
-      <p:sp>
-        <p:nvSpPr>
-          <p:cNvPr id="59" name="ZoneTexte 58"/>
-          <p:cNvSpPr txBox="1"/>
-          <p:nvPr/>
-        </p:nvSpPr>
-        <p:spPr>
-          <a:xfrm>
-            <a:off x="6125536" y="4995700"/>
-            <a:ext cx="2449145" cy="369332"/>
-          </a:xfrm>
-          <a:prstGeom prst="rect">
-            <a:avLst/>
-          </a:prstGeom>
-          <a:noFill/>
-        </p:spPr>
-        <p:txBody>
-          <a:bodyPr wrap="square" rtlCol="0">
-            <a:spAutoFit/>
-          </a:bodyPr>
-          <a:lstStyle/>
-          <a:p>
-            <a:r>
-              <a:rPr lang="fr-FR" dirty="0" smtClean="0"/>
-              <a:t>Ecran Profil inaccessible</a:t>
-            </a:r>
-          </a:p>
-        </p:txBody>
-      </p:sp>
-      <p:sp>
-        <p:nvSpPr>
-          <p:cNvPr id="65" name="Rectangle 64"/>
-          <p:cNvSpPr/>
-          <p:nvPr/>
-        </p:nvSpPr>
-        <p:spPr>
-          <a:xfrm>
-            <a:off x="2680254" y="1268256"/>
-            <a:ext cx="367408" cy="523220"/>
-          </a:xfrm>
-          <a:prstGeom prst="rect">
-            <a:avLst/>
-          </a:prstGeom>
-        </p:spPr>
-        <p:txBody>
-          <a:bodyPr wrap="none">
-            <a:spAutoFit/>
-          </a:bodyPr>
-          <a:lstStyle/>
-          <a:p>
-            <a:r>
-              <a:rPr lang="fr-FR" sz="2800" b="1" dirty="0" smtClean="0">
-                <a:solidFill>
-                  <a:srgbClr val="C00000"/>
-                </a:solidFill>
-              </a:rPr>
-              <a:t>1</a:t>
-            </a:r>
-            <a:endParaRPr lang="fr-FR" sz="2800" b="1" dirty="0">
-              <a:solidFill>
-                <a:srgbClr val="C00000"/>
-              </a:solidFill>
-            </a:endParaRPr>
-          </a:p>
-        </p:txBody>
-      </p:sp>
-      <p:sp>
-        <p:nvSpPr>
-          <p:cNvPr id="67" name="Rectangle 66"/>
-          <p:cNvSpPr/>
-          <p:nvPr/>
-        </p:nvSpPr>
-        <p:spPr>
-          <a:xfrm>
-            <a:off x="5771539" y="4881555"/>
-            <a:ext cx="367408" cy="523220"/>
-          </a:xfrm>
-          <a:prstGeom prst="rect">
-            <a:avLst/>
-          </a:prstGeom>
-        </p:spPr>
-        <p:txBody>
-          <a:bodyPr wrap="none">
-            <a:spAutoFit/>
-          </a:bodyPr>
-          <a:lstStyle/>
-          <a:p>
-            <a:r>
-              <a:rPr lang="fr-FR" sz="2800" b="1" dirty="0" smtClean="0">
-                <a:solidFill>
-                  <a:srgbClr val="C00000"/>
-                </a:solidFill>
-              </a:rPr>
-              <a:t>2</a:t>
-            </a:r>
-            <a:endParaRPr lang="fr-FR" sz="2800" b="1" dirty="0">
-              <a:solidFill>
-                <a:srgbClr val="C00000"/>
-              </a:solidFill>
-            </a:endParaRPr>
-          </a:p>
-        </p:txBody>
-      </p:sp>
-      <p:sp>
-        <p:nvSpPr>
-          <p:cNvPr id="68" name="Rectangle 67"/>
-          <p:cNvSpPr/>
-          <p:nvPr/>
-        </p:nvSpPr>
-        <p:spPr>
-          <a:xfrm>
-            <a:off x="8957130" y="1167468"/>
-            <a:ext cx="367408" cy="523220"/>
-          </a:xfrm>
-          <a:prstGeom prst="rect">
-            <a:avLst/>
-          </a:prstGeom>
-        </p:spPr>
-        <p:txBody>
-          <a:bodyPr wrap="none">
-            <a:spAutoFit/>
-          </a:bodyPr>
-          <a:lstStyle/>
-          <a:p>
-            <a:r>
-              <a:rPr lang="fr-FR" sz="2800" b="1" dirty="0" smtClean="0">
-                <a:solidFill>
-                  <a:srgbClr val="C00000"/>
-                </a:solidFill>
-              </a:rPr>
-              <a:t>3</a:t>
-            </a:r>
-            <a:endParaRPr lang="fr-FR" sz="2800" b="1" dirty="0">
-              <a:solidFill>
-                <a:srgbClr val="C00000"/>
-              </a:solidFill>
-            </a:endParaRPr>
-          </a:p>
-        </p:txBody>
-      </p:sp>
-      <p:sp>
-        <p:nvSpPr>
-          <p:cNvPr id="77" name="Rectangle 76"/>
-          <p:cNvSpPr/>
-          <p:nvPr/>
-        </p:nvSpPr>
-        <p:spPr>
-          <a:xfrm>
-            <a:off x="9338008" y="5686074"/>
-            <a:ext cx="2446555" cy="830997"/>
-          </a:xfrm>
-          <a:prstGeom prst="rect">
-            <a:avLst/>
-          </a:prstGeom>
-        </p:spPr>
-        <p:txBody>
-          <a:bodyPr wrap="square">
-            <a:spAutoFit/>
-          </a:bodyPr>
-          <a:lstStyle/>
-          <a:p>
-            <a:r>
-              <a:rPr lang="fr-FR" sz="1200" dirty="0"/>
-              <a:t>Il serait préférable de déplacer cet élément vers le menu « profil » dans la barre de navigation et conserver un menu latéral à 4 rubriques</a:t>
-            </a:r>
-            <a:endParaRPr lang="fr-FR" sz="1200" dirty="0"/>
-          </a:p>
-        </p:txBody>
-      </p:sp>
-      <p:sp>
-        <p:nvSpPr>
-          <p:cNvPr id="78" name="Rectangle 77"/>
-          <p:cNvSpPr/>
-          <p:nvPr/>
-        </p:nvSpPr>
-        <p:spPr>
-          <a:xfrm>
-            <a:off x="9266112" y="5075781"/>
-            <a:ext cx="2608824" cy="1612374"/>
-          </a:xfrm>
-          <a:prstGeom prst="rect">
-            <a:avLst/>
-          </a:prstGeom>
-          <a:noFill/>
-          <a:ln w="38100">
-            <a:solidFill>
-              <a:srgbClr val="00B050"/>
-            </a:solidFill>
-          </a:ln>
-        </p:spPr>
-        <p:style>
-          <a:lnRef idx="2">
-            <a:schemeClr val="accent1">
-              <a:shade val="50000"/>
-            </a:schemeClr>
-          </a:lnRef>
-          <a:fillRef idx="1">
-            <a:schemeClr val="accent1"/>
-          </a:fillRef>
-          <a:effectRef idx="0">
-            <a:schemeClr val="accent1"/>
-          </a:effectRef>
-          <a:fontRef idx="minor">
-            <a:schemeClr val="lt1"/>
-          </a:fontRef>
-        </p:style>
-        <p:txBody>
-          <a:bodyPr rtlCol="0" anchor="ctr"/>
-          <a:lstStyle/>
-          <a:p>
-            <a:pPr algn="ctr"/>
-            <a:endParaRPr lang="fr-FR"/>
-          </a:p>
-        </p:txBody>
-      </p:sp>
-      <p:pic>
-        <p:nvPicPr>
-          <p:cNvPr id="79" name="Image 78"/>
+          <p:cNvPr id="33" name="Image 32"/>
           <p:cNvPicPr>
             <a:picLocks noChangeAspect="1"/>
           </p:cNvPicPr>
@@ -5715,8 +4964,8 @@
         </p:blipFill>
         <p:spPr>
           <a:xfrm>
-            <a:off x="9158882" y="4998793"/>
-            <a:ext cx="530342" cy="530342"/>
+            <a:off x="743158" y="5023588"/>
+            <a:ext cx="569424" cy="569424"/>
           </a:xfrm>
           <a:prstGeom prst="rect">
             <a:avLst/>
@@ -5725,13 +4974,43 @@
       </p:pic>
       <p:sp>
         <p:nvSpPr>
-          <p:cNvPr id="80" name="ZoneTexte 79"/>
+          <p:cNvPr id="34" name="ZoneTexte 33"/>
           <p:cNvSpPr txBox="1"/>
           <p:nvPr/>
         </p:nvSpPr>
         <p:spPr>
           <a:xfrm>
-            <a:off x="9809108" y="5126378"/>
+            <a:off x="1203002" y="5483544"/>
+            <a:ext cx="3137907" cy="646331"/>
+          </a:xfrm>
+          <a:prstGeom prst="rect">
+            <a:avLst/>
+          </a:prstGeom>
+          <a:noFill/>
+        </p:spPr>
+        <p:txBody>
+          <a:bodyPr wrap="square" rtlCol="0">
+            <a:spAutoFit/>
+          </a:bodyPr>
+          <a:lstStyle/>
+          <a:p>
+            <a:r>
+              <a:rPr lang="fr-FR" sz="1200" dirty="0" smtClean="0"/>
+              <a:t>Privilégier une landing page dédiée à la solution et personnaliser l’écran de login selon les chartes de la marque.</a:t>
+            </a:r>
+            <a:endParaRPr lang="fr-FR" sz="1200" dirty="0" smtClean="0"/>
+          </a:p>
+        </p:txBody>
+      </p:sp>
+      <p:sp>
+        <p:nvSpPr>
+          <p:cNvPr id="35" name="ZoneTexte 34"/>
+          <p:cNvSpPr txBox="1"/>
+          <p:nvPr/>
+        </p:nvSpPr>
+        <p:spPr>
+          <a:xfrm>
+            <a:off x="1639507" y="5178600"/>
             <a:ext cx="1678408" cy="369332"/>
           </a:xfrm>
           <a:prstGeom prst="rect">
@@ -5761,10 +5040,84 @@
           </a:p>
         </p:txBody>
       </p:sp>
+      <p:cxnSp>
+        <p:nvCxnSpPr>
+          <p:cNvPr id="46" name="Connecteur droit 45"/>
+          <p:cNvCxnSpPr>
+            <a:endCxn id="3" idx="1"/>
+          </p:cNvCxnSpPr>
+          <p:nvPr/>
+        </p:nvCxnSpPr>
+        <p:spPr>
+          <a:xfrm>
+            <a:off x="1612889" y="3198822"/>
+            <a:ext cx="399614" cy="0"/>
+          </a:xfrm>
+          <a:prstGeom prst="line">
+            <a:avLst/>
+          </a:prstGeom>
+          <a:ln w="28575">
+            <a:solidFill>
+              <a:srgbClr val="C00000"/>
+            </a:solidFill>
+          </a:ln>
+        </p:spPr>
+        <p:style>
+          <a:lnRef idx="1">
+            <a:schemeClr val="accent1"/>
+          </a:lnRef>
+          <a:fillRef idx="0">
+            <a:schemeClr val="accent1"/>
+          </a:fillRef>
+          <a:effectRef idx="0">
+            <a:schemeClr val="accent1"/>
+          </a:effectRef>
+          <a:fontRef idx="minor">
+            <a:schemeClr val="tx1"/>
+          </a:fontRef>
+        </p:style>
+      </p:cxnSp>
+      <p:cxnSp>
+        <p:nvCxnSpPr>
+          <p:cNvPr id="31" name="Connecteur droit 30"/>
+          <p:cNvCxnSpPr>
+            <a:endCxn id="35" idx="1"/>
+          </p:cNvCxnSpPr>
+          <p:nvPr/>
+        </p:nvCxnSpPr>
+        <p:spPr>
+          <a:xfrm>
+            <a:off x="1612889" y="3198822"/>
+            <a:ext cx="26618" cy="2164444"/>
+          </a:xfrm>
+          <a:prstGeom prst="line">
+            <a:avLst/>
+          </a:prstGeom>
+          <a:ln w="28575">
+            <a:solidFill>
+              <a:srgbClr val="C00000"/>
+            </a:solidFill>
+          </a:ln>
+        </p:spPr>
+        <p:style>
+          <a:lnRef idx="1">
+            <a:schemeClr val="accent1"/>
+          </a:lnRef>
+          <a:fillRef idx="0">
+            <a:schemeClr val="accent1"/>
+          </a:fillRef>
+          <a:effectRef idx="0">
+            <a:schemeClr val="accent1"/>
+          </a:effectRef>
+          <a:fontRef idx="minor">
+            <a:schemeClr val="tx1"/>
+          </a:fontRef>
+        </p:style>
+      </p:cxnSp>
     </p:spTree>
     <p:extLst>
       <p:ext uri="{BB962C8B-B14F-4D97-AF65-F5344CB8AC3E}">
-        <p14:creationId xmlns:p14="http://schemas.microsoft.com/office/powerpoint/2010/main" val="2985039341"/>
+        <p14:creationId xmlns:p14="http://schemas.microsoft.com/office/powerpoint/2010/main" val="2712328390"/>
       </p:ext>
     </p:extLst>
   </p:cSld>
@@ -5800,7 +5153,7 @@
       </p:grpSpPr>
       <p:pic>
         <p:nvPicPr>
-          <p:cNvPr id="3" name="Image 2"/>
+          <p:cNvPr id="26" name="Image 25"/>
           <p:cNvPicPr>
             <a:picLocks noChangeAspect="1"/>
           </p:cNvPicPr>
@@ -5808,13 +5161,13 @@
         </p:nvPicPr>
         <p:blipFill rotWithShape="1">
           <a:blip r:embed="rId2"/>
-          <a:srcRect t="10771" r="1283" b="21341"/>
+          <a:srcRect t="10821" r="79069" b="44791"/>
           <a:stretch/>
         </p:blipFill>
         <p:spPr>
           <a:xfrm>
-            <a:off x="5435766" y="1916186"/>
-            <a:ext cx="6531428" cy="2526524"/>
+            <a:off x="674153" y="1767999"/>
+            <a:ext cx="2188634" cy="2610724"/>
           </a:xfrm>
           <a:prstGeom prst="rect">
             <a:avLst/>
@@ -5837,21 +5190,44 @@
           <a:lstStyle/>
           <a:p>
             <a:r>
-              <a:rPr lang="fr-FR" dirty="0" smtClean="0">
+              <a:rPr lang="fr-FR" b="1" dirty="0" smtClean="0">
                 <a:solidFill>
-                  <a:srgbClr val="C00000"/>
+                  <a:srgbClr val="EE0031"/>
                 </a:solidFill>
               </a:rPr>
-              <a:t>COMPTES</a:t>
-            </a:r>
-            <a:endParaRPr lang="fr-FR" dirty="0">
+              <a:t>ECRAN D’ACCUEIL</a:t>
+            </a:r>
+            <a:endParaRPr lang="fr-FR" b="1" dirty="0">
               <a:solidFill>
-                <a:srgbClr val="C00000"/>
+                <a:srgbClr val="EE0031"/>
               </a:solidFill>
             </a:endParaRPr>
           </a:p>
         </p:txBody>
       </p:sp>
+      <p:pic>
+        <p:nvPicPr>
+          <p:cNvPr id="4" name="Image 3"/>
+          <p:cNvPicPr>
+            <a:picLocks noChangeAspect="1"/>
+          </p:cNvPicPr>
+          <p:nvPr/>
+        </p:nvPicPr>
+        <p:blipFill rotWithShape="1">
+          <a:blip r:embed="rId3"/>
+          <a:srcRect t="5006" r="46543" b="44181"/>
+          <a:stretch/>
+        </p:blipFill>
+        <p:spPr>
+          <a:xfrm>
+            <a:off x="6512199" y="3801097"/>
+            <a:ext cx="5362737" cy="2867334"/>
+          </a:xfrm>
+          <a:prstGeom prst="rect">
+            <a:avLst/>
+          </a:prstGeom>
+        </p:spPr>
+      </p:pic>
       <p:pic>
         <p:nvPicPr>
           <p:cNvPr id="5" name="Image 4"/>
@@ -5861,7 +5237,7 @@
           <p:nvPr/>
         </p:nvPicPr>
         <p:blipFill>
-          <a:blip r:embed="rId3">
+          <a:blip r:embed="rId4">
             <a:extLst>
               <a:ext uri="{28A0092B-C50C-407E-A947-70E740481C1C}">
                 <a14:useLocalDpi xmlns:a14="http://schemas.microsoft.com/office/drawing/2010/main" val="0"/>
@@ -5884,22 +5260,168 @@
       </p:pic>
       <p:sp>
         <p:nvSpPr>
-          <p:cNvPr id="12" name="Rectangle 11"/>
+          <p:cNvPr id="6" name="ZoneTexte 5"/>
+          <p:cNvSpPr txBox="1"/>
+          <p:nvPr/>
+        </p:nvSpPr>
+        <p:spPr>
+          <a:xfrm>
+            <a:off x="9206380" y="1291117"/>
+            <a:ext cx="2668556" cy="2246769"/>
+          </a:xfrm>
+          <a:prstGeom prst="rect">
+            <a:avLst/>
+          </a:prstGeom>
+          <a:noFill/>
+          <a:ln>
+            <a:solidFill>
+              <a:srgbClr val="C00000"/>
+            </a:solidFill>
+          </a:ln>
+        </p:spPr>
+        <p:txBody>
+          <a:bodyPr wrap="square" rtlCol="0">
+            <a:spAutoFit/>
+          </a:bodyPr>
+          <a:lstStyle/>
+          <a:p>
+            <a:r>
+              <a:rPr lang="fr-FR" sz="1400" dirty="0" smtClean="0">
+                <a:solidFill>
+                  <a:srgbClr val="C00000"/>
+                </a:solidFill>
+              </a:rPr>
+              <a:t>Choix de l’icône non idoine. Dans les conventions web classiques, cette icône a pour signification « dupliquer » ou « copier ». </a:t>
+            </a:r>
+            <a:br>
+              <a:rPr lang="fr-FR" sz="1400" dirty="0" smtClean="0">
+                <a:solidFill>
+                  <a:srgbClr val="C00000"/>
+                </a:solidFill>
+              </a:rPr>
+            </a:br>
+            <a:r>
+              <a:rPr lang="fr-FR" sz="1400" dirty="0" smtClean="0">
+                <a:solidFill>
+                  <a:srgbClr val="C00000"/>
+                </a:solidFill>
+              </a:rPr>
+              <a:t/>
+            </a:r>
+            <a:br>
+              <a:rPr lang="fr-FR" sz="1400" dirty="0" smtClean="0">
+                <a:solidFill>
+                  <a:srgbClr val="C00000"/>
+                </a:solidFill>
+              </a:rPr>
+            </a:br>
+            <a:r>
+              <a:rPr lang="fr-FR" sz="1400" dirty="0" smtClean="0">
+                <a:solidFill>
+                  <a:srgbClr val="C00000"/>
+                </a:solidFill>
+              </a:rPr>
+              <a:t>Sur la version desktop, le texte au </a:t>
+            </a:r>
+            <a:r>
+              <a:rPr lang="fr-FR" sz="1400" dirty="0" err="1" smtClean="0">
+                <a:solidFill>
+                  <a:srgbClr val="C00000"/>
+                </a:solidFill>
+              </a:rPr>
+              <a:t>hover</a:t>
+            </a:r>
+            <a:r>
+              <a:rPr lang="fr-FR" sz="1400" dirty="0" smtClean="0">
+                <a:solidFill>
+                  <a:srgbClr val="C00000"/>
+                </a:solidFill>
+              </a:rPr>
+              <a:t> indique l’édition du RIB. En revanche, sur mobile ou tablette, cela pourrait surprendre ou dérouter sans ce texte au </a:t>
+            </a:r>
+            <a:r>
+              <a:rPr lang="fr-FR" sz="1400" dirty="0" err="1" smtClean="0">
+                <a:solidFill>
+                  <a:srgbClr val="C00000"/>
+                </a:solidFill>
+              </a:rPr>
+              <a:t>hover</a:t>
+            </a:r>
+            <a:r>
+              <a:rPr lang="fr-FR" sz="1400" dirty="0" smtClean="0">
+                <a:solidFill>
+                  <a:srgbClr val="C00000"/>
+                </a:solidFill>
+              </a:rPr>
+              <a:t>.</a:t>
+            </a:r>
+            <a:endParaRPr lang="fr-FR" sz="1400" dirty="0">
+              <a:solidFill>
+                <a:schemeClr val="tx1">
+                  <a:lumMod val="75000"/>
+                  <a:lumOff val="25000"/>
+                </a:schemeClr>
+              </a:solidFill>
+            </a:endParaRPr>
+          </a:p>
+        </p:txBody>
+      </p:sp>
+      <p:cxnSp>
+        <p:nvCxnSpPr>
+          <p:cNvPr id="7" name="Connecteur droit 6"/>
+          <p:cNvCxnSpPr>
+            <a:stCxn id="9" idx="7"/>
+            <a:endCxn id="6" idx="2"/>
+          </p:cNvCxnSpPr>
+          <p:nvPr/>
+        </p:nvCxnSpPr>
+        <p:spPr>
+          <a:xfrm flipH="1" flipV="1">
+            <a:off x="10540658" y="3537886"/>
+            <a:ext cx="937354" cy="1863520"/>
+          </a:xfrm>
+          <a:prstGeom prst="line">
+            <a:avLst/>
+          </a:prstGeom>
+          <a:ln>
+            <a:solidFill>
+              <a:srgbClr val="C00000"/>
+            </a:solidFill>
+          </a:ln>
+        </p:spPr>
+        <p:style>
+          <a:lnRef idx="1">
+            <a:schemeClr val="accent1"/>
+          </a:lnRef>
+          <a:fillRef idx="0">
+            <a:schemeClr val="accent1"/>
+          </a:fillRef>
+          <a:effectRef idx="0">
+            <a:schemeClr val="accent1"/>
+          </a:effectRef>
+          <a:fontRef idx="minor">
+            <a:schemeClr val="tx1"/>
+          </a:fontRef>
+        </p:style>
+      </p:cxnSp>
+      <p:sp>
+        <p:nvSpPr>
+          <p:cNvPr id="9" name="Ellipse 8"/>
           <p:cNvSpPr/>
           <p:nvPr/>
         </p:nvSpPr>
         <p:spPr>
           <a:xfrm>
-            <a:off x="7477579" y="5659796"/>
-            <a:ext cx="4489615" cy="896690"/>
-          </a:xfrm>
-          <a:prstGeom prst="rect">
+            <a:off x="11231123" y="5359046"/>
+            <a:ext cx="289249" cy="289249"/>
+          </a:xfrm>
+          <a:prstGeom prst="ellipse">
             <a:avLst/>
           </a:prstGeom>
           <a:noFill/>
-          <a:ln w="38100">
+          <a:ln w="28575">
             <a:solidFill>
-              <a:srgbClr val="00B050"/>
+              <a:srgbClr val="C00000"/>
             </a:solidFill>
           </a:ln>
         </p:spPr>
@@ -5930,14 +5452,212 @@
       </p:sp>
       <p:pic>
         <p:nvPicPr>
-          <p:cNvPr id="13" name="Image 12"/>
+          <p:cNvPr id="12" name="Image 11"/>
           <p:cNvPicPr>
             <a:picLocks noChangeAspect="1"/>
           </p:cNvPicPr>
           <p:nvPr/>
         </p:nvPicPr>
+        <p:blipFill rotWithShape="1">
+          <a:blip r:embed="rId5"/>
+          <a:srcRect l="8257" t="11420" r="46295" b="48402"/>
+          <a:stretch/>
+        </p:blipFill>
+        <p:spPr>
+          <a:xfrm>
+            <a:off x="6122830" y="4637314"/>
+            <a:ext cx="4084527" cy="2031117"/>
+          </a:xfrm>
+          <a:prstGeom prst="rect">
+            <a:avLst/>
+          </a:prstGeom>
+          <a:ln w="28575">
+            <a:solidFill>
+              <a:schemeClr val="tx1">
+                <a:lumMod val="50000"/>
+                <a:lumOff val="50000"/>
+              </a:schemeClr>
+            </a:solidFill>
+          </a:ln>
+        </p:spPr>
+      </p:pic>
+      <p:cxnSp>
+        <p:nvCxnSpPr>
+          <p:cNvPr id="14" name="Connecteur droit 13"/>
+          <p:cNvCxnSpPr>
+            <a:stCxn id="17" idx="0"/>
+            <a:endCxn id="6" idx="2"/>
+          </p:cNvCxnSpPr>
+          <p:nvPr/>
+        </p:nvCxnSpPr>
+        <p:spPr>
+          <a:xfrm flipV="1">
+            <a:off x="9669080" y="3537886"/>
+            <a:ext cx="871578" cy="1850339"/>
+          </a:xfrm>
+          <a:prstGeom prst="line">
+            <a:avLst/>
+          </a:prstGeom>
+          <a:ln>
+            <a:solidFill>
+              <a:srgbClr val="C00000"/>
+            </a:solidFill>
+          </a:ln>
+        </p:spPr>
+        <p:style>
+          <a:lnRef idx="1">
+            <a:schemeClr val="accent1"/>
+          </a:lnRef>
+          <a:fillRef idx="0">
+            <a:schemeClr val="accent1"/>
+          </a:fillRef>
+          <a:effectRef idx="0">
+            <a:schemeClr val="accent1"/>
+          </a:effectRef>
+          <a:fontRef idx="minor">
+            <a:schemeClr val="tx1"/>
+          </a:fontRef>
+        </p:style>
+      </p:cxnSp>
+      <p:sp>
+        <p:nvSpPr>
+          <p:cNvPr id="17" name="Rectangle 16"/>
+          <p:cNvSpPr/>
+          <p:nvPr/>
+        </p:nvSpPr>
+        <p:spPr>
+          <a:xfrm>
+            <a:off x="9180901" y="5388225"/>
+            <a:ext cx="976358" cy="144829"/>
+          </a:xfrm>
+          <a:prstGeom prst="rect">
+            <a:avLst/>
+          </a:prstGeom>
+          <a:noFill/>
+          <a:ln w="28575">
+            <a:solidFill>
+              <a:srgbClr val="C00000"/>
+            </a:solidFill>
+          </a:ln>
+        </p:spPr>
+        <p:style>
+          <a:lnRef idx="2">
+            <a:schemeClr val="accent1">
+              <a:shade val="50000"/>
+            </a:schemeClr>
+          </a:lnRef>
+          <a:fillRef idx="1">
+            <a:schemeClr val="accent1"/>
+          </a:fillRef>
+          <a:effectRef idx="0">
+            <a:schemeClr val="accent1"/>
+          </a:effectRef>
+          <a:fontRef idx="minor">
+            <a:schemeClr val="lt1"/>
+          </a:fontRef>
+        </p:style>
+        <p:txBody>
+          <a:bodyPr rtlCol="0" anchor="ctr"/>
+          <a:lstStyle/>
+          <a:p>
+            <a:pPr algn="ctr"/>
+            <a:endParaRPr lang="fr-FR"/>
+          </a:p>
+        </p:txBody>
+      </p:sp>
+      <p:sp>
+        <p:nvSpPr>
+          <p:cNvPr id="25" name="ZoneTexte 24"/>
+          <p:cNvSpPr txBox="1"/>
+          <p:nvPr/>
+        </p:nvSpPr>
+        <p:spPr>
+          <a:xfrm>
+            <a:off x="3041118" y="1690688"/>
+            <a:ext cx="4714522" cy="1200329"/>
+          </a:xfrm>
+          <a:prstGeom prst="rect">
+            <a:avLst/>
+          </a:prstGeom>
+          <a:noFill/>
+        </p:spPr>
+        <p:txBody>
+          <a:bodyPr wrap="square" rtlCol="0">
+            <a:spAutoFit/>
+          </a:bodyPr>
+          <a:lstStyle/>
+          <a:p>
+            <a:r>
+              <a:rPr lang="fr-FR" dirty="0" smtClean="0"/>
+              <a:t>En arrivant dans son espace, le client n’a de visibilité que sur la partie compte. Le contenu correspond à celui de: </a:t>
+            </a:r>
+            <a:br>
+              <a:rPr lang="fr-FR" dirty="0" smtClean="0"/>
+            </a:br>
+            <a:r>
+              <a:rPr lang="fr-FR" b="1" dirty="0" smtClean="0"/>
+              <a:t>Comptes &gt; Situation des comptes</a:t>
+            </a:r>
+            <a:endParaRPr lang="fr-FR" dirty="0" smtClean="0"/>
+          </a:p>
+        </p:txBody>
+      </p:sp>
+      <p:sp>
+        <p:nvSpPr>
+          <p:cNvPr id="42" name="Rectangle 41"/>
+          <p:cNvSpPr/>
+          <p:nvPr/>
+        </p:nvSpPr>
+        <p:spPr>
+          <a:xfrm>
+            <a:off x="1052769" y="4891063"/>
+            <a:ext cx="4489615" cy="1612374"/>
+          </a:xfrm>
+          <a:prstGeom prst="rect">
+            <a:avLst/>
+          </a:prstGeom>
+          <a:noFill/>
+          <a:ln w="38100">
+            <a:solidFill>
+              <a:srgbClr val="00B050"/>
+            </a:solidFill>
+          </a:ln>
+        </p:spPr>
+        <p:style>
+          <a:lnRef idx="2">
+            <a:schemeClr val="accent1">
+              <a:shade val="50000"/>
+            </a:schemeClr>
+          </a:lnRef>
+          <a:fillRef idx="1">
+            <a:schemeClr val="accent1"/>
+          </a:fillRef>
+          <a:effectRef idx="0">
+            <a:schemeClr val="accent1"/>
+          </a:effectRef>
+          <a:fontRef idx="minor">
+            <a:schemeClr val="lt1"/>
+          </a:fontRef>
+        </p:style>
+        <p:txBody>
+          <a:bodyPr rtlCol="0" anchor="ctr"/>
+          <a:lstStyle/>
+          <a:p>
+            <a:pPr algn="ctr"/>
+            <a:endParaRPr lang="fr-FR"/>
+          </a:p>
+        </p:txBody>
+      </p:sp>
+      <p:pic>
+        <p:nvPicPr>
+          <p:cNvPr id="41" name="Image 40"/>
+          <p:cNvPicPr>
+            <a:picLocks noChangeAspect="1"/>
+          </p:cNvPicPr>
+          <p:nvPr/>
+        </p:nvPicPr>
         <p:blipFill>
-          <a:blip r:embed="rId4" cstate="print">
+          <a:blip r:embed="rId6" cstate="print">
             <a:extLst>
               <a:ext uri="{28A0092B-C50C-407E-A947-70E740481C1C}">
                 <a14:useLocalDpi xmlns:a14="http://schemas.microsoft.com/office/drawing/2010/main" val="0"/>
@@ -5950,7 +5670,7 @@
         </p:blipFill>
         <p:spPr>
           <a:xfrm>
-            <a:off x="7521980" y="5453213"/>
+            <a:off x="1052769" y="4720299"/>
             <a:ext cx="530342" cy="530342"/>
           </a:xfrm>
           <a:prstGeom prst="rect">
@@ -5960,13 +5680,13 @@
       </p:pic>
       <p:sp>
         <p:nvSpPr>
-          <p:cNvPr id="14" name="ZoneTexte 13"/>
+          <p:cNvPr id="43" name="ZoneTexte 42"/>
           <p:cNvSpPr txBox="1"/>
           <p:nvPr/>
         </p:nvSpPr>
         <p:spPr>
           <a:xfrm>
-            <a:off x="7599194" y="5983555"/>
+            <a:off x="1232885" y="5180102"/>
             <a:ext cx="4246384" cy="461665"/>
           </a:xfrm>
           <a:prstGeom prst="rect">
@@ -5980,22 +5700,23 @@
           </a:bodyPr>
           <a:lstStyle/>
           <a:p>
+            <a:pPr algn="ctr"/>
             <a:r>
               <a:rPr lang="fr-FR" sz="1200" dirty="0" smtClean="0"/>
-              <a:t>La fonctionnalité de recherche est très utile et mériterait d’avoir sa place directement dans l’écran de consultation du compte</a:t>
-            </a:r>
-          </a:p>
-        </p:txBody>
-      </p:sp>
-      <p:sp>
-        <p:nvSpPr>
-          <p:cNvPr id="15" name="ZoneTexte 14"/>
+              <a:t>Un écran d’accueil doit préférablement donner un aperçu de l’ensemble des fonctionnalités et des menus</a:t>
+            </a:r>
+          </a:p>
+        </p:txBody>
+      </p:sp>
+      <p:sp>
+        <p:nvSpPr>
+          <p:cNvPr id="44" name="ZoneTexte 43"/>
           <p:cNvSpPr txBox="1"/>
           <p:nvPr/>
         </p:nvSpPr>
         <p:spPr>
           <a:xfrm>
-            <a:off x="8883182" y="5670918"/>
+            <a:off x="2458372" y="4891063"/>
             <a:ext cx="1678408" cy="369332"/>
           </a:xfrm>
           <a:prstGeom prst="rect">
@@ -6027,98 +5748,14 @@
       </p:sp>
       <p:sp>
         <p:nvSpPr>
-          <p:cNvPr id="55" name="Rectangle 54"/>
-          <p:cNvSpPr/>
-          <p:nvPr/>
-        </p:nvSpPr>
-        <p:spPr>
-          <a:xfrm>
-            <a:off x="5897710" y="1928544"/>
-            <a:ext cx="1352939" cy="232071"/>
-          </a:xfrm>
-          <a:prstGeom prst="rect">
-            <a:avLst/>
-          </a:prstGeom>
-          <a:noFill/>
-          <a:ln w="28575">
-            <a:solidFill>
-              <a:srgbClr val="C00000"/>
-            </a:solidFill>
-          </a:ln>
-        </p:spPr>
-        <p:style>
-          <a:lnRef idx="2">
-            <a:schemeClr val="accent1">
-              <a:shade val="50000"/>
-            </a:schemeClr>
-          </a:lnRef>
-          <a:fillRef idx="1">
-            <a:schemeClr val="accent1"/>
-          </a:fillRef>
-          <a:effectRef idx="0">
-            <a:schemeClr val="accent1"/>
-          </a:effectRef>
-          <a:fontRef idx="minor">
-            <a:schemeClr val="lt1"/>
-          </a:fontRef>
-        </p:style>
-        <p:txBody>
-          <a:bodyPr rtlCol="0" anchor="ctr"/>
-          <a:lstStyle/>
-          <a:p>
-            <a:pPr algn="ctr"/>
-            <a:endParaRPr lang="fr-FR"/>
-          </a:p>
-        </p:txBody>
-      </p:sp>
-      <p:cxnSp>
-        <p:nvCxnSpPr>
-          <p:cNvPr id="56" name="Connecteur droit 55"/>
-          <p:cNvCxnSpPr>
-            <a:stCxn id="55" idx="2"/>
-            <a:endCxn id="67" idx="0"/>
-          </p:cNvCxnSpPr>
-          <p:nvPr/>
-        </p:nvCxnSpPr>
-        <p:spPr>
-          <a:xfrm>
-            <a:off x="6574180" y="2160615"/>
-            <a:ext cx="1407960" cy="2245983"/>
-          </a:xfrm>
-          <a:prstGeom prst="line">
-            <a:avLst/>
-          </a:prstGeom>
-          <a:ln>
-            <a:solidFill>
-              <a:srgbClr val="C00000"/>
-            </a:solidFill>
-          </a:ln>
-        </p:spPr>
-        <p:style>
-          <a:lnRef idx="1">
-            <a:schemeClr val="accent1"/>
-          </a:lnRef>
-          <a:fillRef idx="0">
-            <a:schemeClr val="accent1"/>
-          </a:fillRef>
-          <a:effectRef idx="0">
-            <a:schemeClr val="accent1"/>
-          </a:effectRef>
-          <a:fontRef idx="minor">
-            <a:schemeClr val="tx1"/>
-          </a:fontRef>
-        </p:style>
-      </p:cxnSp>
-      <p:sp>
-        <p:nvSpPr>
-          <p:cNvPr id="59" name="ZoneTexte 58"/>
+          <p:cNvPr id="45" name="ZoneTexte 44"/>
           <p:cNvSpPr txBox="1"/>
           <p:nvPr/>
         </p:nvSpPr>
         <p:spPr>
           <a:xfrm>
-            <a:off x="8052322" y="4457025"/>
-            <a:ext cx="3914872" cy="1077218"/>
+            <a:off x="992914" y="5638274"/>
+            <a:ext cx="4609323" cy="861774"/>
           </a:xfrm>
           <a:prstGeom prst="rect">
             <a:avLst/>
@@ -6131,403 +5768,39 @@
           </a:bodyPr>
           <a:lstStyle/>
           <a:p>
-            <a:r>
-              <a:rPr lang="fr-FR" sz="1600" dirty="0" smtClean="0"/>
-              <a:t>La fonctionnalité recherche est un écran à part entière et uniquement atteignable via le menu et risque de perturber l’expérience utilisateur (rupture)</a:t>
-            </a:r>
-          </a:p>
-        </p:txBody>
-      </p:sp>
-      <p:sp>
-        <p:nvSpPr>
-          <p:cNvPr id="67" name="Rectangle 66"/>
-          <p:cNvSpPr/>
-          <p:nvPr/>
-        </p:nvSpPr>
-        <p:spPr>
-          <a:xfrm>
-            <a:off x="7809721" y="4406598"/>
-            <a:ext cx="344837" cy="523220"/>
-          </a:xfrm>
-          <a:prstGeom prst="rect">
-            <a:avLst/>
-          </a:prstGeom>
-        </p:spPr>
-        <p:txBody>
-          <a:bodyPr wrap="square">
-            <a:spAutoFit/>
-          </a:bodyPr>
-          <a:lstStyle/>
-          <a:p>
-            <a:r>
-              <a:rPr lang="fr-FR" sz="2800" b="1" dirty="0" smtClean="0">
-                <a:solidFill>
-                  <a:srgbClr val="C00000"/>
-                </a:solidFill>
-              </a:rPr>
-              <a:t>2</a:t>
-            </a:r>
-            <a:endParaRPr lang="fr-FR" sz="2800" b="1" dirty="0">
-              <a:solidFill>
-                <a:srgbClr val="C00000"/>
-              </a:solidFill>
-            </a:endParaRPr>
-          </a:p>
-        </p:txBody>
-      </p:sp>
-      <p:pic>
-        <p:nvPicPr>
-          <p:cNvPr id="23" name="Image 22"/>
-          <p:cNvPicPr>
-            <a:picLocks noChangeAspect="1"/>
-          </p:cNvPicPr>
-          <p:nvPr/>
-        </p:nvPicPr>
-        <p:blipFill rotWithShape="1">
-          <a:blip r:embed="rId5"/>
-          <a:srcRect t="10487" b="42815"/>
-          <a:stretch/>
-        </p:blipFill>
-        <p:spPr>
-          <a:xfrm>
-            <a:off x="322778" y="4747187"/>
-            <a:ext cx="7033185" cy="1847461"/>
-          </a:xfrm>
-          <a:prstGeom prst="rect">
-            <a:avLst/>
-          </a:prstGeom>
-        </p:spPr>
-      </p:pic>
-      <p:pic>
-        <p:nvPicPr>
-          <p:cNvPr id="46" name="Image 45"/>
-          <p:cNvPicPr>
-            <a:picLocks noChangeAspect="1"/>
-          </p:cNvPicPr>
-          <p:nvPr/>
-        </p:nvPicPr>
-        <p:blipFill rotWithShape="1">
-          <a:blip r:embed="rId2">
-            <a:duotone>
-              <a:schemeClr val="accent6">
-                <a:shade val="45000"/>
-                <a:satMod val="135000"/>
-              </a:schemeClr>
-              <a:prstClr val="white"/>
-            </a:duotone>
-          </a:blip>
-          <a:srcRect l="88461" t="53562" r="2621" b="40566"/>
-          <a:stretch/>
-        </p:blipFill>
-        <p:spPr>
-          <a:xfrm>
-            <a:off x="6267940" y="5587654"/>
-            <a:ext cx="755780" cy="279918"/>
-          </a:xfrm>
-          <a:prstGeom prst="rect">
-            <a:avLst/>
-          </a:prstGeom>
-        </p:spPr>
-      </p:pic>
-      <p:cxnSp>
-        <p:nvCxnSpPr>
-          <p:cNvPr id="49" name="Connecteur droit 48"/>
-          <p:cNvCxnSpPr>
-            <a:stCxn id="14" idx="1"/>
-            <a:endCxn id="46" idx="3"/>
-          </p:cNvCxnSpPr>
-          <p:nvPr/>
-        </p:nvCxnSpPr>
-        <p:spPr>
-          <a:xfrm flipH="1" flipV="1">
-            <a:off x="7023720" y="5727613"/>
-            <a:ext cx="575474" cy="486775"/>
-          </a:xfrm>
-          <a:prstGeom prst="line">
-            <a:avLst/>
-          </a:prstGeom>
-          <a:ln>
-            <a:solidFill>
-              <a:srgbClr val="00B050"/>
-            </a:solidFill>
-          </a:ln>
-        </p:spPr>
-        <p:style>
-          <a:lnRef idx="1">
-            <a:schemeClr val="accent1"/>
-          </a:lnRef>
-          <a:fillRef idx="0">
-            <a:schemeClr val="accent1"/>
-          </a:fillRef>
-          <a:effectRef idx="0">
-            <a:schemeClr val="accent1"/>
-          </a:effectRef>
-          <a:fontRef idx="minor">
-            <a:schemeClr val="tx1"/>
-          </a:fontRef>
-        </p:style>
-      </p:cxnSp>
-      <p:pic>
-        <p:nvPicPr>
-          <p:cNvPr id="64" name="Image 63"/>
-          <p:cNvPicPr>
-            <a:picLocks noChangeAspect="1"/>
-          </p:cNvPicPr>
-          <p:nvPr/>
-        </p:nvPicPr>
-        <p:blipFill rotWithShape="1">
-          <a:blip r:embed="rId6"/>
-          <a:srcRect t="10821" r="79069" b="44791"/>
-          <a:stretch/>
-        </p:blipFill>
-        <p:spPr>
-          <a:xfrm>
-            <a:off x="674153" y="1767999"/>
-            <a:ext cx="2188634" cy="2610724"/>
-          </a:xfrm>
-          <a:prstGeom prst="rect">
-            <a:avLst/>
-          </a:prstGeom>
-        </p:spPr>
-      </p:pic>
-      <p:sp>
-        <p:nvSpPr>
-          <p:cNvPr id="66" name="Rectangle 65"/>
-          <p:cNvSpPr/>
-          <p:nvPr/>
-        </p:nvSpPr>
-        <p:spPr>
-          <a:xfrm>
-            <a:off x="1236187" y="2441654"/>
-            <a:ext cx="1352939" cy="152190"/>
-          </a:xfrm>
-          <a:prstGeom prst="rect">
-            <a:avLst/>
-          </a:prstGeom>
-          <a:noFill/>
-          <a:ln w="28575">
-            <a:solidFill>
-              <a:srgbClr val="C00000"/>
-            </a:solidFill>
-          </a:ln>
-        </p:spPr>
-        <p:style>
-          <a:lnRef idx="2">
-            <a:schemeClr val="accent1">
-              <a:shade val="50000"/>
-            </a:schemeClr>
-          </a:lnRef>
-          <a:fillRef idx="1">
-            <a:schemeClr val="accent1"/>
-          </a:fillRef>
-          <a:effectRef idx="0">
-            <a:schemeClr val="accent1"/>
-          </a:effectRef>
-          <a:fontRef idx="minor">
-            <a:schemeClr val="lt1"/>
-          </a:fontRef>
-        </p:style>
-        <p:txBody>
-          <a:bodyPr rtlCol="0" anchor="ctr"/>
-          <a:lstStyle/>
-          <a:p>
             <a:pPr algn="ctr"/>
-            <a:endParaRPr lang="fr-FR"/>
-          </a:p>
-        </p:txBody>
-      </p:sp>
-      <p:cxnSp>
-        <p:nvCxnSpPr>
-          <p:cNvPr id="69" name="Connecteur droit 68"/>
-          <p:cNvCxnSpPr>
-            <a:stCxn id="66" idx="3"/>
-            <a:endCxn id="71" idx="0"/>
-          </p:cNvCxnSpPr>
-          <p:nvPr/>
-        </p:nvCxnSpPr>
-        <p:spPr>
-          <a:xfrm>
-            <a:off x="2589126" y="2517749"/>
-            <a:ext cx="777713" cy="293414"/>
-          </a:xfrm>
-          <a:prstGeom prst="line">
-            <a:avLst/>
-          </a:prstGeom>
-          <a:ln>
-            <a:solidFill>
-              <a:srgbClr val="C00000"/>
-            </a:solidFill>
-          </a:ln>
-        </p:spPr>
-        <p:style>
-          <a:lnRef idx="1">
-            <a:schemeClr val="accent1"/>
-          </a:lnRef>
-          <a:fillRef idx="0">
-            <a:schemeClr val="accent1"/>
-          </a:fillRef>
-          <a:effectRef idx="0">
-            <a:schemeClr val="accent1"/>
-          </a:effectRef>
-          <a:fontRef idx="minor">
-            <a:schemeClr val="tx1"/>
-          </a:fontRef>
-        </p:style>
-      </p:cxnSp>
-      <p:sp>
-        <p:nvSpPr>
-          <p:cNvPr id="70" name="ZoneTexte 69"/>
-          <p:cNvSpPr txBox="1"/>
-          <p:nvPr/>
-        </p:nvSpPr>
-        <p:spPr>
-          <a:xfrm>
-            <a:off x="3036542" y="3271838"/>
-            <a:ext cx="2076634" cy="1077218"/>
-          </a:xfrm>
-          <a:prstGeom prst="rect">
-            <a:avLst/>
-          </a:prstGeom>
-          <a:noFill/>
-        </p:spPr>
-        <p:txBody>
-          <a:bodyPr wrap="square" rtlCol="0">
-            <a:spAutoFit/>
-          </a:bodyPr>
-          <a:lstStyle/>
-          <a:p>
-            <a:r>
-              <a:rPr lang="fr-FR" sz="1600" dirty="0" smtClean="0"/>
-              <a:t>Ces deux écrans sont des doublons ? Peu de différences visibles dans leur usabilité</a:t>
-            </a:r>
-          </a:p>
-        </p:txBody>
-      </p:sp>
-      <p:sp>
-        <p:nvSpPr>
-          <p:cNvPr id="71" name="Rectangle 70"/>
-          <p:cNvSpPr/>
-          <p:nvPr/>
-        </p:nvSpPr>
-        <p:spPr>
-          <a:xfrm>
-            <a:off x="3194420" y="2811163"/>
-            <a:ext cx="344837" cy="523220"/>
-          </a:xfrm>
-          <a:prstGeom prst="rect">
-            <a:avLst/>
-          </a:prstGeom>
-        </p:spPr>
-        <p:txBody>
-          <a:bodyPr wrap="square">
-            <a:spAutoFit/>
-          </a:bodyPr>
-          <a:lstStyle/>
-          <a:p>
-            <a:r>
-              <a:rPr lang="fr-FR" sz="2800" b="1" dirty="0" smtClean="0">
-                <a:solidFill>
-                  <a:srgbClr val="C00000"/>
-                </a:solidFill>
-              </a:rPr>
-              <a:t>1</a:t>
-            </a:r>
-            <a:endParaRPr lang="fr-FR" sz="2800" b="1" dirty="0">
-              <a:solidFill>
-                <a:srgbClr val="C00000"/>
-              </a:solidFill>
-            </a:endParaRPr>
-          </a:p>
-        </p:txBody>
-      </p:sp>
-      <p:sp>
-        <p:nvSpPr>
-          <p:cNvPr id="72" name="Rectangle 71"/>
-          <p:cNvSpPr/>
-          <p:nvPr/>
-        </p:nvSpPr>
-        <p:spPr>
-          <a:xfrm>
-            <a:off x="1236187" y="2185358"/>
-            <a:ext cx="1352939" cy="160390"/>
-          </a:xfrm>
-          <a:prstGeom prst="rect">
-            <a:avLst/>
-          </a:prstGeom>
-          <a:noFill/>
-          <a:ln w="28575">
-            <a:solidFill>
-              <a:srgbClr val="C00000"/>
-            </a:solidFill>
-          </a:ln>
-        </p:spPr>
-        <p:style>
-          <a:lnRef idx="2">
-            <a:schemeClr val="accent1">
-              <a:shade val="50000"/>
-            </a:schemeClr>
-          </a:lnRef>
-          <a:fillRef idx="1">
-            <a:schemeClr val="accent1"/>
-          </a:fillRef>
-          <a:effectRef idx="0">
-            <a:schemeClr val="accent1"/>
-          </a:effectRef>
-          <a:fontRef idx="minor">
-            <a:schemeClr val="lt1"/>
-          </a:fontRef>
-        </p:style>
-        <p:txBody>
-          <a:bodyPr rtlCol="0" anchor="ctr"/>
-          <a:lstStyle/>
+            <a:r>
+              <a:rPr lang="fr-FR" sz="1200" dirty="0" smtClean="0"/>
+              <a:t>Chaque bloc de cet écran pourrait rediriger</a:t>
+            </a:r>
+            <a:br>
+              <a:rPr lang="fr-FR" sz="1200" dirty="0" smtClean="0"/>
+            </a:br>
+            <a:r>
+              <a:rPr lang="fr-FR" sz="1200" dirty="0" smtClean="0"/>
+              <a:t> vers chaque élément du menu </a:t>
+            </a:r>
+            <a:br>
+              <a:rPr lang="fr-FR" sz="1200" dirty="0" smtClean="0"/>
+            </a:br>
+            <a:r>
+              <a:rPr lang="fr-FR" sz="1200" dirty="0" smtClean="0"/>
+              <a:t>Par exemple:</a:t>
+            </a:r>
+          </a:p>
           <a:p>
             <a:pPr algn="ctr"/>
-            <a:endParaRPr lang="fr-FR"/>
-          </a:p>
-        </p:txBody>
-      </p:sp>
-      <p:cxnSp>
-        <p:nvCxnSpPr>
-          <p:cNvPr id="74" name="Connecteur droit 73"/>
-          <p:cNvCxnSpPr>
-            <a:stCxn id="72" idx="3"/>
-            <a:endCxn id="71" idx="0"/>
-          </p:cNvCxnSpPr>
-          <p:nvPr/>
-        </p:nvCxnSpPr>
-        <p:spPr>
-          <a:xfrm>
-            <a:off x="2589126" y="2265553"/>
-            <a:ext cx="777713" cy="545610"/>
-          </a:xfrm>
-          <a:prstGeom prst="line">
-            <a:avLst/>
-          </a:prstGeom>
-          <a:ln>
-            <a:solidFill>
-              <a:srgbClr val="C00000"/>
-            </a:solidFill>
-          </a:ln>
-        </p:spPr>
-        <p:style>
-          <a:lnRef idx="1">
-            <a:schemeClr val="accent1"/>
-          </a:lnRef>
-          <a:fillRef idx="0">
-            <a:schemeClr val="accent1"/>
-          </a:fillRef>
-          <a:effectRef idx="0">
-            <a:schemeClr val="accent1"/>
-          </a:effectRef>
-          <a:fontRef idx="minor">
-            <a:schemeClr val="tx1"/>
-          </a:fontRef>
-        </p:style>
-      </p:cxnSp>
+            <a:r>
+              <a:rPr lang="fr-FR" sz="1400" dirty="0" smtClean="0"/>
+              <a:t>Synthèse des comptes | Cartes | Crédits | Virements | Profil</a:t>
+            </a:r>
+          </a:p>
+        </p:txBody>
+      </p:sp>
     </p:spTree>
     <p:extLst>
       <p:ext uri="{BB962C8B-B14F-4D97-AF65-F5344CB8AC3E}">
-        <p14:creationId xmlns:p14="http://schemas.microsoft.com/office/powerpoint/2010/main" val="3231560602"/>
+        <p14:creationId xmlns:p14="http://schemas.microsoft.com/office/powerpoint/2010/main" val="3219831338"/>
       </p:ext>
     </p:extLst>
   </p:cSld>
@@ -6561,6 +5834,29 @@
           <a:chExt cx="0" cy="0"/>
         </a:xfrm>
       </p:grpSpPr>
+      <p:pic>
+        <p:nvPicPr>
+          <p:cNvPr id="19" name="Image 18"/>
+          <p:cNvPicPr>
+            <a:picLocks noChangeAspect="1"/>
+          </p:cNvPicPr>
+          <p:nvPr/>
+        </p:nvPicPr>
+        <p:blipFill rotWithShape="1">
+          <a:blip r:embed="rId2"/>
+          <a:srcRect t="10856" r="78865" b="45091"/>
+          <a:stretch/>
+        </p:blipFill>
+        <p:spPr>
+          <a:xfrm>
+            <a:off x="9338008" y="2353677"/>
+            <a:ext cx="2205994" cy="2586391"/>
+          </a:xfrm>
+          <a:prstGeom prst="rect">
+            <a:avLst/>
+          </a:prstGeom>
+        </p:spPr>
+      </p:pic>
       <p:sp>
         <p:nvSpPr>
           <p:cNvPr id="2" name="Titre 1"/>
@@ -6571,27 +5867,22 @@
             <p:ph type="title"/>
           </p:nvPr>
         </p:nvSpPr>
-        <p:spPr>
-          <a:xfrm>
-            <a:off x="838200" y="365125"/>
-            <a:ext cx="3463213" cy="1325563"/>
-          </a:xfrm>
-        </p:spPr>
+        <p:spPr/>
         <p:txBody>
           <a:bodyPr/>
           <a:lstStyle/>
           <a:p>
             <a:r>
-              <a:rPr lang="fr-FR" dirty="0" smtClean="0">
+              <a:rPr lang="fr-FR" b="1" dirty="0" smtClean="0">
                 <a:solidFill>
-                  <a:srgbClr val="C00000"/>
+                  <a:srgbClr val="EE0031"/>
                 </a:solidFill>
               </a:rPr>
-              <a:t>MES CARTES</a:t>
-            </a:r>
-            <a:endParaRPr lang="fr-FR" dirty="0">
+              <a:t>MENUS</a:t>
+            </a:r>
+            <a:endParaRPr lang="fr-FR" b="1" dirty="0">
               <a:solidFill>
-                <a:srgbClr val="C00000"/>
+                <a:srgbClr val="EE0031"/>
               </a:solidFill>
             </a:endParaRPr>
           </a:p>
@@ -6599,14 +5890,14 @@
       </p:sp>
       <p:pic>
         <p:nvPicPr>
-          <p:cNvPr id="3" name="Image 2"/>
+          <p:cNvPr id="5" name="Image 4"/>
           <p:cNvPicPr>
             <a:picLocks noChangeAspect="1"/>
           </p:cNvPicPr>
           <p:nvPr/>
         </p:nvPicPr>
         <p:blipFill>
-          <a:blip r:embed="rId2">
+          <a:blip r:embed="rId3">
             <a:extLst>
               <a:ext uri="{28A0092B-C50C-407E-A947-70E740481C1C}">
                 <a14:useLocalDpi xmlns:a14="http://schemas.microsoft.com/office/drawing/2010/main" val="0"/>
@@ -6627,39 +5918,86 @@
           </a:prstGeom>
         </p:spPr>
       </p:pic>
-      <p:pic>
-        <p:nvPicPr>
-          <p:cNvPr id="4" name="Image 3"/>
-          <p:cNvPicPr>
-            <a:picLocks noChangeAspect="1"/>
-          </p:cNvPicPr>
-          <p:nvPr/>
-        </p:nvPicPr>
-        <p:blipFill rotWithShape="1">
-          <a:blip r:embed="rId3"/>
-          <a:srcRect l="8244" t="10738" b="4165"/>
-          <a:stretch/>
-        </p:blipFill>
-        <p:spPr>
-          <a:xfrm>
-            <a:off x="381000" y="2217465"/>
-            <a:ext cx="8164285" cy="4272366"/>
-          </a:xfrm>
-          <a:prstGeom prst="rect">
-            <a:avLst/>
-          </a:prstGeom>
-        </p:spPr>
-      </p:pic>
-      <p:sp>
-        <p:nvSpPr>
-          <p:cNvPr id="9" name="Ellipse 8"/>
+      <p:sp>
+        <p:nvSpPr>
+          <p:cNvPr id="6" name="ZoneTexte 5"/>
+          <p:cNvSpPr txBox="1"/>
+          <p:nvPr/>
+        </p:nvSpPr>
+        <p:spPr>
+          <a:xfrm>
+            <a:off x="9206380" y="1291117"/>
+            <a:ext cx="2668556" cy="738664"/>
+          </a:xfrm>
+          <a:prstGeom prst="rect">
+            <a:avLst/>
+          </a:prstGeom>
+          <a:noFill/>
+          <a:ln>
+            <a:noFill/>
+          </a:ln>
+        </p:spPr>
+        <p:txBody>
+          <a:bodyPr wrap="square" rtlCol="0">
+            <a:spAutoFit/>
+          </a:bodyPr>
+          <a:lstStyle/>
+          <a:p>
+            <a:r>
+              <a:rPr lang="fr-FR" sz="1400" dirty="0" smtClean="0"/>
+              <a:t>La rubrique « Administration » n’a d’utilité que pour la modification de mot de passe.</a:t>
+            </a:r>
+          </a:p>
+        </p:txBody>
+      </p:sp>
+      <p:cxnSp>
+        <p:nvCxnSpPr>
+          <p:cNvPr id="7" name="Connecteur droit 6"/>
+          <p:cNvCxnSpPr>
+            <a:stCxn id="8" idx="7"/>
+            <a:endCxn id="6" idx="2"/>
+          </p:cNvCxnSpPr>
+          <p:nvPr/>
+        </p:nvCxnSpPr>
+        <p:spPr>
+          <a:xfrm flipV="1">
+            <a:off x="9707288" y="2029781"/>
+            <a:ext cx="833370" cy="2501533"/>
+          </a:xfrm>
+          <a:prstGeom prst="line">
+            <a:avLst/>
+          </a:prstGeom>
+          <a:ln>
+            <a:solidFill>
+              <a:srgbClr val="C00000"/>
+            </a:solidFill>
+          </a:ln>
+        </p:spPr>
+        <p:style>
+          <a:lnRef idx="1">
+            <a:schemeClr val="accent1"/>
+          </a:lnRef>
+          <a:fillRef idx="0">
+            <a:schemeClr val="accent1"/>
+          </a:fillRef>
+          <a:effectRef idx="0">
+            <a:schemeClr val="accent1"/>
+          </a:effectRef>
+          <a:fontRef idx="minor">
+            <a:schemeClr val="tx1"/>
+          </a:fontRef>
+        </p:style>
+      </p:cxnSp>
+      <p:sp>
+        <p:nvSpPr>
+          <p:cNvPr id="8" name="Ellipse 7"/>
           <p:cNvSpPr/>
           <p:nvPr/>
         </p:nvSpPr>
         <p:spPr>
           <a:xfrm>
-            <a:off x="4012164" y="2749324"/>
-            <a:ext cx="289249" cy="289249"/>
+            <a:off x="9394182" y="4474030"/>
+            <a:ext cx="366827" cy="391159"/>
           </a:xfrm>
           <a:prstGeom prst="ellipse">
             <a:avLst/>
@@ -6696,18 +6034,56 @@
           </a:p>
         </p:txBody>
       </p:sp>
-      <p:sp>
-        <p:nvSpPr>
-          <p:cNvPr id="10" name="Ellipse 9"/>
+      <p:cxnSp>
+        <p:nvCxnSpPr>
+          <p:cNvPr id="9" name="Connecteur droit 8"/>
+          <p:cNvCxnSpPr>
+            <a:stCxn id="10" idx="0"/>
+            <a:endCxn id="6" idx="2"/>
+          </p:cNvCxnSpPr>
+          <p:nvPr/>
+        </p:nvCxnSpPr>
+        <p:spPr>
+          <a:xfrm flipH="1" flipV="1">
+            <a:off x="10540658" y="2029781"/>
+            <a:ext cx="205175" cy="763526"/>
+          </a:xfrm>
+          <a:prstGeom prst="line">
+            <a:avLst/>
+          </a:prstGeom>
+          <a:ln>
+            <a:solidFill>
+              <a:srgbClr val="C00000"/>
+            </a:solidFill>
+          </a:ln>
+        </p:spPr>
+        <p:style>
+          <a:lnRef idx="1">
+            <a:schemeClr val="accent1"/>
+          </a:lnRef>
+          <a:fillRef idx="0">
+            <a:schemeClr val="accent1"/>
+          </a:fillRef>
+          <a:effectRef idx="0">
+            <a:schemeClr val="accent1"/>
+          </a:effectRef>
+          <a:fontRef idx="minor">
+            <a:schemeClr val="tx1"/>
+          </a:fontRef>
+        </p:style>
+      </p:cxnSp>
+      <p:sp>
+        <p:nvSpPr>
+          <p:cNvPr id="10" name="Rectangle 9"/>
           <p:cNvSpPr/>
           <p:nvPr/>
         </p:nvSpPr>
         <p:spPr>
           <a:xfrm>
-            <a:off x="7980782" y="2749323"/>
-            <a:ext cx="289249" cy="289249"/>
-          </a:xfrm>
-          <a:prstGeom prst="ellipse">
+            <a:off x="10140800" y="2793307"/>
+            <a:ext cx="1210066" cy="162466"/>
+          </a:xfrm>
+          <a:prstGeom prst="rect">
             <a:avLst/>
           </a:prstGeom>
           <a:noFill/>
@@ -6742,92 +6118,16 @@
           </a:p>
         </p:txBody>
       </p:sp>
-      <p:cxnSp>
-        <p:nvCxnSpPr>
-          <p:cNvPr id="12" name="Connecteur droit 11"/>
-          <p:cNvCxnSpPr>
-            <a:stCxn id="9" idx="7"/>
-            <a:endCxn id="20" idx="1"/>
-          </p:cNvCxnSpPr>
-          <p:nvPr/>
-        </p:nvCxnSpPr>
-        <p:spPr>
-          <a:xfrm>
-            <a:off x="4259053" y="2791684"/>
-            <a:ext cx="4842370" cy="434693"/>
-          </a:xfrm>
-          <a:prstGeom prst="line">
-            <a:avLst/>
-          </a:prstGeom>
-          <a:ln>
-            <a:solidFill>
-              <a:srgbClr val="C00000"/>
-            </a:solidFill>
-          </a:ln>
-        </p:spPr>
-        <p:style>
-          <a:lnRef idx="1">
-            <a:schemeClr val="accent1"/>
-          </a:lnRef>
-          <a:fillRef idx="0">
-            <a:schemeClr val="accent1"/>
-          </a:fillRef>
-          <a:effectRef idx="0">
-            <a:schemeClr val="accent1"/>
-          </a:effectRef>
-          <a:fontRef idx="minor">
-            <a:schemeClr val="tx1"/>
-          </a:fontRef>
-        </p:style>
-      </p:cxnSp>
-      <p:cxnSp>
-        <p:nvCxnSpPr>
-          <p:cNvPr id="14" name="Connecteur droit 13"/>
-          <p:cNvCxnSpPr>
-            <a:stCxn id="10" idx="6"/>
-            <a:endCxn id="20" idx="1"/>
-          </p:cNvCxnSpPr>
-          <p:nvPr/>
-        </p:nvCxnSpPr>
-        <p:spPr>
-          <a:xfrm>
-            <a:off x="8270031" y="2893948"/>
-            <a:ext cx="831392" cy="332429"/>
-          </a:xfrm>
-          <a:prstGeom prst="line">
-            <a:avLst/>
-          </a:prstGeom>
-          <a:ln>
-            <a:solidFill>
-              <a:srgbClr val="C00000"/>
-            </a:solidFill>
-          </a:ln>
-        </p:spPr>
-        <p:style>
-          <a:lnRef idx="1">
-            <a:schemeClr val="accent1"/>
-          </a:lnRef>
-          <a:fillRef idx="0">
-            <a:schemeClr val="accent1"/>
-          </a:fillRef>
-          <a:effectRef idx="0">
-            <a:schemeClr val="accent1"/>
-          </a:effectRef>
-          <a:fontRef idx="minor">
-            <a:schemeClr val="tx1"/>
-          </a:fontRef>
-        </p:style>
-      </p:cxnSp>
-      <p:sp>
-        <p:nvSpPr>
-          <p:cNvPr id="20" name="ZoneTexte 19"/>
+      <p:sp>
+        <p:nvSpPr>
+          <p:cNvPr id="11" name="ZoneTexte 10"/>
           <p:cNvSpPr txBox="1"/>
           <p:nvPr/>
         </p:nvSpPr>
         <p:spPr>
           <a:xfrm>
-            <a:off x="9101423" y="2749323"/>
-            <a:ext cx="2847977" cy="954107"/>
+            <a:off x="2948163" y="1275728"/>
+            <a:ext cx="4714522" cy="923330"/>
           </a:xfrm>
           <a:prstGeom prst="rect">
             <a:avLst/>
@@ -6841,133 +6141,34 @@
           <a:lstStyle/>
           <a:p>
             <a:r>
-              <a:rPr lang="fr-FR" sz="1400" dirty="0" smtClean="0">
-                <a:solidFill>
-                  <a:schemeClr val="tx1">
-                    <a:lumMod val="75000"/>
-                    <a:lumOff val="25000"/>
-                  </a:schemeClr>
-                </a:solidFill>
-              </a:rPr>
-              <a:t>L’icône « </a:t>
-            </a:r>
-            <a:r>
-              <a:rPr lang="fr-FR" sz="1400" dirty="0" err="1" smtClean="0">
-                <a:solidFill>
-                  <a:schemeClr val="tx1">
-                    <a:lumMod val="75000"/>
-                    <a:lumOff val="25000"/>
-                  </a:schemeClr>
-                </a:solidFill>
-              </a:rPr>
-              <a:t>arrow</a:t>
-            </a:r>
-            <a:r>
-              <a:rPr lang="fr-FR" sz="1400" dirty="0" smtClean="0">
-                <a:solidFill>
-                  <a:schemeClr val="tx1">
-                    <a:lumMod val="75000"/>
-                    <a:lumOff val="25000"/>
-                  </a:schemeClr>
-                </a:solidFill>
-              </a:rPr>
-              <a:t>-down » doit être utilisée sur un élément « fermé » et l’icône « </a:t>
-            </a:r>
-            <a:r>
-              <a:rPr lang="fr-FR" sz="1400" dirty="0" err="1" smtClean="0">
-                <a:solidFill>
-                  <a:schemeClr val="tx1">
-                    <a:lumMod val="75000"/>
-                    <a:lumOff val="25000"/>
-                  </a:schemeClr>
-                </a:solidFill>
-              </a:rPr>
-              <a:t>arrow</a:t>
-            </a:r>
-            <a:r>
-              <a:rPr lang="fr-FR" sz="1400" dirty="0" smtClean="0">
-                <a:solidFill>
-                  <a:schemeClr val="tx1">
-                    <a:lumMod val="75000"/>
-                    <a:lumOff val="25000"/>
-                  </a:schemeClr>
-                </a:solidFill>
-              </a:rPr>
-              <a:t>-up » sur un élément ouvert (</a:t>
-            </a:r>
-            <a:r>
-              <a:rPr lang="fr-FR" sz="1400" dirty="0" err="1" smtClean="0">
-                <a:solidFill>
-                  <a:schemeClr val="tx1">
-                    <a:lumMod val="75000"/>
-                    <a:lumOff val="25000"/>
-                  </a:schemeClr>
-                </a:solidFill>
-              </a:rPr>
-              <a:t>cf</a:t>
-            </a:r>
-            <a:r>
-              <a:rPr lang="fr-FR" sz="1400" dirty="0" smtClean="0">
-                <a:solidFill>
-                  <a:schemeClr val="tx1">
-                    <a:lumMod val="75000"/>
-                    <a:lumOff val="25000"/>
-                  </a:schemeClr>
-                </a:solidFill>
-              </a:rPr>
-              <a:t> carte el </a:t>
-            </a:r>
-            <a:r>
-              <a:rPr lang="fr-FR" sz="1400" dirty="0" err="1" smtClean="0">
-                <a:solidFill>
-                  <a:schemeClr val="tx1">
-                    <a:lumMod val="75000"/>
-                    <a:lumOff val="25000"/>
-                  </a:schemeClr>
-                </a:solidFill>
-              </a:rPr>
-              <a:t>kenz</a:t>
-            </a:r>
-            <a:r>
-              <a:rPr lang="fr-FR" sz="1400" dirty="0" smtClean="0">
-                <a:solidFill>
-                  <a:schemeClr val="tx1">
-                    <a:lumMod val="75000"/>
-                    <a:lumOff val="25000"/>
-                  </a:schemeClr>
-                </a:solidFill>
-              </a:rPr>
-              <a:t>)</a:t>
-            </a:r>
-            <a:endParaRPr lang="fr-FR" sz="1400" dirty="0">
-              <a:solidFill>
-                <a:schemeClr val="tx1">
-                  <a:lumMod val="75000"/>
-                  <a:lumOff val="25000"/>
-                </a:schemeClr>
-              </a:solidFill>
-            </a:endParaRPr>
-          </a:p>
-        </p:txBody>
-      </p:sp>
-      <p:sp>
-        <p:nvSpPr>
-          <p:cNvPr id="21" name="Ellipse 20"/>
+              <a:rPr lang="fr-FR" dirty="0" smtClean="0"/>
+              <a:t>Les rubriques ne sont pas cliquables. L’utilisateur est obligé de sélectionner une sous-rubrique</a:t>
+            </a:r>
+            <a:br>
+              <a:rPr lang="fr-FR" dirty="0" smtClean="0"/>
+            </a:br>
+            <a:endParaRPr lang="fr-FR" dirty="0" smtClean="0"/>
+          </a:p>
+        </p:txBody>
+      </p:sp>
+      <p:sp>
+        <p:nvSpPr>
+          <p:cNvPr id="12" name="Rectangle 11"/>
           <p:cNvSpPr/>
           <p:nvPr/>
         </p:nvSpPr>
         <p:spPr>
           <a:xfrm>
-            <a:off x="4012163" y="4372688"/>
-            <a:ext cx="289249" cy="289249"/>
-          </a:xfrm>
-          <a:prstGeom prst="ellipse">
+            <a:off x="608395" y="4820788"/>
+            <a:ext cx="4489615" cy="1612374"/>
+          </a:xfrm>
+          <a:prstGeom prst="rect">
             <a:avLst/>
           </a:prstGeom>
           <a:noFill/>
-          <a:ln w="28575">
+          <a:ln w="38100">
             <a:solidFill>
-              <a:srgbClr val="92D050"/>
+              <a:srgbClr val="00B050"/>
             </a:solidFill>
           </a:ln>
         </p:spPr>
@@ -6998,45 +6199,14 @@
       </p:sp>
       <p:pic>
         <p:nvPicPr>
-          <p:cNvPr id="22" name="Image 21"/>
+          <p:cNvPr id="13" name="Image 12"/>
           <p:cNvPicPr>
             <a:picLocks noChangeAspect="1"/>
           </p:cNvPicPr>
           <p:nvPr/>
         </p:nvPicPr>
-        <p:blipFill rotWithShape="1">
-          <a:blip r:embed="rId4"/>
-          <a:srcRect l="55055" t="51448" r="2479" b="23546"/>
-          <a:stretch/>
-        </p:blipFill>
-        <p:spPr>
-          <a:xfrm>
-            <a:off x="3911079" y="4946906"/>
-            <a:ext cx="5094514" cy="1687503"/>
-          </a:xfrm>
-          <a:prstGeom prst="rect">
-            <a:avLst/>
-          </a:prstGeom>
-          <a:ln w="19050">
-            <a:solidFill>
-              <a:schemeClr val="tx1">
-                <a:lumMod val="50000"/>
-                <a:lumOff val="50000"/>
-              </a:schemeClr>
-            </a:solidFill>
-          </a:ln>
-        </p:spPr>
-      </p:pic>
-      <p:pic>
-        <p:nvPicPr>
-          <p:cNvPr id="23" name="Image 22"/>
-          <p:cNvPicPr>
-            <a:picLocks noChangeAspect="1"/>
-          </p:cNvPicPr>
-          <p:nvPr/>
-        </p:nvPicPr>
         <p:blipFill>
-          <a:blip r:embed="rId5" cstate="print">
+          <a:blip r:embed="rId4" cstate="print">
             <a:extLst>
               <a:ext uri="{28A0092B-C50C-407E-A947-70E740481C1C}">
                 <a14:useLocalDpi xmlns:a14="http://schemas.microsoft.com/office/drawing/2010/main" val="0"/>
@@ -7049,8 +6219,8 @@
         </p:blipFill>
         <p:spPr>
           <a:xfrm>
-            <a:off x="8023142" y="4700016"/>
-            <a:ext cx="1278672" cy="1170268"/>
+            <a:off x="608395" y="4650024"/>
+            <a:ext cx="530342" cy="530342"/>
           </a:xfrm>
           <a:prstGeom prst="rect">
             <a:avLst/>
@@ -7059,36 +6229,69 @@
       </p:pic>
       <p:sp>
         <p:nvSpPr>
-          <p:cNvPr id="24" name="Rectangle 23"/>
-          <p:cNvSpPr/>
-          <p:nvPr/>
-        </p:nvSpPr>
-        <p:spPr>
-          <a:xfrm>
-            <a:off x="8790890" y="2673911"/>
-            <a:ext cx="367408" cy="523220"/>
-          </a:xfrm>
-          <a:prstGeom prst="rect">
-            <a:avLst/>
-          </a:prstGeom>
-        </p:spPr>
-        <p:txBody>
-          <a:bodyPr wrap="none">
+          <p:cNvPr id="14" name="ZoneTexte 13"/>
+          <p:cNvSpPr txBox="1"/>
+          <p:nvPr/>
+        </p:nvSpPr>
+        <p:spPr>
+          <a:xfrm>
+            <a:off x="824971" y="5188260"/>
+            <a:ext cx="4246384" cy="830997"/>
+          </a:xfrm>
+          <a:prstGeom prst="rect">
+            <a:avLst/>
+          </a:prstGeom>
+          <a:noFill/>
+        </p:spPr>
+        <p:txBody>
+          <a:bodyPr wrap="square" rtlCol="0">
             <a:spAutoFit/>
           </a:bodyPr>
           <a:lstStyle/>
           <a:p>
             <a:r>
-              <a:rPr lang="fr-FR" sz="2800" b="1" dirty="0" smtClean="0">
+              <a:rPr lang="fr-FR" sz="1200" dirty="0" smtClean="0"/>
+              <a:t>Toujours privilégier la simplicité et permettre à l’utilisateur d’arriver en 1 clic à l’écran souhaité. Chaque rubrique du menu devrait être cliquable sans être obligé d’utiliser les sous-rubrique</a:t>
+            </a:r>
+          </a:p>
+          <a:p>
+            <a:endParaRPr lang="fr-FR" sz="1200" dirty="0" smtClean="0"/>
+          </a:p>
+        </p:txBody>
+      </p:sp>
+      <p:sp>
+        <p:nvSpPr>
+          <p:cNvPr id="15" name="ZoneTexte 14"/>
+          <p:cNvSpPr txBox="1"/>
+          <p:nvPr/>
+        </p:nvSpPr>
+        <p:spPr>
+          <a:xfrm>
+            <a:off x="2013998" y="4820788"/>
+            <a:ext cx="1678408" cy="369332"/>
+          </a:xfrm>
+          <a:prstGeom prst="rect">
+            <a:avLst/>
+          </a:prstGeom>
+          <a:noFill/>
+        </p:spPr>
+        <p:txBody>
+          <a:bodyPr wrap="none" rtlCol="0">
+            <a:spAutoFit/>
+          </a:bodyPr>
+          <a:lstStyle/>
+          <a:p>
+            <a:r>
+              <a:rPr lang="fr-FR" dirty="0" smtClean="0">
                 <a:solidFill>
-                  <a:srgbClr val="C00000"/>
+                  <a:srgbClr val="00B050"/>
                 </a:solidFill>
               </a:rPr>
-              <a:t>1</a:t>
-            </a:r>
-            <a:endParaRPr lang="fr-FR" sz="2800" b="1" dirty="0">
+              <a:t>NOTRE CONSEIL</a:t>
+            </a:r>
+            <a:endParaRPr lang="fr-FR" dirty="0">
               <a:solidFill>
-                <a:srgbClr val="C00000"/>
+                <a:srgbClr val="00B050"/>
               </a:solidFill>
             </a:endParaRPr>
           </a:p>
@@ -7096,20 +6299,108 @@
       </p:sp>
       <p:sp>
         <p:nvSpPr>
-          <p:cNvPr id="28" name="Rectangle 27"/>
+          <p:cNvPr id="16" name="ZoneTexte 15"/>
+          <p:cNvSpPr txBox="1"/>
+          <p:nvPr/>
+        </p:nvSpPr>
+        <p:spPr>
+          <a:xfrm>
+            <a:off x="887173" y="5725276"/>
+            <a:ext cx="3932058" cy="707886"/>
+          </a:xfrm>
+          <a:prstGeom prst="rect">
+            <a:avLst/>
+          </a:prstGeom>
+          <a:noFill/>
+        </p:spPr>
+        <p:txBody>
+          <a:bodyPr wrap="square" rtlCol="0">
+            <a:spAutoFit/>
+          </a:bodyPr>
+          <a:lstStyle/>
+          <a:p>
+            <a:pPr algn="ctr"/>
+            <a:r>
+              <a:rPr lang="fr-FR" sz="1200" dirty="0" smtClean="0"/>
+              <a:t>Par exemple:</a:t>
+            </a:r>
+          </a:p>
+          <a:p>
+            <a:pPr algn="ctr"/>
+            <a:r>
+              <a:rPr lang="fr-FR" sz="1400" dirty="0" smtClean="0"/>
+              <a:t>En cliquant sur comptes, j’arrive sur </a:t>
+            </a:r>
+            <a:r>
+              <a:rPr lang="fr-FR" sz="1400" b="1" dirty="0" smtClean="0"/>
+              <a:t>Comptes &gt; Situation des comptes</a:t>
+            </a:r>
+            <a:endParaRPr lang="fr-FR" sz="1400" dirty="0" smtClean="0"/>
+          </a:p>
+        </p:txBody>
+      </p:sp>
+      <p:pic>
+        <p:nvPicPr>
+          <p:cNvPr id="18" name="Image 17"/>
+          <p:cNvPicPr>
+            <a:picLocks noChangeAspect="1"/>
+          </p:cNvPicPr>
+          <p:nvPr/>
+        </p:nvPicPr>
+        <p:blipFill rotWithShape="1">
+          <a:blip r:embed="rId5"/>
+          <a:srcRect t="10821" r="79069" b="44791"/>
+          <a:stretch/>
+        </p:blipFill>
+        <p:spPr>
+          <a:xfrm>
+            <a:off x="608395" y="1818905"/>
+            <a:ext cx="2188634" cy="2610724"/>
+          </a:xfrm>
+          <a:prstGeom prst="rect">
+            <a:avLst/>
+          </a:prstGeom>
+        </p:spPr>
+      </p:pic>
+      <p:pic>
+        <p:nvPicPr>
+          <p:cNvPr id="24" name="Image 23"/>
+          <p:cNvPicPr>
+            <a:picLocks noChangeAspect="1"/>
+          </p:cNvPicPr>
+          <p:nvPr/>
+        </p:nvPicPr>
+        <p:blipFill rotWithShape="1">
+          <a:blip r:embed="rId6"/>
+          <a:srcRect l="93265" t="5006" b="89983"/>
+          <a:stretch/>
+        </p:blipFill>
+        <p:spPr>
+          <a:xfrm>
+            <a:off x="10940516" y="1911363"/>
+            <a:ext cx="675682" cy="282753"/>
+          </a:xfrm>
+          <a:prstGeom prst="rect">
+            <a:avLst/>
+          </a:prstGeom>
+        </p:spPr>
+      </p:pic>
+      <p:sp>
+        <p:nvSpPr>
+          <p:cNvPr id="30" name="Rectangle 29"/>
           <p:cNvSpPr/>
           <p:nvPr/>
         </p:nvSpPr>
         <p:spPr>
           <a:xfrm>
-            <a:off x="9518547" y="4700016"/>
-            <a:ext cx="2101561" cy="1612374"/>
+            <a:off x="11293206" y="1962114"/>
+            <a:ext cx="337841" cy="254718"/>
           </a:xfrm>
           <a:prstGeom prst="rect">
             <a:avLst/>
           </a:prstGeom>
           <a:noFill/>
-          <a:ln w="38100">
+          <a:ln w="28575">
             <a:solidFill>
               <a:srgbClr val="00B050"/>
             </a:solidFill>
@@ -7140,16 +6431,626 @@
           </a:p>
         </p:txBody>
       </p:sp>
+      <p:cxnSp>
+        <p:nvCxnSpPr>
+          <p:cNvPr id="31" name="Connecteur droit 30"/>
+          <p:cNvCxnSpPr>
+            <a:stCxn id="10" idx="0"/>
+            <a:endCxn id="30" idx="2"/>
+          </p:cNvCxnSpPr>
+          <p:nvPr/>
+        </p:nvCxnSpPr>
+        <p:spPr>
+          <a:xfrm flipV="1">
+            <a:off x="10745833" y="2216832"/>
+            <a:ext cx="716294" cy="576475"/>
+          </a:xfrm>
+          <a:prstGeom prst="line">
+            <a:avLst/>
+          </a:prstGeom>
+          <a:ln>
+            <a:solidFill>
+              <a:srgbClr val="00B050"/>
+            </a:solidFill>
+          </a:ln>
+        </p:spPr>
+        <p:style>
+          <a:lnRef idx="1">
+            <a:schemeClr val="accent1"/>
+          </a:lnRef>
+          <a:fillRef idx="0">
+            <a:schemeClr val="accent1"/>
+          </a:fillRef>
+          <a:effectRef idx="0">
+            <a:schemeClr val="accent1"/>
+          </a:effectRef>
+          <a:fontRef idx="minor">
+            <a:schemeClr val="tx1"/>
+          </a:fontRef>
+        </p:style>
+      </p:cxnSp>
       <p:pic>
         <p:nvPicPr>
-          <p:cNvPr id="29" name="Image 28"/>
+          <p:cNvPr id="34" name="Image 33"/>
           <p:cNvPicPr>
             <a:picLocks noChangeAspect="1"/>
           </p:cNvPicPr>
           <p:nvPr/>
         </p:nvPicPr>
+        <p:blipFill rotWithShape="1">
+          <a:blip r:embed="rId7"/>
+          <a:srcRect l="87239" t="5751" r="860" b="69999"/>
+          <a:stretch/>
+        </p:blipFill>
+        <p:spPr>
+          <a:xfrm>
+            <a:off x="5664592" y="2316702"/>
+            <a:ext cx="2176572" cy="2494567"/>
+          </a:xfrm>
+          <a:prstGeom prst="rect">
+            <a:avLst/>
+          </a:prstGeom>
+        </p:spPr>
+      </p:pic>
+      <p:cxnSp>
+        <p:nvCxnSpPr>
+          <p:cNvPr id="35" name="Connecteur droit 34"/>
+          <p:cNvCxnSpPr>
+            <a:stCxn id="45" idx="3"/>
+            <a:endCxn id="11" idx="1"/>
+          </p:cNvCxnSpPr>
+          <p:nvPr/>
+        </p:nvCxnSpPr>
+        <p:spPr>
+          <a:xfrm flipV="1">
+            <a:off x="2412346" y="1737393"/>
+            <a:ext cx="535817" cy="832946"/>
+          </a:xfrm>
+          <a:prstGeom prst="line">
+            <a:avLst/>
+          </a:prstGeom>
+          <a:ln>
+            <a:solidFill>
+              <a:srgbClr val="C00000"/>
+            </a:solidFill>
+          </a:ln>
+        </p:spPr>
+        <p:style>
+          <a:lnRef idx="1">
+            <a:schemeClr val="accent1"/>
+          </a:lnRef>
+          <a:fillRef idx="0">
+            <a:schemeClr val="accent1"/>
+          </a:fillRef>
+          <a:effectRef idx="0">
+            <a:schemeClr val="accent1"/>
+          </a:effectRef>
+          <a:fontRef idx="minor">
+            <a:schemeClr val="tx1"/>
+          </a:fontRef>
+        </p:style>
+      </p:cxnSp>
+      <p:sp>
+        <p:nvSpPr>
+          <p:cNvPr id="36" name="Ellipse 35"/>
+          <p:cNvSpPr/>
+          <p:nvPr/>
+        </p:nvSpPr>
+        <p:spPr>
+          <a:xfrm>
+            <a:off x="689078" y="1839409"/>
+            <a:ext cx="396189" cy="396189"/>
+          </a:xfrm>
+          <a:prstGeom prst="ellipse">
+            <a:avLst/>
+          </a:prstGeom>
+          <a:noFill/>
+          <a:ln w="28575">
+            <a:solidFill>
+              <a:srgbClr val="C00000"/>
+            </a:solidFill>
+          </a:ln>
+        </p:spPr>
+        <p:style>
+          <a:lnRef idx="2">
+            <a:schemeClr val="accent1">
+              <a:shade val="50000"/>
+            </a:schemeClr>
+          </a:lnRef>
+          <a:fillRef idx="1">
+            <a:schemeClr val="accent1"/>
+          </a:fillRef>
+          <a:effectRef idx="0">
+            <a:schemeClr val="accent1"/>
+          </a:effectRef>
+          <a:fontRef idx="minor">
+            <a:schemeClr val="lt1"/>
+          </a:fontRef>
+        </p:style>
+        <p:txBody>
+          <a:bodyPr rtlCol="0" anchor="ctr"/>
+          <a:lstStyle/>
+          <a:p>
+            <a:pPr algn="ctr"/>
+            <a:endParaRPr lang="fr-FR" dirty="0"/>
+          </a:p>
+        </p:txBody>
+      </p:sp>
+      <p:cxnSp>
+        <p:nvCxnSpPr>
+          <p:cNvPr id="41" name="Connecteur droit 40"/>
+          <p:cNvCxnSpPr>
+            <a:endCxn id="45" idx="1"/>
+          </p:cNvCxnSpPr>
+          <p:nvPr/>
+        </p:nvCxnSpPr>
+        <p:spPr>
+          <a:xfrm>
+            <a:off x="865010" y="2225844"/>
+            <a:ext cx="337270" cy="344495"/>
+          </a:xfrm>
+          <a:prstGeom prst="line">
+            <a:avLst/>
+          </a:prstGeom>
+          <a:ln>
+            <a:solidFill>
+              <a:srgbClr val="C00000"/>
+            </a:solidFill>
+          </a:ln>
+        </p:spPr>
+        <p:style>
+          <a:lnRef idx="1">
+            <a:schemeClr val="accent1"/>
+          </a:lnRef>
+          <a:fillRef idx="0">
+            <a:schemeClr val="accent1"/>
+          </a:fillRef>
+          <a:effectRef idx="0">
+            <a:schemeClr val="accent1"/>
+          </a:effectRef>
+          <a:fontRef idx="minor">
+            <a:schemeClr val="tx1"/>
+          </a:fontRef>
+        </p:style>
+      </p:cxnSp>
+      <p:sp>
+        <p:nvSpPr>
+          <p:cNvPr id="45" name="Rectangle 44"/>
+          <p:cNvSpPr/>
+          <p:nvPr/>
+        </p:nvSpPr>
+        <p:spPr>
+          <a:xfrm>
+            <a:off x="1202280" y="2489106"/>
+            <a:ext cx="1210066" cy="162466"/>
+          </a:xfrm>
+          <a:prstGeom prst="rect">
+            <a:avLst/>
+          </a:prstGeom>
+          <a:noFill/>
+          <a:ln w="28575">
+            <a:solidFill>
+              <a:srgbClr val="C00000"/>
+            </a:solidFill>
+          </a:ln>
+        </p:spPr>
+        <p:style>
+          <a:lnRef idx="2">
+            <a:schemeClr val="accent1">
+              <a:shade val="50000"/>
+            </a:schemeClr>
+          </a:lnRef>
+          <a:fillRef idx="1">
+            <a:schemeClr val="accent1"/>
+          </a:fillRef>
+          <a:effectRef idx="0">
+            <a:schemeClr val="accent1"/>
+          </a:effectRef>
+          <a:fontRef idx="minor">
+            <a:schemeClr val="lt1"/>
+          </a:fontRef>
+        </p:style>
+        <p:txBody>
+          <a:bodyPr rtlCol="0" anchor="ctr"/>
+          <a:lstStyle/>
+          <a:p>
+            <a:pPr algn="ctr"/>
+            <a:endParaRPr lang="fr-FR"/>
+          </a:p>
+        </p:txBody>
+      </p:sp>
+      <p:sp>
+        <p:nvSpPr>
+          <p:cNvPr id="48" name="Rectangle 47"/>
+          <p:cNvSpPr/>
+          <p:nvPr/>
+        </p:nvSpPr>
+        <p:spPr>
+          <a:xfrm>
+            <a:off x="646636" y="3409728"/>
+            <a:ext cx="453859" cy="426919"/>
+          </a:xfrm>
+          <a:prstGeom prst="rect">
+            <a:avLst/>
+          </a:prstGeom>
+          <a:noFill/>
+          <a:ln w="28575">
+            <a:solidFill>
+              <a:srgbClr val="00B050"/>
+            </a:solidFill>
+          </a:ln>
+        </p:spPr>
+        <p:style>
+          <a:lnRef idx="2">
+            <a:schemeClr val="accent1">
+              <a:shade val="50000"/>
+            </a:schemeClr>
+          </a:lnRef>
+          <a:fillRef idx="1">
+            <a:schemeClr val="accent1"/>
+          </a:fillRef>
+          <a:effectRef idx="0">
+            <a:schemeClr val="accent1"/>
+          </a:effectRef>
+          <a:fontRef idx="minor">
+            <a:schemeClr val="lt1"/>
+          </a:fontRef>
+        </p:style>
+        <p:txBody>
+          <a:bodyPr rtlCol="0" anchor="ctr"/>
+          <a:lstStyle/>
+          <a:p>
+            <a:pPr algn="ctr"/>
+            <a:endParaRPr lang="fr-FR"/>
+          </a:p>
+        </p:txBody>
+      </p:sp>
+      <p:cxnSp>
+        <p:nvCxnSpPr>
+          <p:cNvPr id="49" name="Connecteur droit 48"/>
+          <p:cNvCxnSpPr>
+            <a:stCxn id="12" idx="0"/>
+            <a:endCxn id="48" idx="2"/>
+          </p:cNvCxnSpPr>
+          <p:nvPr/>
+        </p:nvCxnSpPr>
+        <p:spPr>
+          <a:xfrm flipH="1" flipV="1">
+            <a:off x="873566" y="3836647"/>
+            <a:ext cx="1979637" cy="984141"/>
+          </a:xfrm>
+          <a:prstGeom prst="line">
+            <a:avLst/>
+          </a:prstGeom>
+          <a:ln>
+            <a:solidFill>
+              <a:srgbClr val="00B050"/>
+            </a:solidFill>
+          </a:ln>
+        </p:spPr>
+        <p:style>
+          <a:lnRef idx="1">
+            <a:schemeClr val="accent1"/>
+          </a:lnRef>
+          <a:fillRef idx="0">
+            <a:schemeClr val="accent1"/>
+          </a:fillRef>
+          <a:effectRef idx="0">
+            <a:schemeClr val="accent1"/>
+          </a:effectRef>
+          <a:fontRef idx="minor">
+            <a:schemeClr val="tx1"/>
+          </a:fontRef>
+        </p:style>
+      </p:cxnSp>
+      <p:sp>
+        <p:nvSpPr>
+          <p:cNvPr id="55" name="Rectangle 54"/>
+          <p:cNvSpPr/>
+          <p:nvPr/>
+        </p:nvSpPr>
+        <p:spPr>
+          <a:xfrm>
+            <a:off x="5883135" y="3744461"/>
+            <a:ext cx="1210066" cy="280345"/>
+          </a:xfrm>
+          <a:prstGeom prst="rect">
+            <a:avLst/>
+          </a:prstGeom>
+          <a:noFill/>
+          <a:ln w="28575">
+            <a:solidFill>
+              <a:srgbClr val="C00000"/>
+            </a:solidFill>
+          </a:ln>
+        </p:spPr>
+        <p:style>
+          <a:lnRef idx="2">
+            <a:schemeClr val="accent1">
+              <a:shade val="50000"/>
+            </a:schemeClr>
+          </a:lnRef>
+          <a:fillRef idx="1">
+            <a:schemeClr val="accent1"/>
+          </a:fillRef>
+          <a:effectRef idx="0">
+            <a:schemeClr val="accent1"/>
+          </a:effectRef>
+          <a:fontRef idx="minor">
+            <a:schemeClr val="lt1"/>
+          </a:fontRef>
+        </p:style>
+        <p:txBody>
+          <a:bodyPr rtlCol="0" anchor="ctr"/>
+          <a:lstStyle/>
+          <a:p>
+            <a:pPr algn="ctr"/>
+            <a:endParaRPr lang="fr-FR"/>
+          </a:p>
+        </p:txBody>
+      </p:sp>
+      <p:cxnSp>
+        <p:nvCxnSpPr>
+          <p:cNvPr id="56" name="Connecteur droit 55"/>
+          <p:cNvCxnSpPr>
+            <a:stCxn id="55" idx="2"/>
+            <a:endCxn id="59" idx="1"/>
+          </p:cNvCxnSpPr>
+          <p:nvPr/>
+        </p:nvCxnSpPr>
+        <p:spPr>
+          <a:xfrm flipH="1">
+            <a:off x="6125536" y="4024806"/>
+            <a:ext cx="362632" cy="1155560"/>
+          </a:xfrm>
+          <a:prstGeom prst="line">
+            <a:avLst/>
+          </a:prstGeom>
+          <a:ln>
+            <a:solidFill>
+              <a:srgbClr val="C00000"/>
+            </a:solidFill>
+          </a:ln>
+        </p:spPr>
+        <p:style>
+          <a:lnRef idx="1">
+            <a:schemeClr val="accent1"/>
+          </a:lnRef>
+          <a:fillRef idx="0">
+            <a:schemeClr val="accent1"/>
+          </a:fillRef>
+          <a:effectRef idx="0">
+            <a:schemeClr val="accent1"/>
+          </a:effectRef>
+          <a:fontRef idx="minor">
+            <a:schemeClr val="tx1"/>
+          </a:fontRef>
+        </p:style>
+      </p:cxnSp>
+      <p:sp>
+        <p:nvSpPr>
+          <p:cNvPr id="59" name="ZoneTexte 58"/>
+          <p:cNvSpPr txBox="1"/>
+          <p:nvPr/>
+        </p:nvSpPr>
+        <p:spPr>
+          <a:xfrm>
+            <a:off x="6125536" y="4995700"/>
+            <a:ext cx="2449145" cy="369332"/>
+          </a:xfrm>
+          <a:prstGeom prst="rect">
+            <a:avLst/>
+          </a:prstGeom>
+          <a:noFill/>
+        </p:spPr>
+        <p:txBody>
+          <a:bodyPr wrap="square" rtlCol="0">
+            <a:spAutoFit/>
+          </a:bodyPr>
+          <a:lstStyle/>
+          <a:p>
+            <a:r>
+              <a:rPr lang="fr-FR" dirty="0" smtClean="0"/>
+              <a:t>Ecran Profil inaccessible</a:t>
+            </a:r>
+          </a:p>
+        </p:txBody>
+      </p:sp>
+      <p:sp>
+        <p:nvSpPr>
+          <p:cNvPr id="65" name="Rectangle 64"/>
+          <p:cNvSpPr/>
+          <p:nvPr/>
+        </p:nvSpPr>
+        <p:spPr>
+          <a:xfrm>
+            <a:off x="2680254" y="1268256"/>
+            <a:ext cx="367408" cy="523220"/>
+          </a:xfrm>
+          <a:prstGeom prst="rect">
+            <a:avLst/>
+          </a:prstGeom>
+        </p:spPr>
+        <p:txBody>
+          <a:bodyPr wrap="none">
+            <a:spAutoFit/>
+          </a:bodyPr>
+          <a:lstStyle/>
+          <a:p>
+            <a:r>
+              <a:rPr lang="fr-FR" sz="2800" b="1" dirty="0" smtClean="0">
+                <a:solidFill>
+                  <a:srgbClr val="C00000"/>
+                </a:solidFill>
+              </a:rPr>
+              <a:t>1</a:t>
+            </a:r>
+            <a:endParaRPr lang="fr-FR" sz="2800" b="1" dirty="0">
+              <a:solidFill>
+                <a:srgbClr val="C00000"/>
+              </a:solidFill>
+            </a:endParaRPr>
+          </a:p>
+        </p:txBody>
+      </p:sp>
+      <p:sp>
+        <p:nvSpPr>
+          <p:cNvPr id="67" name="Rectangle 66"/>
+          <p:cNvSpPr/>
+          <p:nvPr/>
+        </p:nvSpPr>
+        <p:spPr>
+          <a:xfrm>
+            <a:off x="5771539" y="4881555"/>
+            <a:ext cx="367408" cy="523220"/>
+          </a:xfrm>
+          <a:prstGeom prst="rect">
+            <a:avLst/>
+          </a:prstGeom>
+        </p:spPr>
+        <p:txBody>
+          <a:bodyPr wrap="none">
+            <a:spAutoFit/>
+          </a:bodyPr>
+          <a:lstStyle/>
+          <a:p>
+            <a:r>
+              <a:rPr lang="fr-FR" sz="2800" b="1" dirty="0" smtClean="0">
+                <a:solidFill>
+                  <a:srgbClr val="C00000"/>
+                </a:solidFill>
+              </a:rPr>
+              <a:t>2</a:t>
+            </a:r>
+            <a:endParaRPr lang="fr-FR" sz="2800" b="1" dirty="0">
+              <a:solidFill>
+                <a:srgbClr val="C00000"/>
+              </a:solidFill>
+            </a:endParaRPr>
+          </a:p>
+        </p:txBody>
+      </p:sp>
+      <p:sp>
+        <p:nvSpPr>
+          <p:cNvPr id="68" name="Rectangle 67"/>
+          <p:cNvSpPr/>
+          <p:nvPr/>
+        </p:nvSpPr>
+        <p:spPr>
+          <a:xfrm>
+            <a:off x="8957130" y="1167468"/>
+            <a:ext cx="367408" cy="523220"/>
+          </a:xfrm>
+          <a:prstGeom prst="rect">
+            <a:avLst/>
+          </a:prstGeom>
+        </p:spPr>
+        <p:txBody>
+          <a:bodyPr wrap="none">
+            <a:spAutoFit/>
+          </a:bodyPr>
+          <a:lstStyle/>
+          <a:p>
+            <a:r>
+              <a:rPr lang="fr-FR" sz="2800" b="1" dirty="0" smtClean="0">
+                <a:solidFill>
+                  <a:srgbClr val="C00000"/>
+                </a:solidFill>
+              </a:rPr>
+              <a:t>3</a:t>
+            </a:r>
+            <a:endParaRPr lang="fr-FR" sz="2800" b="1" dirty="0">
+              <a:solidFill>
+                <a:srgbClr val="C00000"/>
+              </a:solidFill>
+            </a:endParaRPr>
+          </a:p>
+        </p:txBody>
+      </p:sp>
+      <p:sp>
+        <p:nvSpPr>
+          <p:cNvPr id="77" name="Rectangle 76"/>
+          <p:cNvSpPr/>
+          <p:nvPr/>
+        </p:nvSpPr>
+        <p:spPr>
+          <a:xfrm>
+            <a:off x="9338008" y="5686074"/>
+            <a:ext cx="2446555" cy="830997"/>
+          </a:xfrm>
+          <a:prstGeom prst="rect">
+            <a:avLst/>
+          </a:prstGeom>
+        </p:spPr>
+        <p:txBody>
+          <a:bodyPr wrap="square">
+            <a:spAutoFit/>
+          </a:bodyPr>
+          <a:lstStyle/>
+          <a:p>
+            <a:r>
+              <a:rPr lang="fr-FR" sz="1200" dirty="0"/>
+              <a:t>Il serait préférable de déplacer cet élément vers le menu « profil » dans la barre de navigation et conserver un menu latéral à 4 rubriques</a:t>
+            </a:r>
+          </a:p>
+        </p:txBody>
+      </p:sp>
+      <p:sp>
+        <p:nvSpPr>
+          <p:cNvPr id="78" name="Rectangle 77"/>
+          <p:cNvSpPr/>
+          <p:nvPr/>
+        </p:nvSpPr>
+        <p:spPr>
+          <a:xfrm>
+            <a:off x="9266112" y="5075781"/>
+            <a:ext cx="2608824" cy="1612374"/>
+          </a:xfrm>
+          <a:prstGeom prst="rect">
+            <a:avLst/>
+          </a:prstGeom>
+          <a:noFill/>
+          <a:ln w="38100">
+            <a:solidFill>
+              <a:srgbClr val="00B050"/>
+            </a:solidFill>
+          </a:ln>
+        </p:spPr>
+        <p:style>
+          <a:lnRef idx="2">
+            <a:schemeClr val="accent1">
+              <a:shade val="50000"/>
+            </a:schemeClr>
+          </a:lnRef>
+          <a:fillRef idx="1">
+            <a:schemeClr val="accent1"/>
+          </a:fillRef>
+          <a:effectRef idx="0">
+            <a:schemeClr val="accent1"/>
+          </a:effectRef>
+          <a:fontRef idx="minor">
+            <a:schemeClr val="lt1"/>
+          </a:fontRef>
+        </p:style>
+        <p:txBody>
+          <a:bodyPr rtlCol="0" anchor="ctr"/>
+          <a:lstStyle/>
+          <a:p>
+            <a:pPr algn="ctr"/>
+            <a:endParaRPr lang="fr-FR"/>
+          </a:p>
+        </p:txBody>
+      </p:sp>
+      <p:pic>
+        <p:nvPicPr>
+          <p:cNvPr id="79" name="Image 78"/>
+          <p:cNvPicPr>
+            <a:picLocks noChangeAspect="1"/>
+          </p:cNvPicPr>
+          <p:nvPr/>
+        </p:nvPicPr>
         <p:blipFill>
-          <a:blip r:embed="rId6" cstate="print">
+          <a:blip r:embed="rId4" cstate="print">
             <a:extLst>
               <a:ext uri="{28A0092B-C50C-407E-A947-70E740481C1C}">
                 <a14:useLocalDpi xmlns:a14="http://schemas.microsoft.com/office/drawing/2010/main" val="0"/>
@@ -7162,7 +7063,7 @@
         </p:blipFill>
         <p:spPr>
           <a:xfrm>
-            <a:off x="7130493" y="4529252"/>
+            <a:off x="9158882" y="4998793"/>
             <a:ext cx="530342" cy="530342"/>
           </a:xfrm>
           <a:prstGeom prst="rect">
@@ -7172,13 +7073,13 @@
       </p:pic>
       <p:sp>
         <p:nvSpPr>
-          <p:cNvPr id="30" name="ZoneTexte 29"/>
+          <p:cNvPr id="80" name="ZoneTexte 79"/>
           <p:cNvSpPr txBox="1"/>
           <p:nvPr/>
         </p:nvSpPr>
         <p:spPr>
           <a:xfrm>
-            <a:off x="9730123" y="4687649"/>
+            <a:off x="9809108" y="5126378"/>
             <a:ext cx="1678408" cy="369332"/>
           </a:xfrm>
           <a:prstGeom prst="rect">
@@ -7211,7 +7112,7 @@
     </p:spTree>
     <p:extLst>
       <p:ext uri="{BB962C8B-B14F-4D97-AF65-F5344CB8AC3E}">
-        <p14:creationId xmlns:p14="http://schemas.microsoft.com/office/powerpoint/2010/main" val="3194163227"/>
+        <p14:creationId xmlns:p14="http://schemas.microsoft.com/office/powerpoint/2010/main" val="2985039341"/>
       </p:ext>
     </p:extLst>
   </p:cSld>
@@ -7231,14 +7132,6 @@
 <file path=ppt/slides/slide7.xml><?xml version="1.0" encoding="utf-8"?>
 <p:sld xmlns:a="http://schemas.openxmlformats.org/drawingml/2006/main" xmlns:r="http://schemas.openxmlformats.org/officeDocument/2006/relationships" xmlns:p="http://schemas.openxmlformats.org/presentationml/2006/main">
   <p:cSld>
-    <p:bg>
-      <p:bgPr>
-        <a:solidFill>
-          <a:schemeClr val="bg2"/>
-        </a:solidFill>
-        <a:effectLst/>
-      </p:bgPr>
-    </p:bg>
     <p:spTree>
       <p:nvGrpSpPr>
         <p:cNvPr id="1" name=""/>
@@ -7253,6 +7146,29 @@
           <a:chExt cx="0" cy="0"/>
         </a:xfrm>
       </p:grpSpPr>
+      <p:pic>
+        <p:nvPicPr>
+          <p:cNvPr id="3" name="Image 2"/>
+          <p:cNvPicPr>
+            <a:picLocks noChangeAspect="1"/>
+          </p:cNvPicPr>
+          <p:nvPr/>
+        </p:nvPicPr>
+        <p:blipFill rotWithShape="1">
+          <a:blip r:embed="rId2"/>
+          <a:srcRect t="10771" r="1283" b="21341"/>
+          <a:stretch/>
+        </p:blipFill>
+        <p:spPr>
+          <a:xfrm>
+            <a:off x="5435766" y="1916186"/>
+            <a:ext cx="6531428" cy="2526524"/>
+          </a:xfrm>
+          <a:prstGeom prst="rect">
+            <a:avLst/>
+          </a:prstGeom>
+        </p:spPr>
+      </p:pic>
       <p:sp>
         <p:nvSpPr>
           <p:cNvPr id="2" name="Titre 1"/>
@@ -7260,7 +7176,7 @@
             <a:spLocks noGrp="1"/>
           </p:cNvSpPr>
           <p:nvPr>
-            <p:ph type="ctrTitle"/>
+            <p:ph type="title"/>
           </p:nvPr>
         </p:nvSpPr>
         <p:spPr/>
@@ -7269,47 +7185,16 @@
           <a:lstStyle/>
           <a:p>
             <a:r>
-              <a:rPr lang="fr-FR" dirty="0" smtClean="0">
+              <a:rPr lang="fr-FR" b="1" dirty="0" smtClean="0">
                 <a:solidFill>
-                  <a:srgbClr val="C00000"/>
+                  <a:srgbClr val="EE0031"/>
                 </a:solidFill>
               </a:rPr>
-              <a:t>ERREURS ET BUGS</a:t>
-            </a:r>
-            <a:endParaRPr lang="fr-FR" dirty="0">
+              <a:t>COMPTES</a:t>
+            </a:r>
+            <a:endParaRPr lang="fr-FR" b="1" dirty="0">
               <a:solidFill>
-                <a:srgbClr val="C00000"/>
-              </a:solidFill>
-            </a:endParaRPr>
-          </a:p>
-        </p:txBody>
-      </p:sp>
-      <p:sp>
-        <p:nvSpPr>
-          <p:cNvPr id="3" name="Sous-titre 2"/>
-          <p:cNvSpPr>
-            <a:spLocks noGrp="1"/>
-          </p:cNvSpPr>
-          <p:nvPr>
-            <p:ph type="subTitle" idx="1"/>
-          </p:nvPr>
-        </p:nvSpPr>
-        <p:spPr/>
-        <p:txBody>
-          <a:bodyPr/>
-          <a:lstStyle/>
-          <a:p>
-            <a:r>
-              <a:rPr lang="fr-FR" dirty="0" smtClean="0">
-                <a:solidFill>
-                  <a:schemeClr val="bg1"/>
-                </a:solidFill>
-              </a:rPr>
-              <a:t>UX DESIGN</a:t>
-            </a:r>
-            <a:endParaRPr lang="fr-FR" dirty="0">
-              <a:solidFill>
-                <a:schemeClr val="bg1"/>
+                <a:srgbClr val="EE0031"/>
               </a:solidFill>
             </a:endParaRPr>
           </a:p>
@@ -7324,7 +7209,7 @@
           <p:nvPr/>
         </p:nvPicPr>
         <p:blipFill>
-          <a:blip r:embed="rId2">
+          <a:blip r:embed="rId3">
             <a:extLst>
               <a:ext uri="{28A0092B-C50C-407E-A947-70E740481C1C}">
                 <a14:useLocalDpi xmlns:a14="http://schemas.microsoft.com/office/drawing/2010/main" val="0"/>
@@ -7345,10 +7230,652 @@
           </a:prstGeom>
         </p:spPr>
       </p:pic>
+      <p:sp>
+        <p:nvSpPr>
+          <p:cNvPr id="12" name="Rectangle 11"/>
+          <p:cNvSpPr/>
+          <p:nvPr/>
+        </p:nvSpPr>
+        <p:spPr>
+          <a:xfrm>
+            <a:off x="7477579" y="5659796"/>
+            <a:ext cx="4489615" cy="896690"/>
+          </a:xfrm>
+          <a:prstGeom prst="rect">
+            <a:avLst/>
+          </a:prstGeom>
+          <a:noFill/>
+          <a:ln w="38100">
+            <a:solidFill>
+              <a:srgbClr val="00B050"/>
+            </a:solidFill>
+          </a:ln>
+        </p:spPr>
+        <p:style>
+          <a:lnRef idx="2">
+            <a:schemeClr val="accent1">
+              <a:shade val="50000"/>
+            </a:schemeClr>
+          </a:lnRef>
+          <a:fillRef idx="1">
+            <a:schemeClr val="accent1"/>
+          </a:fillRef>
+          <a:effectRef idx="0">
+            <a:schemeClr val="accent1"/>
+          </a:effectRef>
+          <a:fontRef idx="minor">
+            <a:schemeClr val="lt1"/>
+          </a:fontRef>
+        </p:style>
+        <p:txBody>
+          <a:bodyPr rtlCol="0" anchor="ctr"/>
+          <a:lstStyle/>
+          <a:p>
+            <a:pPr algn="ctr"/>
+            <a:endParaRPr lang="fr-FR"/>
+          </a:p>
+        </p:txBody>
+      </p:sp>
+      <p:pic>
+        <p:nvPicPr>
+          <p:cNvPr id="13" name="Image 12"/>
+          <p:cNvPicPr>
+            <a:picLocks noChangeAspect="1"/>
+          </p:cNvPicPr>
+          <p:nvPr/>
+        </p:nvPicPr>
+        <p:blipFill>
+          <a:blip r:embed="rId4" cstate="print">
+            <a:extLst>
+              <a:ext uri="{28A0092B-C50C-407E-A947-70E740481C1C}">
+                <a14:useLocalDpi xmlns:a14="http://schemas.microsoft.com/office/drawing/2010/main" val="0"/>
+              </a:ext>
+            </a:extLst>
+          </a:blip>
+          <a:stretch>
+            <a:fillRect/>
+          </a:stretch>
+        </p:blipFill>
+        <p:spPr>
+          <a:xfrm>
+            <a:off x="7521980" y="5453213"/>
+            <a:ext cx="530342" cy="530342"/>
+          </a:xfrm>
+          <a:prstGeom prst="rect">
+            <a:avLst/>
+          </a:prstGeom>
+        </p:spPr>
+      </p:pic>
+      <p:sp>
+        <p:nvSpPr>
+          <p:cNvPr id="14" name="ZoneTexte 13"/>
+          <p:cNvSpPr txBox="1"/>
+          <p:nvPr/>
+        </p:nvSpPr>
+        <p:spPr>
+          <a:xfrm>
+            <a:off x="7599194" y="5983555"/>
+            <a:ext cx="4246384" cy="461665"/>
+          </a:xfrm>
+          <a:prstGeom prst="rect">
+            <a:avLst/>
+          </a:prstGeom>
+          <a:noFill/>
+        </p:spPr>
+        <p:txBody>
+          <a:bodyPr wrap="square" rtlCol="0">
+            <a:spAutoFit/>
+          </a:bodyPr>
+          <a:lstStyle/>
+          <a:p>
+            <a:r>
+              <a:rPr lang="fr-FR" sz="1200" dirty="0" smtClean="0"/>
+              <a:t>La fonctionnalité de recherche est très utile et mériterait d’avoir sa place directement dans l’écran de consultation du compte</a:t>
+            </a:r>
+          </a:p>
+        </p:txBody>
+      </p:sp>
+      <p:sp>
+        <p:nvSpPr>
+          <p:cNvPr id="15" name="ZoneTexte 14"/>
+          <p:cNvSpPr txBox="1"/>
+          <p:nvPr/>
+        </p:nvSpPr>
+        <p:spPr>
+          <a:xfrm>
+            <a:off x="8883182" y="5670918"/>
+            <a:ext cx="1678408" cy="369332"/>
+          </a:xfrm>
+          <a:prstGeom prst="rect">
+            <a:avLst/>
+          </a:prstGeom>
+          <a:noFill/>
+        </p:spPr>
+        <p:txBody>
+          <a:bodyPr wrap="none" rtlCol="0">
+            <a:spAutoFit/>
+          </a:bodyPr>
+          <a:lstStyle/>
+          <a:p>
+            <a:r>
+              <a:rPr lang="fr-FR" dirty="0" smtClean="0">
+                <a:solidFill>
+                  <a:srgbClr val="00B050"/>
+                </a:solidFill>
+              </a:rPr>
+              <a:t>NOTRE CONSEIL</a:t>
+            </a:r>
+            <a:endParaRPr lang="fr-FR" dirty="0">
+              <a:solidFill>
+                <a:srgbClr val="00B050"/>
+              </a:solidFill>
+            </a:endParaRPr>
+          </a:p>
+        </p:txBody>
+      </p:sp>
+      <p:sp>
+        <p:nvSpPr>
+          <p:cNvPr id="55" name="Rectangle 54"/>
+          <p:cNvSpPr/>
+          <p:nvPr/>
+        </p:nvSpPr>
+        <p:spPr>
+          <a:xfrm>
+            <a:off x="5897710" y="1928544"/>
+            <a:ext cx="1352939" cy="232071"/>
+          </a:xfrm>
+          <a:prstGeom prst="rect">
+            <a:avLst/>
+          </a:prstGeom>
+          <a:noFill/>
+          <a:ln w="28575">
+            <a:solidFill>
+              <a:srgbClr val="C00000"/>
+            </a:solidFill>
+          </a:ln>
+        </p:spPr>
+        <p:style>
+          <a:lnRef idx="2">
+            <a:schemeClr val="accent1">
+              <a:shade val="50000"/>
+            </a:schemeClr>
+          </a:lnRef>
+          <a:fillRef idx="1">
+            <a:schemeClr val="accent1"/>
+          </a:fillRef>
+          <a:effectRef idx="0">
+            <a:schemeClr val="accent1"/>
+          </a:effectRef>
+          <a:fontRef idx="minor">
+            <a:schemeClr val="lt1"/>
+          </a:fontRef>
+        </p:style>
+        <p:txBody>
+          <a:bodyPr rtlCol="0" anchor="ctr"/>
+          <a:lstStyle/>
+          <a:p>
+            <a:pPr algn="ctr"/>
+            <a:endParaRPr lang="fr-FR"/>
+          </a:p>
+        </p:txBody>
+      </p:sp>
+      <p:cxnSp>
+        <p:nvCxnSpPr>
+          <p:cNvPr id="56" name="Connecteur droit 55"/>
+          <p:cNvCxnSpPr>
+            <a:stCxn id="55" idx="2"/>
+            <a:endCxn id="67" idx="0"/>
+          </p:cNvCxnSpPr>
+          <p:nvPr/>
+        </p:nvCxnSpPr>
+        <p:spPr>
+          <a:xfrm>
+            <a:off x="6574180" y="2160615"/>
+            <a:ext cx="1407960" cy="2245983"/>
+          </a:xfrm>
+          <a:prstGeom prst="line">
+            <a:avLst/>
+          </a:prstGeom>
+          <a:ln>
+            <a:solidFill>
+              <a:srgbClr val="C00000"/>
+            </a:solidFill>
+          </a:ln>
+        </p:spPr>
+        <p:style>
+          <a:lnRef idx="1">
+            <a:schemeClr val="accent1"/>
+          </a:lnRef>
+          <a:fillRef idx="0">
+            <a:schemeClr val="accent1"/>
+          </a:fillRef>
+          <a:effectRef idx="0">
+            <a:schemeClr val="accent1"/>
+          </a:effectRef>
+          <a:fontRef idx="minor">
+            <a:schemeClr val="tx1"/>
+          </a:fontRef>
+        </p:style>
+      </p:cxnSp>
+      <p:sp>
+        <p:nvSpPr>
+          <p:cNvPr id="59" name="ZoneTexte 58"/>
+          <p:cNvSpPr txBox="1"/>
+          <p:nvPr/>
+        </p:nvSpPr>
+        <p:spPr>
+          <a:xfrm>
+            <a:off x="8052322" y="4457025"/>
+            <a:ext cx="3914872" cy="1077218"/>
+          </a:xfrm>
+          <a:prstGeom prst="rect">
+            <a:avLst/>
+          </a:prstGeom>
+          <a:noFill/>
+        </p:spPr>
+        <p:txBody>
+          <a:bodyPr wrap="square" rtlCol="0">
+            <a:spAutoFit/>
+          </a:bodyPr>
+          <a:lstStyle/>
+          <a:p>
+            <a:r>
+              <a:rPr lang="fr-FR" sz="1600" dirty="0" smtClean="0"/>
+              <a:t>La fonctionnalité recherche est un écran à part entière et uniquement atteignable via le menu et risque de perturber l’expérience utilisateur (rupture)</a:t>
+            </a:r>
+          </a:p>
+        </p:txBody>
+      </p:sp>
+      <p:sp>
+        <p:nvSpPr>
+          <p:cNvPr id="67" name="Rectangle 66"/>
+          <p:cNvSpPr/>
+          <p:nvPr/>
+        </p:nvSpPr>
+        <p:spPr>
+          <a:xfrm>
+            <a:off x="7809721" y="4406598"/>
+            <a:ext cx="344837" cy="523220"/>
+          </a:xfrm>
+          <a:prstGeom prst="rect">
+            <a:avLst/>
+          </a:prstGeom>
+        </p:spPr>
+        <p:txBody>
+          <a:bodyPr wrap="square">
+            <a:spAutoFit/>
+          </a:bodyPr>
+          <a:lstStyle/>
+          <a:p>
+            <a:r>
+              <a:rPr lang="fr-FR" sz="2800" b="1" dirty="0" smtClean="0">
+                <a:solidFill>
+                  <a:srgbClr val="C00000"/>
+                </a:solidFill>
+              </a:rPr>
+              <a:t>2</a:t>
+            </a:r>
+            <a:endParaRPr lang="fr-FR" sz="2800" b="1" dirty="0">
+              <a:solidFill>
+                <a:srgbClr val="C00000"/>
+              </a:solidFill>
+            </a:endParaRPr>
+          </a:p>
+        </p:txBody>
+      </p:sp>
+      <p:pic>
+        <p:nvPicPr>
+          <p:cNvPr id="23" name="Image 22"/>
+          <p:cNvPicPr>
+            <a:picLocks noChangeAspect="1"/>
+          </p:cNvPicPr>
+          <p:nvPr/>
+        </p:nvPicPr>
+        <p:blipFill rotWithShape="1">
+          <a:blip r:embed="rId5"/>
+          <a:srcRect t="10487" b="42815"/>
+          <a:stretch/>
+        </p:blipFill>
+        <p:spPr>
+          <a:xfrm>
+            <a:off x="322778" y="4747187"/>
+            <a:ext cx="7033185" cy="1847461"/>
+          </a:xfrm>
+          <a:prstGeom prst="rect">
+            <a:avLst/>
+          </a:prstGeom>
+        </p:spPr>
+      </p:pic>
+      <p:pic>
+        <p:nvPicPr>
+          <p:cNvPr id="46" name="Image 45"/>
+          <p:cNvPicPr>
+            <a:picLocks noChangeAspect="1"/>
+          </p:cNvPicPr>
+          <p:nvPr/>
+        </p:nvPicPr>
+        <p:blipFill rotWithShape="1">
+          <a:blip r:embed="rId2">
+            <a:duotone>
+              <a:schemeClr val="accent6">
+                <a:shade val="45000"/>
+                <a:satMod val="135000"/>
+              </a:schemeClr>
+              <a:prstClr val="white"/>
+            </a:duotone>
+          </a:blip>
+          <a:srcRect l="88461" t="53562" r="2621" b="40566"/>
+          <a:stretch/>
+        </p:blipFill>
+        <p:spPr>
+          <a:xfrm>
+            <a:off x="6267940" y="5587654"/>
+            <a:ext cx="755780" cy="279918"/>
+          </a:xfrm>
+          <a:prstGeom prst="rect">
+            <a:avLst/>
+          </a:prstGeom>
+        </p:spPr>
+      </p:pic>
+      <p:cxnSp>
+        <p:nvCxnSpPr>
+          <p:cNvPr id="49" name="Connecteur droit 48"/>
+          <p:cNvCxnSpPr>
+            <a:stCxn id="14" idx="1"/>
+            <a:endCxn id="46" idx="3"/>
+          </p:cNvCxnSpPr>
+          <p:nvPr/>
+        </p:nvCxnSpPr>
+        <p:spPr>
+          <a:xfrm flipH="1" flipV="1">
+            <a:off x="7023720" y="5727613"/>
+            <a:ext cx="575474" cy="486775"/>
+          </a:xfrm>
+          <a:prstGeom prst="line">
+            <a:avLst/>
+          </a:prstGeom>
+          <a:ln>
+            <a:solidFill>
+              <a:srgbClr val="00B050"/>
+            </a:solidFill>
+          </a:ln>
+        </p:spPr>
+        <p:style>
+          <a:lnRef idx="1">
+            <a:schemeClr val="accent1"/>
+          </a:lnRef>
+          <a:fillRef idx="0">
+            <a:schemeClr val="accent1"/>
+          </a:fillRef>
+          <a:effectRef idx="0">
+            <a:schemeClr val="accent1"/>
+          </a:effectRef>
+          <a:fontRef idx="minor">
+            <a:schemeClr val="tx1"/>
+          </a:fontRef>
+        </p:style>
+      </p:cxnSp>
+      <p:pic>
+        <p:nvPicPr>
+          <p:cNvPr id="64" name="Image 63"/>
+          <p:cNvPicPr>
+            <a:picLocks noChangeAspect="1"/>
+          </p:cNvPicPr>
+          <p:nvPr/>
+        </p:nvPicPr>
+        <p:blipFill rotWithShape="1">
+          <a:blip r:embed="rId6"/>
+          <a:srcRect t="10821" r="79069" b="44791"/>
+          <a:stretch/>
+        </p:blipFill>
+        <p:spPr>
+          <a:xfrm>
+            <a:off x="674153" y="1767999"/>
+            <a:ext cx="2188634" cy="2610724"/>
+          </a:xfrm>
+          <a:prstGeom prst="rect">
+            <a:avLst/>
+          </a:prstGeom>
+        </p:spPr>
+      </p:pic>
+      <p:sp>
+        <p:nvSpPr>
+          <p:cNvPr id="66" name="Rectangle 65"/>
+          <p:cNvSpPr/>
+          <p:nvPr/>
+        </p:nvSpPr>
+        <p:spPr>
+          <a:xfrm>
+            <a:off x="1236187" y="2441654"/>
+            <a:ext cx="1352939" cy="152190"/>
+          </a:xfrm>
+          <a:prstGeom prst="rect">
+            <a:avLst/>
+          </a:prstGeom>
+          <a:noFill/>
+          <a:ln w="28575">
+            <a:solidFill>
+              <a:srgbClr val="C00000"/>
+            </a:solidFill>
+          </a:ln>
+        </p:spPr>
+        <p:style>
+          <a:lnRef idx="2">
+            <a:schemeClr val="accent1">
+              <a:shade val="50000"/>
+            </a:schemeClr>
+          </a:lnRef>
+          <a:fillRef idx="1">
+            <a:schemeClr val="accent1"/>
+          </a:fillRef>
+          <a:effectRef idx="0">
+            <a:schemeClr val="accent1"/>
+          </a:effectRef>
+          <a:fontRef idx="minor">
+            <a:schemeClr val="lt1"/>
+          </a:fontRef>
+        </p:style>
+        <p:txBody>
+          <a:bodyPr rtlCol="0" anchor="ctr"/>
+          <a:lstStyle/>
+          <a:p>
+            <a:pPr algn="ctr"/>
+            <a:endParaRPr lang="fr-FR"/>
+          </a:p>
+        </p:txBody>
+      </p:sp>
+      <p:cxnSp>
+        <p:nvCxnSpPr>
+          <p:cNvPr id="69" name="Connecteur droit 68"/>
+          <p:cNvCxnSpPr>
+            <a:stCxn id="66" idx="3"/>
+            <a:endCxn id="71" idx="0"/>
+          </p:cNvCxnSpPr>
+          <p:nvPr/>
+        </p:nvCxnSpPr>
+        <p:spPr>
+          <a:xfrm>
+            <a:off x="2589126" y="2517749"/>
+            <a:ext cx="777713" cy="293414"/>
+          </a:xfrm>
+          <a:prstGeom prst="line">
+            <a:avLst/>
+          </a:prstGeom>
+          <a:ln>
+            <a:solidFill>
+              <a:srgbClr val="C00000"/>
+            </a:solidFill>
+          </a:ln>
+        </p:spPr>
+        <p:style>
+          <a:lnRef idx="1">
+            <a:schemeClr val="accent1"/>
+          </a:lnRef>
+          <a:fillRef idx="0">
+            <a:schemeClr val="accent1"/>
+          </a:fillRef>
+          <a:effectRef idx="0">
+            <a:schemeClr val="accent1"/>
+          </a:effectRef>
+          <a:fontRef idx="minor">
+            <a:schemeClr val="tx1"/>
+          </a:fontRef>
+        </p:style>
+      </p:cxnSp>
+      <p:sp>
+        <p:nvSpPr>
+          <p:cNvPr id="70" name="ZoneTexte 69"/>
+          <p:cNvSpPr txBox="1"/>
+          <p:nvPr/>
+        </p:nvSpPr>
+        <p:spPr>
+          <a:xfrm>
+            <a:off x="3036542" y="3271838"/>
+            <a:ext cx="2076634" cy="1077218"/>
+          </a:xfrm>
+          <a:prstGeom prst="rect">
+            <a:avLst/>
+          </a:prstGeom>
+          <a:noFill/>
+        </p:spPr>
+        <p:txBody>
+          <a:bodyPr wrap="square" rtlCol="0">
+            <a:spAutoFit/>
+          </a:bodyPr>
+          <a:lstStyle/>
+          <a:p>
+            <a:r>
+              <a:rPr lang="fr-FR" sz="1600" dirty="0" smtClean="0"/>
+              <a:t>Ces deux écrans sont des doublons ? Peu de différences visibles dans leur usabilité</a:t>
+            </a:r>
+          </a:p>
+        </p:txBody>
+      </p:sp>
+      <p:sp>
+        <p:nvSpPr>
+          <p:cNvPr id="71" name="Rectangle 70"/>
+          <p:cNvSpPr/>
+          <p:nvPr/>
+        </p:nvSpPr>
+        <p:spPr>
+          <a:xfrm>
+            <a:off x="3194420" y="2811163"/>
+            <a:ext cx="344837" cy="523220"/>
+          </a:xfrm>
+          <a:prstGeom prst="rect">
+            <a:avLst/>
+          </a:prstGeom>
+        </p:spPr>
+        <p:txBody>
+          <a:bodyPr wrap="square">
+            <a:spAutoFit/>
+          </a:bodyPr>
+          <a:lstStyle/>
+          <a:p>
+            <a:r>
+              <a:rPr lang="fr-FR" sz="2800" b="1" dirty="0" smtClean="0">
+                <a:solidFill>
+                  <a:srgbClr val="C00000"/>
+                </a:solidFill>
+              </a:rPr>
+              <a:t>1</a:t>
+            </a:r>
+            <a:endParaRPr lang="fr-FR" sz="2800" b="1" dirty="0">
+              <a:solidFill>
+                <a:srgbClr val="C00000"/>
+              </a:solidFill>
+            </a:endParaRPr>
+          </a:p>
+        </p:txBody>
+      </p:sp>
+      <p:sp>
+        <p:nvSpPr>
+          <p:cNvPr id="72" name="Rectangle 71"/>
+          <p:cNvSpPr/>
+          <p:nvPr/>
+        </p:nvSpPr>
+        <p:spPr>
+          <a:xfrm>
+            <a:off x="1236187" y="2185358"/>
+            <a:ext cx="1352939" cy="160390"/>
+          </a:xfrm>
+          <a:prstGeom prst="rect">
+            <a:avLst/>
+          </a:prstGeom>
+          <a:noFill/>
+          <a:ln w="28575">
+            <a:solidFill>
+              <a:srgbClr val="C00000"/>
+            </a:solidFill>
+          </a:ln>
+        </p:spPr>
+        <p:style>
+          <a:lnRef idx="2">
+            <a:schemeClr val="accent1">
+              <a:shade val="50000"/>
+            </a:schemeClr>
+          </a:lnRef>
+          <a:fillRef idx="1">
+            <a:schemeClr val="accent1"/>
+          </a:fillRef>
+          <a:effectRef idx="0">
+            <a:schemeClr val="accent1"/>
+          </a:effectRef>
+          <a:fontRef idx="minor">
+            <a:schemeClr val="lt1"/>
+          </a:fontRef>
+        </p:style>
+        <p:txBody>
+          <a:bodyPr rtlCol="0" anchor="ctr"/>
+          <a:lstStyle/>
+          <a:p>
+            <a:pPr algn="ctr"/>
+            <a:endParaRPr lang="fr-FR"/>
+          </a:p>
+        </p:txBody>
+      </p:sp>
+      <p:cxnSp>
+        <p:nvCxnSpPr>
+          <p:cNvPr id="74" name="Connecteur droit 73"/>
+          <p:cNvCxnSpPr>
+            <a:stCxn id="72" idx="3"/>
+            <a:endCxn id="71" idx="0"/>
+          </p:cNvCxnSpPr>
+          <p:nvPr/>
+        </p:nvCxnSpPr>
+        <p:spPr>
+          <a:xfrm>
+            <a:off x="2589126" y="2265553"/>
+            <a:ext cx="777713" cy="545610"/>
+          </a:xfrm>
+          <a:prstGeom prst="line">
+            <a:avLst/>
+          </a:prstGeom>
+          <a:ln>
+            <a:solidFill>
+              <a:srgbClr val="C00000"/>
+            </a:solidFill>
+          </a:ln>
+        </p:spPr>
+        <p:style>
+          <a:lnRef idx="1">
+            <a:schemeClr val="accent1"/>
+          </a:lnRef>
+          <a:fillRef idx="0">
+            <a:schemeClr val="accent1"/>
+          </a:fillRef>
+          <a:effectRef idx="0">
+            <a:schemeClr val="accent1"/>
+          </a:effectRef>
+          <a:fontRef idx="minor">
+            <a:schemeClr val="tx1"/>
+          </a:fontRef>
+        </p:style>
+      </p:cxnSp>
     </p:spTree>
     <p:extLst>
       <p:ext uri="{BB962C8B-B14F-4D97-AF65-F5344CB8AC3E}">
-        <p14:creationId xmlns:p14="http://schemas.microsoft.com/office/powerpoint/2010/main" val="4110761167"/>
+        <p14:creationId xmlns:p14="http://schemas.microsoft.com/office/powerpoint/2010/main" val="3231560602"/>
       </p:ext>
     </p:extLst>
   </p:cSld>
@@ -7392,22 +7919,27 @@
             <p:ph type="title"/>
           </p:nvPr>
         </p:nvSpPr>
-        <p:spPr/>
+        <p:spPr>
+          <a:xfrm>
+            <a:off x="838200" y="365125"/>
+            <a:ext cx="3463213" cy="1325563"/>
+          </a:xfrm>
+        </p:spPr>
         <p:txBody>
           <a:bodyPr/>
           <a:lstStyle/>
           <a:p>
             <a:r>
-              <a:rPr lang="fr-FR" dirty="0" smtClean="0">
+              <a:rPr lang="fr-FR" b="1" dirty="0" smtClean="0">
                 <a:solidFill>
-                  <a:srgbClr val="C00000"/>
+                  <a:srgbClr val="EE0031"/>
                 </a:solidFill>
               </a:rPr>
-              <a:t>HTTP STATUS 500</a:t>
-            </a:r>
-            <a:endParaRPr lang="fr-FR" dirty="0">
+              <a:t>MES CARTES</a:t>
+            </a:r>
+            <a:endParaRPr lang="fr-FR" b="1" dirty="0">
               <a:solidFill>
-                <a:srgbClr val="C00000"/>
+                <a:srgbClr val="EE0031"/>
               </a:solidFill>
             </a:endParaRPr>
           </a:p>
@@ -7453,13 +7985,13 @@
         </p:nvPicPr>
         <p:blipFill rotWithShape="1">
           <a:blip r:embed="rId3"/>
-          <a:srcRect t="5990" r="1997" b="5911"/>
+          <a:srcRect l="8244" t="10738" b="4165"/>
           <a:stretch/>
         </p:blipFill>
         <p:spPr>
           <a:xfrm>
-            <a:off x="1408922" y="1690688"/>
-            <a:ext cx="8854751" cy="4477449"/>
+            <a:off x="381000" y="2217465"/>
+            <a:ext cx="8164285" cy="4272366"/>
           </a:xfrm>
           <a:prstGeom prst="rect">
             <a:avLst/>
@@ -7468,14 +8000,182 @@
       </p:pic>
       <p:sp>
         <p:nvSpPr>
-          <p:cNvPr id="5" name="ZoneTexte 4"/>
+          <p:cNvPr id="9" name="Ellipse 8"/>
+          <p:cNvSpPr/>
+          <p:nvPr/>
+        </p:nvSpPr>
+        <p:spPr>
+          <a:xfrm>
+            <a:off x="4012164" y="2749324"/>
+            <a:ext cx="289249" cy="289249"/>
+          </a:xfrm>
+          <a:prstGeom prst="ellipse">
+            <a:avLst/>
+          </a:prstGeom>
+          <a:noFill/>
+          <a:ln w="28575">
+            <a:solidFill>
+              <a:srgbClr val="C00000"/>
+            </a:solidFill>
+          </a:ln>
+        </p:spPr>
+        <p:style>
+          <a:lnRef idx="2">
+            <a:schemeClr val="accent1">
+              <a:shade val="50000"/>
+            </a:schemeClr>
+          </a:lnRef>
+          <a:fillRef idx="1">
+            <a:schemeClr val="accent1"/>
+          </a:fillRef>
+          <a:effectRef idx="0">
+            <a:schemeClr val="accent1"/>
+          </a:effectRef>
+          <a:fontRef idx="minor">
+            <a:schemeClr val="lt1"/>
+          </a:fontRef>
+        </p:style>
+        <p:txBody>
+          <a:bodyPr rtlCol="0" anchor="ctr"/>
+          <a:lstStyle/>
+          <a:p>
+            <a:pPr algn="ctr"/>
+            <a:endParaRPr lang="fr-FR"/>
+          </a:p>
+        </p:txBody>
+      </p:sp>
+      <p:sp>
+        <p:nvSpPr>
+          <p:cNvPr id="10" name="Ellipse 9"/>
+          <p:cNvSpPr/>
+          <p:nvPr/>
+        </p:nvSpPr>
+        <p:spPr>
+          <a:xfrm>
+            <a:off x="7980782" y="2749323"/>
+            <a:ext cx="289249" cy="289249"/>
+          </a:xfrm>
+          <a:prstGeom prst="ellipse">
+            <a:avLst/>
+          </a:prstGeom>
+          <a:noFill/>
+          <a:ln w="28575">
+            <a:solidFill>
+              <a:srgbClr val="C00000"/>
+            </a:solidFill>
+          </a:ln>
+        </p:spPr>
+        <p:style>
+          <a:lnRef idx="2">
+            <a:schemeClr val="accent1">
+              <a:shade val="50000"/>
+            </a:schemeClr>
+          </a:lnRef>
+          <a:fillRef idx="1">
+            <a:schemeClr val="accent1"/>
+          </a:fillRef>
+          <a:effectRef idx="0">
+            <a:schemeClr val="accent1"/>
+          </a:effectRef>
+          <a:fontRef idx="minor">
+            <a:schemeClr val="lt1"/>
+          </a:fontRef>
+        </p:style>
+        <p:txBody>
+          <a:bodyPr rtlCol="0" anchor="ctr"/>
+          <a:lstStyle/>
+          <a:p>
+            <a:pPr algn="ctr"/>
+            <a:endParaRPr lang="fr-FR"/>
+          </a:p>
+        </p:txBody>
+      </p:sp>
+      <p:cxnSp>
+        <p:nvCxnSpPr>
+          <p:cNvPr id="12" name="Connecteur droit 11"/>
+          <p:cNvCxnSpPr>
+            <a:stCxn id="9" idx="7"/>
+            <a:endCxn id="20" idx="1"/>
+          </p:cNvCxnSpPr>
+          <p:nvPr/>
+        </p:nvCxnSpPr>
+        <p:spPr>
+          <a:xfrm>
+            <a:off x="4259053" y="2791684"/>
+            <a:ext cx="3475256" cy="2897235"/>
+          </a:xfrm>
+          <a:prstGeom prst="line">
+            <a:avLst/>
+          </a:prstGeom>
+          <a:ln>
+            <a:solidFill>
+              <a:srgbClr val="C00000"/>
+            </a:solidFill>
+          </a:ln>
+        </p:spPr>
+        <p:style>
+          <a:lnRef idx="1">
+            <a:schemeClr val="accent1"/>
+          </a:lnRef>
+          <a:fillRef idx="0">
+            <a:schemeClr val="accent1"/>
+          </a:fillRef>
+          <a:effectRef idx="0">
+            <a:schemeClr val="accent1"/>
+          </a:effectRef>
+          <a:fontRef idx="minor">
+            <a:schemeClr val="tx1"/>
+          </a:fontRef>
+        </p:style>
+      </p:cxnSp>
+      <p:cxnSp>
+        <p:nvCxnSpPr>
+          <p:cNvPr id="14" name="Connecteur droit 13"/>
+          <p:cNvCxnSpPr>
+            <a:stCxn id="10" idx="6"/>
+            <a:endCxn id="20" idx="1"/>
+          </p:cNvCxnSpPr>
+          <p:nvPr/>
+        </p:nvCxnSpPr>
+        <p:spPr>
+          <a:xfrm flipH="1">
+            <a:off x="7734309" y="2893948"/>
+            <a:ext cx="535722" cy="2794971"/>
+          </a:xfrm>
+          <a:prstGeom prst="line">
+            <a:avLst/>
+          </a:prstGeom>
+          <a:ln>
+            <a:solidFill>
+              <a:srgbClr val="C00000"/>
+            </a:solidFill>
+          </a:ln>
+        </p:spPr>
+        <p:style>
+          <a:lnRef idx="1">
+            <a:schemeClr val="accent1"/>
+          </a:lnRef>
+          <a:fillRef idx="0">
+            <a:schemeClr val="accent1"/>
+          </a:fillRef>
+          <a:effectRef idx="0">
+            <a:schemeClr val="accent1"/>
+          </a:effectRef>
+          <a:fontRef idx="minor">
+            <a:schemeClr val="tx1"/>
+          </a:fontRef>
+        </p:style>
+      </p:cxnSp>
+      <p:sp>
+        <p:nvSpPr>
+          <p:cNvPr id="20" name="ZoneTexte 19"/>
           <p:cNvSpPr txBox="1"/>
           <p:nvPr/>
         </p:nvSpPr>
         <p:spPr>
           <a:xfrm>
-            <a:off x="8438949" y="4167576"/>
-            <a:ext cx="2847977" cy="523220"/>
+            <a:off x="7734309" y="5211865"/>
+            <a:ext cx="2847977" cy="954107"/>
           </a:xfrm>
           <a:prstGeom prst="rect">
             <a:avLst/>
@@ -7491,10 +8191,101 @@
             <a:r>
               <a:rPr lang="fr-FR" sz="1400" dirty="0" smtClean="0">
                 <a:solidFill>
-                  <a:srgbClr val="C00000"/>
+                  <a:schemeClr val="tx1">
+                    <a:lumMod val="75000"/>
+                    <a:lumOff val="25000"/>
+                  </a:schemeClr>
                 </a:solidFill>
               </a:rPr>
-              <a:t>Sur une dizaine de connexions, cette erreur est apparue 5 fois</a:t>
+              <a:t>L’icône « </a:t>
+            </a:r>
+            <a:r>
+              <a:rPr lang="fr-FR" sz="1400" dirty="0" err="1" smtClean="0">
+                <a:solidFill>
+                  <a:schemeClr val="tx1">
+                    <a:lumMod val="75000"/>
+                    <a:lumOff val="25000"/>
+                  </a:schemeClr>
+                </a:solidFill>
+              </a:rPr>
+              <a:t>arrow</a:t>
+            </a:r>
+            <a:r>
+              <a:rPr lang="fr-FR" sz="1400" dirty="0" smtClean="0">
+                <a:solidFill>
+                  <a:schemeClr val="tx1">
+                    <a:lumMod val="75000"/>
+                    <a:lumOff val="25000"/>
+                  </a:schemeClr>
+                </a:solidFill>
+              </a:rPr>
+              <a:t>-down » doit être utilisée sur un élément « fermé » et l’icône « </a:t>
+            </a:r>
+            <a:r>
+              <a:rPr lang="fr-FR" sz="1400" dirty="0" err="1" smtClean="0">
+                <a:solidFill>
+                  <a:schemeClr val="tx1">
+                    <a:lumMod val="75000"/>
+                    <a:lumOff val="25000"/>
+                  </a:schemeClr>
+                </a:solidFill>
+              </a:rPr>
+              <a:t>arrow</a:t>
+            </a:r>
+            <a:r>
+              <a:rPr lang="fr-FR" sz="1400" dirty="0" smtClean="0">
+                <a:solidFill>
+                  <a:schemeClr val="tx1">
+                    <a:lumMod val="75000"/>
+                    <a:lumOff val="25000"/>
+                  </a:schemeClr>
+                </a:solidFill>
+              </a:rPr>
+              <a:t>-up » sur un élément ouvert (</a:t>
+            </a:r>
+            <a:r>
+              <a:rPr lang="fr-FR" sz="1400" dirty="0" err="1" smtClean="0">
+                <a:solidFill>
+                  <a:schemeClr val="tx1">
+                    <a:lumMod val="75000"/>
+                    <a:lumOff val="25000"/>
+                  </a:schemeClr>
+                </a:solidFill>
+              </a:rPr>
+              <a:t>cf</a:t>
+            </a:r>
+            <a:r>
+              <a:rPr lang="fr-FR" sz="1400" dirty="0" smtClean="0">
+                <a:solidFill>
+                  <a:schemeClr val="tx1">
+                    <a:lumMod val="75000"/>
+                    <a:lumOff val="25000"/>
+                  </a:schemeClr>
+                </a:solidFill>
+              </a:rPr>
+              <a:t> carte el </a:t>
+            </a:r>
+            <a:r>
+              <a:rPr lang="fr-FR" sz="1400" dirty="0" err="1" smtClean="0">
+                <a:solidFill>
+                  <a:schemeClr val="tx1">
+                    <a:lumMod val="75000"/>
+                    <a:lumOff val="25000"/>
+                  </a:schemeClr>
+                </a:solidFill>
+              </a:rPr>
+              <a:t>kenz</a:t>
+            </a:r>
+            <a:r>
+              <a:rPr lang="fr-FR" sz="1400" dirty="0" smtClean="0">
+                <a:solidFill>
+                  <a:schemeClr val="tx1">
+                    <a:lumMod val="75000"/>
+                    <a:lumOff val="25000"/>
+                  </a:schemeClr>
+                </a:solidFill>
+              </a:rPr>
+              <a:t>)</a:t>
             </a:r>
             <a:endParaRPr lang="fr-FR" sz="1400" dirty="0">
               <a:solidFill>
@@ -7507,10 +8298,93 @@
           </a:p>
         </p:txBody>
       </p:sp>
+      <p:sp>
+        <p:nvSpPr>
+          <p:cNvPr id="21" name="Ellipse 20"/>
+          <p:cNvSpPr/>
+          <p:nvPr/>
+        </p:nvSpPr>
+        <p:spPr>
+          <a:xfrm>
+            <a:off x="4012163" y="4372688"/>
+            <a:ext cx="289249" cy="289249"/>
+          </a:xfrm>
+          <a:prstGeom prst="ellipse">
+            <a:avLst/>
+          </a:prstGeom>
+          <a:noFill/>
+          <a:ln w="28575">
+            <a:solidFill>
+              <a:srgbClr val="92D050"/>
+            </a:solidFill>
+          </a:ln>
+        </p:spPr>
+        <p:style>
+          <a:lnRef idx="2">
+            <a:schemeClr val="accent1">
+              <a:shade val="50000"/>
+            </a:schemeClr>
+          </a:lnRef>
+          <a:fillRef idx="1">
+            <a:schemeClr val="accent1"/>
+          </a:fillRef>
+          <a:effectRef idx="0">
+            <a:schemeClr val="accent1"/>
+          </a:effectRef>
+          <a:fontRef idx="minor">
+            <a:schemeClr val="lt1"/>
+          </a:fontRef>
+        </p:style>
+        <p:txBody>
+          <a:bodyPr rtlCol="0" anchor="ctr"/>
+          <a:lstStyle/>
+          <a:p>
+            <a:pPr algn="ctr"/>
+            <a:endParaRPr lang="fr-FR"/>
+          </a:p>
+        </p:txBody>
+      </p:sp>
+      <p:sp>
+        <p:nvSpPr>
+          <p:cNvPr id="24" name="Rectangle 23"/>
+          <p:cNvSpPr/>
+          <p:nvPr/>
+        </p:nvSpPr>
+        <p:spPr>
+          <a:xfrm>
+            <a:off x="7459055" y="5066019"/>
+            <a:ext cx="367408" cy="523220"/>
+          </a:xfrm>
+          <a:prstGeom prst="rect">
+            <a:avLst/>
+          </a:prstGeom>
+        </p:spPr>
+        <p:txBody>
+          <a:bodyPr wrap="none">
+            <a:spAutoFit/>
+          </a:bodyPr>
+          <a:lstStyle/>
+          <a:p>
+            <a:r>
+              <a:rPr lang="fr-FR" sz="2800" b="1" dirty="0" smtClean="0">
+                <a:solidFill>
+                  <a:srgbClr val="C00000"/>
+                </a:solidFill>
+              </a:rPr>
+              <a:t>1</a:t>
+            </a:r>
+            <a:endParaRPr lang="fr-FR" sz="2800" b="1" dirty="0">
+              <a:solidFill>
+                <a:srgbClr val="C00000"/>
+              </a:solidFill>
+            </a:endParaRPr>
+          </a:p>
+        </p:txBody>
+      </p:sp>
     </p:spTree>
     <p:extLst>
       <p:ext uri="{BB962C8B-B14F-4D97-AF65-F5344CB8AC3E}">
-        <p14:creationId xmlns:p14="http://schemas.microsoft.com/office/powerpoint/2010/main" val="1616367924"/>
+        <p14:creationId xmlns:p14="http://schemas.microsoft.com/office/powerpoint/2010/main" val="3194163227"/>
       </p:ext>
     </p:extLst>
   </p:cSld>
@@ -7530,6 +8404,14 @@
 <file path=ppt/slides/slide9.xml><?xml version="1.0" encoding="utf-8"?>
 <p:sld xmlns:a="http://schemas.openxmlformats.org/drawingml/2006/main" xmlns:r="http://schemas.openxmlformats.org/officeDocument/2006/relationships" xmlns:p="http://schemas.openxmlformats.org/presentationml/2006/main">
   <p:cSld>
+    <p:bg>
+      <p:bgPr>
+        <a:solidFill>
+          <a:schemeClr val="bg2"/>
+        </a:solidFill>
+        <a:effectLst/>
+      </p:bgPr>
+    </p:bg>
     <p:spTree>
       <p:nvGrpSpPr>
         <p:cNvPr id="1" name=""/>
@@ -7551,7 +8433,38 @@
             <a:spLocks noGrp="1"/>
           </p:cNvSpPr>
           <p:nvPr>
-            <p:ph type="title"/>
+            <p:ph type="ctrTitle"/>
+          </p:nvPr>
+        </p:nvSpPr>
+        <p:spPr/>
+        <p:txBody>
+          <a:bodyPr/>
+          <a:lstStyle/>
+          <a:p>
+            <a:r>
+              <a:rPr lang="fr-FR" b="1" dirty="0" smtClean="0">
+                <a:solidFill>
+                  <a:srgbClr val="EE0031"/>
+                </a:solidFill>
+              </a:rPr>
+              <a:t>ERREURS ET BUGS</a:t>
+            </a:r>
+            <a:endParaRPr lang="fr-FR" b="1" dirty="0">
+              <a:solidFill>
+                <a:srgbClr val="EE0031"/>
+              </a:solidFill>
+            </a:endParaRPr>
+          </a:p>
+        </p:txBody>
+      </p:sp>
+      <p:sp>
+        <p:nvSpPr>
+          <p:cNvPr id="3" name="Sous-titre 2"/>
+          <p:cNvSpPr>
+            <a:spLocks noGrp="1"/>
+          </p:cNvSpPr>
+          <p:nvPr>
+            <p:ph type="subTitle" idx="1"/>
           </p:nvPr>
         </p:nvSpPr>
         <p:spPr/>
@@ -7562,46 +8475,14 @@
             <a:r>
               <a:rPr lang="fr-FR" dirty="0" smtClean="0">
                 <a:solidFill>
-                  <a:srgbClr val="C00000"/>
+                  <a:schemeClr val="bg1"/>
                 </a:solidFill>
               </a:rPr>
-              <a:t>ERREUR NON SP</a:t>
-            </a:r>
-            <a:r>
-              <a:rPr lang="fr-FR" dirty="0" smtClean="0">
-                <a:solidFill>
-                  <a:srgbClr val="C00000"/>
-                </a:solidFill>
-              </a:rPr>
-              <a:t>É</a:t>
-            </a:r>
-            <a:r>
-              <a:rPr lang="fr-FR" dirty="0" smtClean="0">
-                <a:solidFill>
-                  <a:srgbClr val="C00000"/>
-                </a:solidFill>
-              </a:rPr>
-              <a:t>CIFI</a:t>
-            </a:r>
-            <a:r>
-              <a:rPr lang="fr-FR" dirty="0" smtClean="0">
-                <a:solidFill>
-                  <a:srgbClr val="C00000"/>
-                </a:solidFill>
-              </a:rPr>
-              <a:t>É</a:t>
-            </a:r>
-            <a:r>
-              <a:rPr lang="fr-FR" dirty="0" smtClean="0">
-                <a:solidFill>
-                  <a:srgbClr val="C00000"/>
-                </a:solidFill>
-              </a:rPr>
-              <a:t>E</a:t>
+              <a:t>UX DESIGN</a:t>
             </a:r>
             <a:endParaRPr lang="fr-FR" dirty="0">
               <a:solidFill>
-                <a:srgbClr val="C00000"/>
+                <a:schemeClr val="bg1"/>
               </a:solidFill>
             </a:endParaRPr>
           </a:p>
@@ -7609,7 +8490,7 @@
       </p:sp>
       <p:pic>
         <p:nvPicPr>
-          <p:cNvPr id="3" name="Image 2"/>
+          <p:cNvPr id="5" name="Image 4"/>
           <p:cNvPicPr>
             <a:picLocks noChangeAspect="1"/>
           </p:cNvPicPr>
@@ -7637,71 +8518,10 @@
           </a:prstGeom>
         </p:spPr>
       </p:pic>
-      <p:pic>
-        <p:nvPicPr>
-          <p:cNvPr id="6" name="Image 5"/>
-          <p:cNvPicPr>
-            <a:picLocks noChangeAspect="1"/>
-          </p:cNvPicPr>
-          <p:nvPr/>
-        </p:nvPicPr>
-        <p:blipFill rotWithShape="1">
-          <a:blip r:embed="rId3"/>
-          <a:srcRect t="5426" r="36611" b="37696"/>
-          <a:stretch/>
-        </p:blipFill>
-        <p:spPr>
-          <a:xfrm>
-            <a:off x="838200" y="1690688"/>
-            <a:ext cx="9132490" cy="4609323"/>
-          </a:xfrm>
-          <a:prstGeom prst="rect">
-            <a:avLst/>
-          </a:prstGeom>
-        </p:spPr>
-      </p:pic>
-      <p:sp>
-        <p:nvSpPr>
-          <p:cNvPr id="5" name="ZoneTexte 4"/>
-          <p:cNvSpPr txBox="1"/>
-          <p:nvPr/>
-        </p:nvSpPr>
-        <p:spPr>
-          <a:xfrm>
-            <a:off x="6647471" y="4083601"/>
-            <a:ext cx="2847977" cy="584775"/>
-          </a:xfrm>
-          <a:prstGeom prst="rect">
-            <a:avLst/>
-          </a:prstGeom>
-          <a:noFill/>
-        </p:spPr>
-        <p:txBody>
-          <a:bodyPr wrap="square" rtlCol="0">
-            <a:spAutoFit/>
-          </a:bodyPr>
-          <a:lstStyle/>
-          <a:p>
-            <a:r>
-              <a:rPr lang="fr-FR" sz="1600" dirty="0" smtClean="0">
-                <a:solidFill>
-                  <a:schemeClr val="bg1"/>
-                </a:solidFill>
-              </a:rPr>
-              <a:t>Sur une dizaine de connexions, cette erreur est apparue 1 fois</a:t>
-            </a:r>
-            <a:endParaRPr lang="fr-FR" sz="1600" dirty="0">
-              <a:solidFill>
-                <a:schemeClr val="bg1"/>
-              </a:solidFill>
-            </a:endParaRPr>
-          </a:p>
-        </p:txBody>
-      </p:sp>
     </p:spTree>
     <p:extLst>
       <p:ext uri="{BB962C8B-B14F-4D97-AF65-F5344CB8AC3E}">
-        <p14:creationId xmlns:p14="http://schemas.microsoft.com/office/powerpoint/2010/main" val="1228805623"/>
+        <p14:creationId xmlns:p14="http://schemas.microsoft.com/office/powerpoint/2010/main" val="4110761167"/>
       </p:ext>
     </p:extLst>
   </p:cSld>
